--- a/steam/technology/computer_sciences/programming_languages/scratch/season01/level03/lesson08/presentation_tetris_design2023apr16.pptx
+++ b/steam/technology/computer_sciences/programming_languages/scratch/season01/level03/lesson08/presentation_tetris_design2023apr16.pptx
@@ -7,28 +7,30 @@
   <p:sldIdLst>
     <p:sldId id="256" r:id="rId2"/>
     <p:sldId id="260" r:id="rId3"/>
-    <p:sldId id="259" r:id="rId4"/>
-    <p:sldId id="272" r:id="rId5"/>
-    <p:sldId id="274" r:id="rId6"/>
-    <p:sldId id="262" r:id="rId7"/>
-    <p:sldId id="258" r:id="rId8"/>
-    <p:sldId id="263" r:id="rId9"/>
-    <p:sldId id="264" r:id="rId10"/>
-    <p:sldId id="265" r:id="rId11"/>
-    <p:sldId id="266" r:id="rId12"/>
-    <p:sldId id="267" r:id="rId13"/>
-    <p:sldId id="268" r:id="rId14"/>
-    <p:sldId id="269" r:id="rId15"/>
-    <p:sldId id="273" r:id="rId16"/>
-    <p:sldId id="271" r:id="rId17"/>
-    <p:sldId id="275" r:id="rId18"/>
-    <p:sldId id="276" r:id="rId19"/>
-    <p:sldId id="278" r:id="rId20"/>
+    <p:sldId id="280" r:id="rId4"/>
+    <p:sldId id="279" r:id="rId5"/>
+    <p:sldId id="259" r:id="rId6"/>
+    <p:sldId id="272" r:id="rId7"/>
+    <p:sldId id="274" r:id="rId8"/>
+    <p:sldId id="262" r:id="rId9"/>
+    <p:sldId id="258" r:id="rId10"/>
+    <p:sldId id="263" r:id="rId11"/>
+    <p:sldId id="264" r:id="rId12"/>
+    <p:sldId id="265" r:id="rId13"/>
+    <p:sldId id="266" r:id="rId14"/>
+    <p:sldId id="267" r:id="rId15"/>
+    <p:sldId id="268" r:id="rId16"/>
+    <p:sldId id="269" r:id="rId17"/>
+    <p:sldId id="273" r:id="rId18"/>
+    <p:sldId id="271" r:id="rId19"/>
+    <p:sldId id="275" r:id="rId20"/>
+    <p:sldId id="276" r:id="rId21"/>
+    <p:sldId id="278" r:id="rId22"/>
   </p:sldIdLst>
   <p:sldSz cx="12192000" cy="6858000"/>
   <p:notesSz cx="6858000" cy="9144000"/>
   <p:custDataLst>
-    <p:tags r:id="rId21"/>
+    <p:tags r:id="rId23"/>
   </p:custDataLst>
   <p:defaultTextStyle>
     <a:defPPr>
@@ -3827,6 +3829,1872 @@
             </p:custDataLst>
             <p:extLst>
               <p:ext uri="{D42A27DB-BD31-4B8C-83A1-F6EECF244321}">
+                <p14:modId xmlns:p14="http://schemas.microsoft.com/office/powerpoint/2010/main" val="4164041455"/>
+              </p:ext>
+            </p:extLst>
+          </p:nvPr>
+        </p:nvGraphicFramePr>
+        <p:xfrm>
+          <a:off x="1588" y="1588"/>
+          <a:ext cx="1227" cy="1588"/>
+        </p:xfrm>
+        <a:graphic>
+          <a:graphicData uri="http://schemas.openxmlformats.org/presentationml/2006/ole">
+            <mc:AlternateContent xmlns:mc="http://schemas.openxmlformats.org/markup-compatibility/2006">
+              <mc:Choice xmlns:v="urn:schemas-microsoft-com:vml" Requires="v">
+                <p:oleObj name="think-cell Slide" r:id="rId3" imgW="7772400" imgH="10058400" progId="TCLayout.ActiveDocument.1">
+                  <p:embed/>
+                </p:oleObj>
+              </mc:Choice>
+              <mc:Fallback>
+                <p:oleObj name="think-cell Slide" r:id="rId3" imgW="7772400" imgH="10058400" progId="TCLayout.ActiveDocument.1">
+                  <p:embed/>
+                  <p:pic>
+                    <p:nvPicPr>
+                      <p:cNvPr id="3" name="Object 2" hidden="1">
+                        <a:extLst>
+                          <a:ext uri="{FF2B5EF4-FFF2-40B4-BE49-F238E27FC236}">
+                            <a16:creationId xmlns:a16="http://schemas.microsoft.com/office/drawing/2014/main" id="{7B0E5C28-5D1C-C5DA-F761-8DB75D19E113}"/>
+                          </a:ext>
+                        </a:extLst>
+                      </p:cNvPr>
+                      <p:cNvPicPr/>
+                      <p:nvPr/>
+                    </p:nvPicPr>
+                    <p:blipFill>
+                      <a:blip r:embed="rId4"/>
+                      <a:stretch>
+                        <a:fillRect/>
+                      </a:stretch>
+                    </p:blipFill>
+                    <p:spPr>
+                      <a:xfrm>
+                        <a:off x="1588" y="1588"/>
+                        <a:ext cx="1227" cy="1588"/>
+                      </a:xfrm>
+                      <a:prstGeom prst="rect">
+                        <a:avLst/>
+                      </a:prstGeom>
+                    </p:spPr>
+                  </p:pic>
+                </p:oleObj>
+              </mc:Fallback>
+            </mc:AlternateContent>
+          </a:graphicData>
+        </a:graphic>
+      </p:graphicFrame>
+      <p:sp>
+        <p:nvSpPr>
+          <p:cNvPr id="2" name="Title 1">
+            <a:extLst>
+              <a:ext uri="{FF2B5EF4-FFF2-40B4-BE49-F238E27FC236}">
+                <a16:creationId xmlns:a16="http://schemas.microsoft.com/office/drawing/2014/main" id="{D208D552-0DD6-EE06-798E-F74E67F69742}"/>
+              </a:ext>
+            </a:extLst>
+          </p:cNvPr>
+          <p:cNvSpPr>
+            <a:spLocks noGrp="1"/>
+          </p:cNvSpPr>
+          <p:nvPr>
+            <p:ph type="title"/>
+          </p:nvPr>
+        </p:nvSpPr>
+        <p:spPr/>
+        <p:txBody>
+          <a:bodyPr vert="horz"/>
+          <a:lstStyle/>
+          <a:p>
+            <a:r>
+              <a:rPr lang="en-US" dirty="0"/>
+              <a:t>砖块的数据结构-tetronimoes数组</a:t>
+            </a:r>
+            <a:endParaRPr lang="en-GB" dirty="0"/>
+          </a:p>
+        </p:txBody>
+      </p:sp>
+      <p:sp>
+        <p:nvSpPr>
+          <p:cNvPr id="5" name="TextBox 4">
+            <a:extLst>
+              <a:ext uri="{FF2B5EF4-FFF2-40B4-BE49-F238E27FC236}">
+                <a16:creationId xmlns:a16="http://schemas.microsoft.com/office/drawing/2014/main" id="{4F7DFE74-9E3C-4735-62C4-8C7AFA103661}"/>
+              </a:ext>
+            </a:extLst>
+          </p:cNvPr>
+          <p:cNvSpPr txBox="1"/>
+          <p:nvPr/>
+        </p:nvSpPr>
+        <p:spPr>
+          <a:xfrm>
+            <a:off x="3444023" y="2075267"/>
+            <a:ext cx="7633250" cy="3693319"/>
+          </a:xfrm>
+          <a:prstGeom prst="rect">
+            <a:avLst/>
+          </a:prstGeom>
+          <a:solidFill>
+            <a:srgbClr val="00B0F0"/>
+          </a:solidFill>
+        </p:spPr>
+        <p:txBody>
+          <a:bodyPr wrap="square">
+            <a:spAutoFit/>
+          </a:bodyPr>
+          <a:lstStyle/>
+          <a:p>
+            <a:r>
+              <a:rPr lang="en-AE" dirty="0"/>
+              <a:t>0000111001000000010011000100000001001110000000000100011001000000</a:t>
+            </a:r>
+          </a:p>
+          <a:p>
+            <a:endParaRPr lang="en-AE" dirty="0"/>
+          </a:p>
+          <a:p>
+            <a:r>
+              <a:rPr lang="en-AE" dirty="0"/>
+              <a:t>0000222000200000020002002200000020002220000000000220020002000000</a:t>
+            </a:r>
+          </a:p>
+          <a:p>
+            <a:endParaRPr lang="en-AE" dirty="0"/>
+          </a:p>
+          <a:p>
+            <a:r>
+              <a:rPr lang="en-AE" dirty="0"/>
+              <a:t>00003300033000000300330030000000</a:t>
+            </a:r>
+          </a:p>
+          <a:p>
+            <a:endParaRPr lang="en-AE" dirty="0"/>
+          </a:p>
+          <a:p>
+            <a:r>
+              <a:rPr lang="en-AE" dirty="0"/>
+              <a:t>00000110011000000000011001100000</a:t>
+            </a:r>
+          </a:p>
+          <a:p>
+            <a:endParaRPr lang="en-AE" dirty="0"/>
+          </a:p>
+          <a:p>
+            <a:r>
+              <a:rPr lang="en-AE" dirty="0"/>
+              <a:t>00000220220000002000220002000000</a:t>
+            </a:r>
+          </a:p>
+          <a:p>
+            <a:endParaRPr lang="en-AE" dirty="0"/>
+          </a:p>
+          <a:p>
+            <a:r>
+              <a:rPr lang="en-AE" dirty="0"/>
+              <a:t>0000333030000000330003000300000000303330000000000300030003300000</a:t>
+            </a:r>
+          </a:p>
+          <a:p>
+            <a:endParaRPr lang="en-AE" dirty="0"/>
+          </a:p>
+          <a:p>
+            <a:r>
+              <a:rPr lang="en-AE" dirty="0"/>
+              <a:t>00000000111100000100010001000100</a:t>
+            </a:r>
+          </a:p>
+        </p:txBody>
+      </p:sp>
+      <p:sp>
+        <p:nvSpPr>
+          <p:cNvPr id="4" name="TextBox 3">
+            <a:extLst>
+              <a:ext uri="{FF2B5EF4-FFF2-40B4-BE49-F238E27FC236}">
+                <a16:creationId xmlns:a16="http://schemas.microsoft.com/office/drawing/2014/main" id="{A436DF6B-704A-C9E6-3029-C24FEF632133}"/>
+              </a:ext>
+            </a:extLst>
+          </p:cNvPr>
+          <p:cNvSpPr txBox="1"/>
+          <p:nvPr/>
+        </p:nvSpPr>
+        <p:spPr>
+          <a:xfrm>
+            <a:off x="1451574" y="2045779"/>
+            <a:ext cx="931665" cy="369332"/>
+          </a:xfrm>
+          <a:prstGeom prst="rect">
+            <a:avLst/>
+          </a:prstGeom>
+          <a:noFill/>
+        </p:spPr>
+        <p:txBody>
+          <a:bodyPr wrap="none" rtlCol="0">
+            <a:spAutoFit/>
+          </a:bodyPr>
+          <a:lstStyle/>
+          <a:p>
+            <a:r>
+              <a:rPr lang="en-GB" dirty="0"/>
+              <a:t>Index 1:</a:t>
+            </a:r>
+          </a:p>
+        </p:txBody>
+      </p:sp>
+      <p:sp>
+        <p:nvSpPr>
+          <p:cNvPr id="6" name="TextBox 5">
+            <a:extLst>
+              <a:ext uri="{FF2B5EF4-FFF2-40B4-BE49-F238E27FC236}">
+                <a16:creationId xmlns:a16="http://schemas.microsoft.com/office/drawing/2014/main" id="{6FF8AB76-7FA7-8BDD-8FDD-A104CD1D6CF1}"/>
+              </a:ext>
+            </a:extLst>
+          </p:cNvPr>
+          <p:cNvSpPr txBox="1"/>
+          <p:nvPr/>
+        </p:nvSpPr>
+        <p:spPr>
+          <a:xfrm>
+            <a:off x="1451575" y="2609606"/>
+            <a:ext cx="931665" cy="369332"/>
+          </a:xfrm>
+          <a:prstGeom prst="rect">
+            <a:avLst/>
+          </a:prstGeom>
+          <a:noFill/>
+        </p:spPr>
+        <p:txBody>
+          <a:bodyPr wrap="none" rtlCol="0">
+            <a:spAutoFit/>
+          </a:bodyPr>
+          <a:lstStyle/>
+          <a:p>
+            <a:r>
+              <a:rPr lang="en-GB" dirty="0"/>
+              <a:t>Index 2:</a:t>
+            </a:r>
+          </a:p>
+        </p:txBody>
+      </p:sp>
+      <p:sp>
+        <p:nvSpPr>
+          <p:cNvPr id="7" name="TextBox 6">
+            <a:extLst>
+              <a:ext uri="{FF2B5EF4-FFF2-40B4-BE49-F238E27FC236}">
+                <a16:creationId xmlns:a16="http://schemas.microsoft.com/office/drawing/2014/main" id="{C9A4462A-1268-D166-3AB6-C1E77B0C8BC7}"/>
+              </a:ext>
+            </a:extLst>
+          </p:cNvPr>
+          <p:cNvSpPr txBox="1"/>
+          <p:nvPr/>
+        </p:nvSpPr>
+        <p:spPr>
+          <a:xfrm>
+            <a:off x="1451574" y="3170963"/>
+            <a:ext cx="931665" cy="369332"/>
+          </a:xfrm>
+          <a:prstGeom prst="rect">
+            <a:avLst/>
+          </a:prstGeom>
+          <a:noFill/>
+        </p:spPr>
+        <p:txBody>
+          <a:bodyPr wrap="none" rtlCol="0">
+            <a:spAutoFit/>
+          </a:bodyPr>
+          <a:lstStyle/>
+          <a:p>
+            <a:r>
+              <a:rPr lang="en-GB" dirty="0"/>
+              <a:t>Index 3:</a:t>
+            </a:r>
+          </a:p>
+        </p:txBody>
+      </p:sp>
+      <p:sp>
+        <p:nvSpPr>
+          <p:cNvPr id="8" name="TextBox 7">
+            <a:extLst>
+              <a:ext uri="{FF2B5EF4-FFF2-40B4-BE49-F238E27FC236}">
+                <a16:creationId xmlns:a16="http://schemas.microsoft.com/office/drawing/2014/main" id="{E51BD2E1-EA15-3E9B-02DE-66D181C61D59}"/>
+              </a:ext>
+            </a:extLst>
+          </p:cNvPr>
+          <p:cNvSpPr txBox="1"/>
+          <p:nvPr/>
+        </p:nvSpPr>
+        <p:spPr>
+          <a:xfrm>
+            <a:off x="1451574" y="3737261"/>
+            <a:ext cx="931665" cy="369332"/>
+          </a:xfrm>
+          <a:prstGeom prst="rect">
+            <a:avLst/>
+          </a:prstGeom>
+          <a:noFill/>
+        </p:spPr>
+        <p:txBody>
+          <a:bodyPr wrap="none" rtlCol="0">
+            <a:spAutoFit/>
+          </a:bodyPr>
+          <a:lstStyle/>
+          <a:p>
+            <a:r>
+              <a:rPr lang="en-GB" dirty="0"/>
+              <a:t>Index 4:</a:t>
+            </a:r>
+          </a:p>
+        </p:txBody>
+      </p:sp>
+      <p:sp>
+        <p:nvSpPr>
+          <p:cNvPr id="9" name="TextBox 8">
+            <a:extLst>
+              <a:ext uri="{FF2B5EF4-FFF2-40B4-BE49-F238E27FC236}">
+                <a16:creationId xmlns:a16="http://schemas.microsoft.com/office/drawing/2014/main" id="{45ED78C2-6FB4-95E6-5224-F3F4637FEDB8}"/>
+              </a:ext>
+            </a:extLst>
+          </p:cNvPr>
+          <p:cNvSpPr txBox="1"/>
+          <p:nvPr/>
+        </p:nvSpPr>
+        <p:spPr>
+          <a:xfrm>
+            <a:off x="1451573" y="4303559"/>
+            <a:ext cx="931665" cy="369332"/>
+          </a:xfrm>
+          <a:prstGeom prst="rect">
+            <a:avLst/>
+          </a:prstGeom>
+          <a:noFill/>
+        </p:spPr>
+        <p:txBody>
+          <a:bodyPr wrap="none" rtlCol="0">
+            <a:spAutoFit/>
+          </a:bodyPr>
+          <a:lstStyle/>
+          <a:p>
+            <a:r>
+              <a:rPr lang="en-GB" dirty="0"/>
+              <a:t>Index 5:</a:t>
+            </a:r>
+          </a:p>
+        </p:txBody>
+      </p:sp>
+      <p:sp>
+        <p:nvSpPr>
+          <p:cNvPr id="10" name="TextBox 9">
+            <a:extLst>
+              <a:ext uri="{FF2B5EF4-FFF2-40B4-BE49-F238E27FC236}">
+                <a16:creationId xmlns:a16="http://schemas.microsoft.com/office/drawing/2014/main" id="{E485F998-79E4-309E-FCFA-B7066C9A4F40}"/>
+              </a:ext>
+            </a:extLst>
+          </p:cNvPr>
+          <p:cNvSpPr txBox="1"/>
+          <p:nvPr/>
+        </p:nvSpPr>
+        <p:spPr>
+          <a:xfrm>
+            <a:off x="1451572" y="4798878"/>
+            <a:ext cx="931665" cy="369332"/>
+          </a:xfrm>
+          <a:prstGeom prst="rect">
+            <a:avLst/>
+          </a:prstGeom>
+          <a:noFill/>
+        </p:spPr>
+        <p:txBody>
+          <a:bodyPr wrap="none" rtlCol="0">
+            <a:spAutoFit/>
+          </a:bodyPr>
+          <a:lstStyle/>
+          <a:p>
+            <a:r>
+              <a:rPr lang="en-GB" dirty="0"/>
+              <a:t>Index 6:</a:t>
+            </a:r>
+          </a:p>
+        </p:txBody>
+      </p:sp>
+      <p:sp>
+        <p:nvSpPr>
+          <p:cNvPr id="11" name="TextBox 10">
+            <a:extLst>
+              <a:ext uri="{FF2B5EF4-FFF2-40B4-BE49-F238E27FC236}">
+                <a16:creationId xmlns:a16="http://schemas.microsoft.com/office/drawing/2014/main" id="{2619AD17-98FB-8682-D832-BFA1FA0F429B}"/>
+              </a:ext>
+            </a:extLst>
+          </p:cNvPr>
+          <p:cNvSpPr txBox="1"/>
+          <p:nvPr/>
+        </p:nvSpPr>
+        <p:spPr>
+          <a:xfrm>
+            <a:off x="1451572" y="5360235"/>
+            <a:ext cx="931665" cy="369332"/>
+          </a:xfrm>
+          <a:prstGeom prst="rect">
+            <a:avLst/>
+          </a:prstGeom>
+          <a:noFill/>
+        </p:spPr>
+        <p:txBody>
+          <a:bodyPr wrap="none" rtlCol="0">
+            <a:spAutoFit/>
+          </a:bodyPr>
+          <a:lstStyle/>
+          <a:p>
+            <a:r>
+              <a:rPr lang="en-GB" dirty="0"/>
+              <a:t>Index 7:</a:t>
+            </a:r>
+          </a:p>
+        </p:txBody>
+      </p:sp>
+      <p:sp>
+        <p:nvSpPr>
+          <p:cNvPr id="12" name="Right Arrow 11">
+            <a:extLst>
+              <a:ext uri="{FF2B5EF4-FFF2-40B4-BE49-F238E27FC236}">
+                <a16:creationId xmlns:a16="http://schemas.microsoft.com/office/drawing/2014/main" id="{87D6DC99-AA51-DF88-0BB7-EA1B00A54FE3}"/>
+              </a:ext>
+            </a:extLst>
+          </p:cNvPr>
+          <p:cNvSpPr/>
+          <p:nvPr/>
+        </p:nvSpPr>
+        <p:spPr>
+          <a:xfrm>
+            <a:off x="2593037" y="2139347"/>
+            <a:ext cx="785192" cy="184666"/>
+          </a:xfrm>
+          <a:prstGeom prst="rightArrow">
+            <a:avLst/>
+          </a:prstGeom>
+        </p:spPr>
+        <p:style>
+          <a:lnRef idx="2">
+            <a:schemeClr val="accent1">
+              <a:shade val="50000"/>
+            </a:schemeClr>
+          </a:lnRef>
+          <a:fillRef idx="1">
+            <a:schemeClr val="accent1"/>
+          </a:fillRef>
+          <a:effectRef idx="0">
+            <a:schemeClr val="accent1"/>
+          </a:effectRef>
+          <a:fontRef idx="minor">
+            <a:schemeClr val="lt1"/>
+          </a:fontRef>
+        </p:style>
+        <p:txBody>
+          <a:bodyPr rtlCol="0" anchor="ctr"/>
+          <a:lstStyle/>
+          <a:p>
+            <a:pPr algn="ctr"/>
+            <a:endParaRPr lang="en-GB"/>
+          </a:p>
+        </p:txBody>
+      </p:sp>
+      <p:sp>
+        <p:nvSpPr>
+          <p:cNvPr id="13" name="Right Arrow 12">
+            <a:extLst>
+              <a:ext uri="{FF2B5EF4-FFF2-40B4-BE49-F238E27FC236}">
+                <a16:creationId xmlns:a16="http://schemas.microsoft.com/office/drawing/2014/main" id="{72A59482-F0B6-CB8B-91F6-B29571F62EEE}"/>
+              </a:ext>
+            </a:extLst>
+          </p:cNvPr>
+          <p:cNvSpPr/>
+          <p:nvPr/>
+        </p:nvSpPr>
+        <p:spPr>
+          <a:xfrm>
+            <a:off x="2593037" y="2703174"/>
+            <a:ext cx="785192" cy="184666"/>
+          </a:xfrm>
+          <a:prstGeom prst="rightArrow">
+            <a:avLst/>
+          </a:prstGeom>
+        </p:spPr>
+        <p:style>
+          <a:lnRef idx="2">
+            <a:schemeClr val="accent1">
+              <a:shade val="50000"/>
+            </a:schemeClr>
+          </a:lnRef>
+          <a:fillRef idx="1">
+            <a:schemeClr val="accent1"/>
+          </a:fillRef>
+          <a:effectRef idx="0">
+            <a:schemeClr val="accent1"/>
+          </a:effectRef>
+          <a:fontRef idx="minor">
+            <a:schemeClr val="lt1"/>
+          </a:fontRef>
+        </p:style>
+        <p:txBody>
+          <a:bodyPr rtlCol="0" anchor="ctr"/>
+          <a:lstStyle/>
+          <a:p>
+            <a:pPr algn="ctr"/>
+            <a:endParaRPr lang="en-GB"/>
+          </a:p>
+        </p:txBody>
+      </p:sp>
+      <p:sp>
+        <p:nvSpPr>
+          <p:cNvPr id="14" name="Right Arrow 13">
+            <a:extLst>
+              <a:ext uri="{FF2B5EF4-FFF2-40B4-BE49-F238E27FC236}">
+                <a16:creationId xmlns:a16="http://schemas.microsoft.com/office/drawing/2014/main" id="{33778190-17DB-A298-0C70-D4BDF8605119}"/>
+              </a:ext>
+            </a:extLst>
+          </p:cNvPr>
+          <p:cNvSpPr/>
+          <p:nvPr/>
+        </p:nvSpPr>
+        <p:spPr>
+          <a:xfrm>
+            <a:off x="2593037" y="3276842"/>
+            <a:ext cx="785192" cy="184666"/>
+          </a:xfrm>
+          <a:prstGeom prst="rightArrow">
+            <a:avLst/>
+          </a:prstGeom>
+        </p:spPr>
+        <p:style>
+          <a:lnRef idx="2">
+            <a:schemeClr val="accent1">
+              <a:shade val="50000"/>
+            </a:schemeClr>
+          </a:lnRef>
+          <a:fillRef idx="1">
+            <a:schemeClr val="accent1"/>
+          </a:fillRef>
+          <a:effectRef idx="0">
+            <a:schemeClr val="accent1"/>
+          </a:effectRef>
+          <a:fontRef idx="minor">
+            <a:schemeClr val="lt1"/>
+          </a:fontRef>
+        </p:style>
+        <p:txBody>
+          <a:bodyPr rtlCol="0" anchor="ctr"/>
+          <a:lstStyle/>
+          <a:p>
+            <a:pPr algn="ctr"/>
+            <a:endParaRPr lang="en-GB"/>
+          </a:p>
+        </p:txBody>
+      </p:sp>
+      <p:sp>
+        <p:nvSpPr>
+          <p:cNvPr id="15" name="Right Arrow 14">
+            <a:extLst>
+              <a:ext uri="{FF2B5EF4-FFF2-40B4-BE49-F238E27FC236}">
+                <a16:creationId xmlns:a16="http://schemas.microsoft.com/office/drawing/2014/main" id="{A8E522B7-49FE-9BF1-B3F5-627E91FA6134}"/>
+              </a:ext>
+            </a:extLst>
+          </p:cNvPr>
+          <p:cNvSpPr/>
+          <p:nvPr/>
+        </p:nvSpPr>
+        <p:spPr>
+          <a:xfrm>
+            <a:off x="2593037" y="3860351"/>
+            <a:ext cx="785192" cy="184666"/>
+          </a:xfrm>
+          <a:prstGeom prst="rightArrow">
+            <a:avLst/>
+          </a:prstGeom>
+        </p:spPr>
+        <p:style>
+          <a:lnRef idx="2">
+            <a:schemeClr val="accent1">
+              <a:shade val="50000"/>
+            </a:schemeClr>
+          </a:lnRef>
+          <a:fillRef idx="1">
+            <a:schemeClr val="accent1"/>
+          </a:fillRef>
+          <a:effectRef idx="0">
+            <a:schemeClr val="accent1"/>
+          </a:effectRef>
+          <a:fontRef idx="minor">
+            <a:schemeClr val="lt1"/>
+          </a:fontRef>
+        </p:style>
+        <p:txBody>
+          <a:bodyPr rtlCol="0" anchor="ctr"/>
+          <a:lstStyle/>
+          <a:p>
+            <a:pPr algn="ctr"/>
+            <a:endParaRPr lang="en-GB"/>
+          </a:p>
+        </p:txBody>
+      </p:sp>
+      <p:sp>
+        <p:nvSpPr>
+          <p:cNvPr id="16" name="Right Arrow 15">
+            <a:extLst>
+              <a:ext uri="{FF2B5EF4-FFF2-40B4-BE49-F238E27FC236}">
+                <a16:creationId xmlns:a16="http://schemas.microsoft.com/office/drawing/2014/main" id="{01703043-D700-08C7-156B-89DB5BD34613}"/>
+              </a:ext>
+            </a:extLst>
+          </p:cNvPr>
+          <p:cNvSpPr/>
+          <p:nvPr/>
+        </p:nvSpPr>
+        <p:spPr>
+          <a:xfrm>
+            <a:off x="2593037" y="4395892"/>
+            <a:ext cx="785192" cy="184666"/>
+          </a:xfrm>
+          <a:prstGeom prst="rightArrow">
+            <a:avLst/>
+          </a:prstGeom>
+        </p:spPr>
+        <p:style>
+          <a:lnRef idx="2">
+            <a:schemeClr val="accent1">
+              <a:shade val="50000"/>
+            </a:schemeClr>
+          </a:lnRef>
+          <a:fillRef idx="1">
+            <a:schemeClr val="accent1"/>
+          </a:fillRef>
+          <a:effectRef idx="0">
+            <a:schemeClr val="accent1"/>
+          </a:effectRef>
+          <a:fontRef idx="minor">
+            <a:schemeClr val="lt1"/>
+          </a:fontRef>
+        </p:style>
+        <p:txBody>
+          <a:bodyPr rtlCol="0" anchor="ctr"/>
+          <a:lstStyle/>
+          <a:p>
+            <a:pPr algn="ctr"/>
+            <a:endParaRPr lang="en-GB"/>
+          </a:p>
+        </p:txBody>
+      </p:sp>
+      <p:sp>
+        <p:nvSpPr>
+          <p:cNvPr id="17" name="Right Arrow 16">
+            <a:extLst>
+              <a:ext uri="{FF2B5EF4-FFF2-40B4-BE49-F238E27FC236}">
+                <a16:creationId xmlns:a16="http://schemas.microsoft.com/office/drawing/2014/main" id="{F13C1CA3-C688-9ACF-C810-2B105DDC5FA3}"/>
+              </a:ext>
+            </a:extLst>
+          </p:cNvPr>
+          <p:cNvSpPr/>
+          <p:nvPr/>
+        </p:nvSpPr>
+        <p:spPr>
+          <a:xfrm>
+            <a:off x="2593037" y="4953159"/>
+            <a:ext cx="785192" cy="184666"/>
+          </a:xfrm>
+          <a:prstGeom prst="rightArrow">
+            <a:avLst/>
+          </a:prstGeom>
+        </p:spPr>
+        <p:style>
+          <a:lnRef idx="2">
+            <a:schemeClr val="accent1">
+              <a:shade val="50000"/>
+            </a:schemeClr>
+          </a:lnRef>
+          <a:fillRef idx="1">
+            <a:schemeClr val="accent1"/>
+          </a:fillRef>
+          <a:effectRef idx="0">
+            <a:schemeClr val="accent1"/>
+          </a:effectRef>
+          <a:fontRef idx="minor">
+            <a:schemeClr val="lt1"/>
+          </a:fontRef>
+        </p:style>
+        <p:txBody>
+          <a:bodyPr rtlCol="0" anchor="ctr"/>
+          <a:lstStyle/>
+          <a:p>
+            <a:pPr algn="ctr"/>
+            <a:endParaRPr lang="en-GB"/>
+          </a:p>
+        </p:txBody>
+      </p:sp>
+      <p:sp>
+        <p:nvSpPr>
+          <p:cNvPr id="18" name="Right Arrow 17">
+            <a:extLst>
+              <a:ext uri="{FF2B5EF4-FFF2-40B4-BE49-F238E27FC236}">
+                <a16:creationId xmlns:a16="http://schemas.microsoft.com/office/drawing/2014/main" id="{FC83DBF5-EB33-2458-FA12-4E28A8238F71}"/>
+              </a:ext>
+            </a:extLst>
+          </p:cNvPr>
+          <p:cNvSpPr/>
+          <p:nvPr/>
+        </p:nvSpPr>
+        <p:spPr>
+          <a:xfrm>
+            <a:off x="2593037" y="5510426"/>
+            <a:ext cx="785192" cy="184666"/>
+          </a:xfrm>
+          <a:prstGeom prst="rightArrow">
+            <a:avLst/>
+          </a:prstGeom>
+        </p:spPr>
+        <p:style>
+          <a:lnRef idx="2">
+            <a:schemeClr val="accent1">
+              <a:shade val="50000"/>
+            </a:schemeClr>
+          </a:lnRef>
+          <a:fillRef idx="1">
+            <a:schemeClr val="accent1"/>
+          </a:fillRef>
+          <a:effectRef idx="0">
+            <a:schemeClr val="accent1"/>
+          </a:effectRef>
+          <a:fontRef idx="minor">
+            <a:schemeClr val="lt1"/>
+          </a:fontRef>
+        </p:style>
+        <p:txBody>
+          <a:bodyPr rtlCol="0" anchor="ctr"/>
+          <a:lstStyle/>
+          <a:p>
+            <a:pPr algn="ctr"/>
+            <a:endParaRPr lang="en-GB"/>
+          </a:p>
+        </p:txBody>
+      </p:sp>
+    </p:spTree>
+    <p:extLst>
+      <p:ext uri="{BB962C8B-B14F-4D97-AF65-F5344CB8AC3E}">
+        <p14:creationId xmlns:p14="http://schemas.microsoft.com/office/powerpoint/2010/main" val="4178825604"/>
+      </p:ext>
+    </p:extLst>
+  </p:cSld>
+  <p:clrMapOvr>
+    <a:masterClrMapping/>
+  </p:clrMapOvr>
+</p:sld>
+</file>
+
+<file path=ppt/slides/slide11.xml><?xml version="1.0" encoding="utf-8"?>
+<p:sld xmlns:a="http://schemas.openxmlformats.org/drawingml/2006/main" xmlns:r="http://schemas.openxmlformats.org/officeDocument/2006/relationships" xmlns:p="http://schemas.openxmlformats.org/presentationml/2006/main">
+  <p:cSld>
+    <p:spTree>
+      <p:nvGrpSpPr>
+        <p:cNvPr id="1" name=""/>
+        <p:cNvGrpSpPr/>
+        <p:nvPr/>
+      </p:nvGrpSpPr>
+      <p:grpSpPr>
+        <a:xfrm>
+          <a:off x="0" y="0"/>
+          <a:ext cx="0" cy="0"/>
+          <a:chOff x="0" y="0"/>
+          <a:chExt cx="0" cy="0"/>
+        </a:xfrm>
+      </p:grpSpPr>
+      <p:graphicFrame>
+        <p:nvGraphicFramePr>
+          <p:cNvPr id="3" name="Object 2" hidden="1">
+            <a:extLst>
+              <a:ext uri="{FF2B5EF4-FFF2-40B4-BE49-F238E27FC236}">
+                <a16:creationId xmlns:a16="http://schemas.microsoft.com/office/drawing/2014/main" id="{7B0E5C28-5D1C-C5DA-F761-8DB75D19E113}"/>
+              </a:ext>
+            </a:extLst>
+          </p:cNvPr>
+          <p:cNvGraphicFramePr>
+            <a:graphicFrameLocks noChangeAspect="1"/>
+          </p:cNvGraphicFramePr>
+          <p:nvPr>
+            <p:custDataLst>
+              <p:tags r:id="rId1"/>
+            </p:custDataLst>
+            <p:extLst>
+              <p:ext uri="{D42A27DB-BD31-4B8C-83A1-F6EECF244321}">
+                <p14:modId xmlns:p14="http://schemas.microsoft.com/office/powerpoint/2010/main" val="3920621126"/>
+              </p:ext>
+            </p:extLst>
+          </p:nvPr>
+        </p:nvGraphicFramePr>
+        <p:xfrm>
+          <a:off x="1588" y="1588"/>
+          <a:ext cx="1227" cy="1588"/>
+        </p:xfrm>
+        <a:graphic>
+          <a:graphicData uri="http://schemas.openxmlformats.org/presentationml/2006/ole">
+            <mc:AlternateContent xmlns:mc="http://schemas.openxmlformats.org/markup-compatibility/2006">
+              <mc:Choice xmlns:v="urn:schemas-microsoft-com:vml" Requires="v">
+                <p:oleObj name="think-cell Slide" r:id="rId3" imgW="7772400" imgH="10058400" progId="TCLayout.ActiveDocument.1">
+                  <p:embed/>
+                </p:oleObj>
+              </mc:Choice>
+              <mc:Fallback>
+                <p:oleObj name="think-cell Slide" r:id="rId3" imgW="7772400" imgH="10058400" progId="TCLayout.ActiveDocument.1">
+                  <p:embed/>
+                  <p:pic>
+                    <p:nvPicPr>
+                      <p:cNvPr id="3" name="Object 2" hidden="1">
+                        <a:extLst>
+                          <a:ext uri="{FF2B5EF4-FFF2-40B4-BE49-F238E27FC236}">
+                            <a16:creationId xmlns:a16="http://schemas.microsoft.com/office/drawing/2014/main" id="{7B0E5C28-5D1C-C5DA-F761-8DB75D19E113}"/>
+                          </a:ext>
+                        </a:extLst>
+                      </p:cNvPr>
+                      <p:cNvPicPr/>
+                      <p:nvPr/>
+                    </p:nvPicPr>
+                    <p:blipFill>
+                      <a:blip r:embed="rId4"/>
+                      <a:stretch>
+                        <a:fillRect/>
+                      </a:stretch>
+                    </p:blipFill>
+                    <p:spPr>
+                      <a:xfrm>
+                        <a:off x="1588" y="1588"/>
+                        <a:ext cx="1227" cy="1588"/>
+                      </a:xfrm>
+                      <a:prstGeom prst="rect">
+                        <a:avLst/>
+                      </a:prstGeom>
+                    </p:spPr>
+                  </p:pic>
+                </p:oleObj>
+              </mc:Fallback>
+            </mc:AlternateContent>
+          </a:graphicData>
+        </a:graphic>
+      </p:graphicFrame>
+      <p:sp>
+        <p:nvSpPr>
+          <p:cNvPr id="2" name="Title 1">
+            <a:extLst>
+              <a:ext uri="{FF2B5EF4-FFF2-40B4-BE49-F238E27FC236}">
+                <a16:creationId xmlns:a16="http://schemas.microsoft.com/office/drawing/2014/main" id="{D208D552-0DD6-EE06-798E-F74E67F69742}"/>
+              </a:ext>
+            </a:extLst>
+          </p:cNvPr>
+          <p:cNvSpPr>
+            <a:spLocks noGrp="1"/>
+          </p:cNvSpPr>
+          <p:nvPr>
+            <p:ph type="title"/>
+          </p:nvPr>
+        </p:nvSpPr>
+        <p:spPr/>
+        <p:txBody>
+          <a:bodyPr vert="horz"/>
+          <a:lstStyle/>
+          <a:p>
+            <a:r>
+              <a:rPr lang="en-US" dirty="0"/>
+              <a:t>砖块的数据结构-tetronimoes数组-index 1</a:t>
+            </a:r>
+            <a:endParaRPr lang="en-GB" dirty="0"/>
+          </a:p>
+        </p:txBody>
+      </p:sp>
+      <p:sp>
+        <p:nvSpPr>
+          <p:cNvPr id="5" name="TextBox 4">
+            <a:extLst>
+              <a:ext uri="{FF2B5EF4-FFF2-40B4-BE49-F238E27FC236}">
+                <a16:creationId xmlns:a16="http://schemas.microsoft.com/office/drawing/2014/main" id="{4F7DFE74-9E3C-4735-62C4-8C7AFA103661}"/>
+              </a:ext>
+            </a:extLst>
+          </p:cNvPr>
+          <p:cNvSpPr txBox="1"/>
+          <p:nvPr/>
+        </p:nvSpPr>
+        <p:spPr>
+          <a:xfrm>
+            <a:off x="3438943" y="2095146"/>
+            <a:ext cx="7633250" cy="1477328"/>
+          </a:xfrm>
+          <a:prstGeom prst="rect">
+            <a:avLst/>
+          </a:prstGeom>
+          <a:solidFill>
+            <a:srgbClr val="00B0F0"/>
+          </a:solidFill>
+        </p:spPr>
+        <p:txBody>
+          <a:bodyPr wrap="square">
+            <a:spAutoFit/>
+          </a:bodyPr>
+          <a:lstStyle/>
+          <a:p>
+            <a:r>
+              <a:rPr lang="en-AE" dirty="0"/>
+              <a:t>0000111001000000010011000100000001001110000000000100011001000000</a:t>
+            </a:r>
+          </a:p>
+          <a:p>
+            <a:r>
+              <a:rPr lang="en-AE" dirty="0"/>
+              <a:t>0000            		0</a:t>
+            </a:r>
+            <a:r>
+              <a:rPr lang="en-AE" dirty="0">
+                <a:solidFill>
+                  <a:srgbClr val="FF0000"/>
+                </a:solidFill>
+              </a:rPr>
+              <a:t>1</a:t>
+            </a:r>
+            <a:r>
+              <a:rPr lang="en-AE" dirty="0"/>
+              <a:t>00			0</a:t>
+            </a:r>
+            <a:r>
+              <a:rPr lang="en-AE" dirty="0">
+                <a:solidFill>
+                  <a:srgbClr val="FF0000"/>
+                </a:solidFill>
+              </a:rPr>
+              <a:t>1</a:t>
+            </a:r>
+            <a:r>
+              <a:rPr lang="en-AE" dirty="0"/>
+              <a:t>00			0</a:t>
+            </a:r>
+            <a:r>
+              <a:rPr lang="en-AE" dirty="0">
+                <a:solidFill>
+                  <a:srgbClr val="FF0000"/>
+                </a:solidFill>
+              </a:rPr>
+              <a:t>1</a:t>
+            </a:r>
+            <a:r>
+              <a:rPr lang="en-AE" dirty="0"/>
+              <a:t>00</a:t>
+            </a:r>
+          </a:p>
+          <a:p>
+            <a:r>
+              <a:rPr lang="en-AE" dirty="0">
+                <a:solidFill>
+                  <a:srgbClr val="FF0000"/>
+                </a:solidFill>
+              </a:rPr>
+              <a:t>111</a:t>
+            </a:r>
+            <a:r>
+              <a:rPr lang="en-AE" dirty="0"/>
+              <a:t>0            		</a:t>
+            </a:r>
+            <a:r>
+              <a:rPr lang="en-AE" dirty="0">
+                <a:solidFill>
+                  <a:srgbClr val="FF0000"/>
+                </a:solidFill>
+              </a:rPr>
+              <a:t>11</a:t>
+            </a:r>
+            <a:r>
+              <a:rPr lang="en-AE" dirty="0"/>
+              <a:t>00			</a:t>
+            </a:r>
+            <a:r>
+              <a:rPr lang="en-AE" dirty="0">
+                <a:solidFill>
+                  <a:srgbClr val="FF0000"/>
+                </a:solidFill>
+              </a:rPr>
+              <a:t>111</a:t>
+            </a:r>
+            <a:r>
+              <a:rPr lang="en-AE" dirty="0"/>
+              <a:t>0			0</a:t>
+            </a:r>
+            <a:r>
+              <a:rPr lang="en-AE" dirty="0">
+                <a:solidFill>
+                  <a:srgbClr val="FF0000"/>
+                </a:solidFill>
+              </a:rPr>
+              <a:t>11</a:t>
+            </a:r>
+            <a:r>
+              <a:rPr lang="en-AE" dirty="0"/>
+              <a:t>0</a:t>
+            </a:r>
+          </a:p>
+          <a:p>
+            <a:r>
+              <a:rPr lang="en-AE" dirty="0"/>
+              <a:t>0</a:t>
+            </a:r>
+            <a:r>
+              <a:rPr lang="en-AE" dirty="0">
+                <a:solidFill>
+                  <a:srgbClr val="FF0000"/>
+                </a:solidFill>
+              </a:rPr>
+              <a:t>1</a:t>
+            </a:r>
+            <a:r>
+              <a:rPr lang="en-AE" dirty="0"/>
+              <a:t>00			0</a:t>
+            </a:r>
+            <a:r>
+              <a:rPr lang="en-AE" dirty="0">
+                <a:solidFill>
+                  <a:srgbClr val="FF0000"/>
+                </a:solidFill>
+              </a:rPr>
+              <a:t>1</a:t>
+            </a:r>
+            <a:r>
+              <a:rPr lang="en-AE" dirty="0"/>
+              <a:t>00			0000			0</a:t>
+            </a:r>
+            <a:r>
+              <a:rPr lang="en-AE" dirty="0">
+                <a:solidFill>
+                  <a:srgbClr val="FF0000"/>
+                </a:solidFill>
+              </a:rPr>
+              <a:t>1</a:t>
+            </a:r>
+            <a:r>
+              <a:rPr lang="en-AE" dirty="0"/>
+              <a:t>00</a:t>
+            </a:r>
+          </a:p>
+          <a:p>
+            <a:r>
+              <a:rPr lang="en-AE" dirty="0"/>
+              <a:t>0000			0000			0000			0000</a:t>
+            </a:r>
+          </a:p>
+        </p:txBody>
+      </p:sp>
+      <p:sp>
+        <p:nvSpPr>
+          <p:cNvPr id="12" name="Right Arrow 11">
+            <a:extLst>
+              <a:ext uri="{FF2B5EF4-FFF2-40B4-BE49-F238E27FC236}">
+                <a16:creationId xmlns:a16="http://schemas.microsoft.com/office/drawing/2014/main" id="{87D6DC99-AA51-DF88-0BB7-EA1B00A54FE3}"/>
+              </a:ext>
+            </a:extLst>
+          </p:cNvPr>
+          <p:cNvSpPr/>
+          <p:nvPr/>
+        </p:nvSpPr>
+        <p:spPr>
+          <a:xfrm>
+            <a:off x="3448882" y="1928190"/>
+            <a:ext cx="7605972" cy="147077"/>
+          </a:xfrm>
+          <a:prstGeom prst="rightArrow">
+            <a:avLst/>
+          </a:prstGeom>
+        </p:spPr>
+        <p:style>
+          <a:lnRef idx="2">
+            <a:schemeClr val="accent1">
+              <a:shade val="50000"/>
+            </a:schemeClr>
+          </a:lnRef>
+          <a:fillRef idx="1">
+            <a:schemeClr val="accent1"/>
+          </a:fillRef>
+          <a:effectRef idx="0">
+            <a:schemeClr val="accent1"/>
+          </a:effectRef>
+          <a:fontRef idx="minor">
+            <a:schemeClr val="lt1"/>
+          </a:fontRef>
+        </p:style>
+        <p:txBody>
+          <a:bodyPr rtlCol="0" anchor="ctr"/>
+          <a:lstStyle/>
+          <a:p>
+            <a:pPr algn="ctr"/>
+            <a:endParaRPr lang="en-GB"/>
+          </a:p>
+        </p:txBody>
+      </p:sp>
+      <p:sp>
+        <p:nvSpPr>
+          <p:cNvPr id="21" name="Curved Down Arrow 20">
+            <a:extLst>
+              <a:ext uri="{FF2B5EF4-FFF2-40B4-BE49-F238E27FC236}">
+                <a16:creationId xmlns:a16="http://schemas.microsoft.com/office/drawing/2014/main" id="{98CDB492-0BE4-C197-305F-75213F47E00E}"/>
+              </a:ext>
+            </a:extLst>
+          </p:cNvPr>
+          <p:cNvSpPr/>
+          <p:nvPr/>
+        </p:nvSpPr>
+        <p:spPr>
+          <a:xfrm>
+            <a:off x="4204252" y="2574235"/>
+            <a:ext cx="974035" cy="731520"/>
+          </a:xfrm>
+          <a:prstGeom prst="curvedDownArrow">
+            <a:avLst/>
+          </a:prstGeom>
+        </p:spPr>
+        <p:style>
+          <a:lnRef idx="2">
+            <a:schemeClr val="accent1">
+              <a:shade val="50000"/>
+            </a:schemeClr>
+          </a:lnRef>
+          <a:fillRef idx="1">
+            <a:schemeClr val="accent1"/>
+          </a:fillRef>
+          <a:effectRef idx="0">
+            <a:schemeClr val="accent1"/>
+          </a:effectRef>
+          <a:fontRef idx="minor">
+            <a:schemeClr val="lt1"/>
+          </a:fontRef>
+        </p:style>
+        <p:txBody>
+          <a:bodyPr rtlCol="0" anchor="ctr"/>
+          <a:lstStyle/>
+          <a:p>
+            <a:pPr algn="ctr"/>
+            <a:endParaRPr lang="en-GB">
+              <a:solidFill>
+                <a:schemeClr val="tx1"/>
+              </a:solidFill>
+            </a:endParaRPr>
+          </a:p>
+        </p:txBody>
+      </p:sp>
+      <p:sp>
+        <p:nvSpPr>
+          <p:cNvPr id="22" name="Curved Down Arrow 21">
+            <a:extLst>
+              <a:ext uri="{FF2B5EF4-FFF2-40B4-BE49-F238E27FC236}">
+                <a16:creationId xmlns:a16="http://schemas.microsoft.com/office/drawing/2014/main" id="{F173B065-A737-8156-7AD7-61CD36334594}"/>
+              </a:ext>
+            </a:extLst>
+          </p:cNvPr>
+          <p:cNvSpPr/>
+          <p:nvPr/>
+        </p:nvSpPr>
+        <p:spPr>
+          <a:xfrm>
+            <a:off x="6096000" y="2574235"/>
+            <a:ext cx="974035" cy="731520"/>
+          </a:xfrm>
+          <a:prstGeom prst="curvedDownArrow">
+            <a:avLst/>
+          </a:prstGeom>
+        </p:spPr>
+        <p:style>
+          <a:lnRef idx="2">
+            <a:schemeClr val="accent1">
+              <a:shade val="50000"/>
+            </a:schemeClr>
+          </a:lnRef>
+          <a:fillRef idx="1">
+            <a:schemeClr val="accent1"/>
+          </a:fillRef>
+          <a:effectRef idx="0">
+            <a:schemeClr val="accent1"/>
+          </a:effectRef>
+          <a:fontRef idx="minor">
+            <a:schemeClr val="lt1"/>
+          </a:fontRef>
+        </p:style>
+        <p:txBody>
+          <a:bodyPr rtlCol="0" anchor="ctr"/>
+          <a:lstStyle/>
+          <a:p>
+            <a:pPr algn="ctr"/>
+            <a:endParaRPr lang="en-GB" dirty="0">
+              <a:solidFill>
+                <a:schemeClr val="tx1"/>
+              </a:solidFill>
+            </a:endParaRPr>
+          </a:p>
+        </p:txBody>
+      </p:sp>
+      <p:sp>
+        <p:nvSpPr>
+          <p:cNvPr id="23" name="Curved Down Arrow 22">
+            <a:extLst>
+              <a:ext uri="{FF2B5EF4-FFF2-40B4-BE49-F238E27FC236}">
+                <a16:creationId xmlns:a16="http://schemas.microsoft.com/office/drawing/2014/main" id="{1DE54A32-F266-2B65-26DC-F2D93244C08A}"/>
+              </a:ext>
+            </a:extLst>
+          </p:cNvPr>
+          <p:cNvSpPr/>
+          <p:nvPr/>
+        </p:nvSpPr>
+        <p:spPr>
+          <a:xfrm>
+            <a:off x="7987748" y="2574235"/>
+            <a:ext cx="974035" cy="731520"/>
+          </a:xfrm>
+          <a:prstGeom prst="curvedDownArrow">
+            <a:avLst/>
+          </a:prstGeom>
+        </p:spPr>
+        <p:style>
+          <a:lnRef idx="2">
+            <a:schemeClr val="accent1">
+              <a:shade val="50000"/>
+            </a:schemeClr>
+          </a:lnRef>
+          <a:fillRef idx="1">
+            <a:schemeClr val="accent1"/>
+          </a:fillRef>
+          <a:effectRef idx="0">
+            <a:schemeClr val="accent1"/>
+          </a:effectRef>
+          <a:fontRef idx="minor">
+            <a:schemeClr val="lt1"/>
+          </a:fontRef>
+        </p:style>
+        <p:txBody>
+          <a:bodyPr rtlCol="0" anchor="ctr"/>
+          <a:lstStyle/>
+          <a:p>
+            <a:pPr algn="ctr"/>
+            <a:endParaRPr lang="en-GB">
+              <a:solidFill>
+                <a:schemeClr val="tx1"/>
+              </a:solidFill>
+            </a:endParaRPr>
+          </a:p>
+        </p:txBody>
+      </p:sp>
+      <p:sp>
+        <p:nvSpPr>
+          <p:cNvPr id="24" name="TextBox 23">
+            <a:extLst>
+              <a:ext uri="{FF2B5EF4-FFF2-40B4-BE49-F238E27FC236}">
+                <a16:creationId xmlns:a16="http://schemas.microsoft.com/office/drawing/2014/main" id="{34046A59-0673-85B0-7BD7-764DD86620D9}"/>
+              </a:ext>
+            </a:extLst>
+          </p:cNvPr>
+          <p:cNvSpPr txBox="1"/>
+          <p:nvPr/>
+        </p:nvSpPr>
+        <p:spPr>
+          <a:xfrm>
+            <a:off x="260542" y="1853754"/>
+            <a:ext cx="2122697" cy="646331"/>
+          </a:xfrm>
+          <a:prstGeom prst="rect">
+            <a:avLst/>
+          </a:prstGeom>
+          <a:noFill/>
+        </p:spPr>
+        <p:txBody>
+          <a:bodyPr wrap="none" rtlCol="0">
+            <a:spAutoFit/>
+          </a:bodyPr>
+          <a:lstStyle/>
+          <a:p>
+            <a:r>
+              <a:rPr lang="en-GB" sz="3600" dirty="0"/>
+              <a:t>Clockwise</a:t>
+            </a:r>
+          </a:p>
+        </p:txBody>
+      </p:sp>
+      <p:sp>
+        <p:nvSpPr>
+          <p:cNvPr id="25" name="TextBox 24">
+            <a:extLst>
+              <a:ext uri="{FF2B5EF4-FFF2-40B4-BE49-F238E27FC236}">
+                <a16:creationId xmlns:a16="http://schemas.microsoft.com/office/drawing/2014/main" id="{1BAE361F-87E7-E57C-D2E8-703553430EAE}"/>
+              </a:ext>
+            </a:extLst>
+          </p:cNvPr>
+          <p:cNvSpPr txBox="1"/>
+          <p:nvPr/>
+        </p:nvSpPr>
+        <p:spPr>
+          <a:xfrm>
+            <a:off x="3448882" y="4218519"/>
+            <a:ext cx="7633250" cy="1477328"/>
+          </a:xfrm>
+          <a:prstGeom prst="rect">
+            <a:avLst/>
+          </a:prstGeom>
+          <a:solidFill>
+            <a:srgbClr val="00B0F0"/>
+          </a:solidFill>
+        </p:spPr>
+        <p:txBody>
+          <a:bodyPr wrap="square">
+            <a:spAutoFit/>
+          </a:bodyPr>
+          <a:lstStyle/>
+          <a:p>
+            <a:r>
+              <a:rPr lang="en-AE" dirty="0"/>
+              <a:t>0000111001000000010011000100000001001110000000000100011001000000</a:t>
+            </a:r>
+          </a:p>
+          <a:p>
+            <a:r>
+              <a:rPr lang="en-AE" dirty="0"/>
+              <a:t>0000            		0</a:t>
+            </a:r>
+            <a:r>
+              <a:rPr lang="en-AE" dirty="0">
+                <a:solidFill>
+                  <a:srgbClr val="FF0000"/>
+                </a:solidFill>
+              </a:rPr>
+              <a:t>1</a:t>
+            </a:r>
+            <a:r>
+              <a:rPr lang="en-AE" dirty="0"/>
+              <a:t>00			0</a:t>
+            </a:r>
+            <a:r>
+              <a:rPr lang="en-AE" dirty="0">
+                <a:solidFill>
+                  <a:srgbClr val="FF0000"/>
+                </a:solidFill>
+              </a:rPr>
+              <a:t>1</a:t>
+            </a:r>
+            <a:r>
+              <a:rPr lang="en-AE" dirty="0"/>
+              <a:t>00			0</a:t>
+            </a:r>
+            <a:r>
+              <a:rPr lang="en-AE" dirty="0">
+                <a:solidFill>
+                  <a:srgbClr val="FF0000"/>
+                </a:solidFill>
+              </a:rPr>
+              <a:t>1</a:t>
+            </a:r>
+            <a:r>
+              <a:rPr lang="en-AE" dirty="0"/>
+              <a:t>00</a:t>
+            </a:r>
+          </a:p>
+          <a:p>
+            <a:r>
+              <a:rPr lang="en-AE" dirty="0">
+                <a:solidFill>
+                  <a:srgbClr val="FF0000"/>
+                </a:solidFill>
+              </a:rPr>
+              <a:t>111</a:t>
+            </a:r>
+            <a:r>
+              <a:rPr lang="en-AE" dirty="0"/>
+              <a:t>0            		</a:t>
+            </a:r>
+            <a:r>
+              <a:rPr lang="en-AE" dirty="0">
+                <a:solidFill>
+                  <a:srgbClr val="FF0000"/>
+                </a:solidFill>
+              </a:rPr>
+              <a:t>11</a:t>
+            </a:r>
+            <a:r>
+              <a:rPr lang="en-AE" dirty="0"/>
+              <a:t>00			</a:t>
+            </a:r>
+            <a:r>
+              <a:rPr lang="en-AE" dirty="0">
+                <a:solidFill>
+                  <a:srgbClr val="FF0000"/>
+                </a:solidFill>
+              </a:rPr>
+              <a:t>111</a:t>
+            </a:r>
+            <a:r>
+              <a:rPr lang="en-AE" dirty="0"/>
+              <a:t>0			0</a:t>
+            </a:r>
+            <a:r>
+              <a:rPr lang="en-AE" dirty="0">
+                <a:solidFill>
+                  <a:srgbClr val="FF0000"/>
+                </a:solidFill>
+              </a:rPr>
+              <a:t>11</a:t>
+            </a:r>
+            <a:r>
+              <a:rPr lang="en-AE" dirty="0"/>
+              <a:t>0</a:t>
+            </a:r>
+          </a:p>
+          <a:p>
+            <a:r>
+              <a:rPr lang="en-AE" dirty="0"/>
+              <a:t>0</a:t>
+            </a:r>
+            <a:r>
+              <a:rPr lang="en-AE" dirty="0">
+                <a:solidFill>
+                  <a:srgbClr val="FF0000"/>
+                </a:solidFill>
+              </a:rPr>
+              <a:t>1</a:t>
+            </a:r>
+            <a:r>
+              <a:rPr lang="en-AE" dirty="0"/>
+              <a:t>00			0</a:t>
+            </a:r>
+            <a:r>
+              <a:rPr lang="en-AE" dirty="0">
+                <a:solidFill>
+                  <a:srgbClr val="FF0000"/>
+                </a:solidFill>
+              </a:rPr>
+              <a:t>1</a:t>
+            </a:r>
+            <a:r>
+              <a:rPr lang="en-AE" dirty="0"/>
+              <a:t>00			0000			0</a:t>
+            </a:r>
+            <a:r>
+              <a:rPr lang="en-AE" dirty="0">
+                <a:solidFill>
+                  <a:srgbClr val="FF0000"/>
+                </a:solidFill>
+              </a:rPr>
+              <a:t>1</a:t>
+            </a:r>
+            <a:r>
+              <a:rPr lang="en-AE" dirty="0"/>
+              <a:t>00</a:t>
+            </a:r>
+          </a:p>
+          <a:p>
+            <a:r>
+              <a:rPr lang="en-AE" dirty="0"/>
+              <a:t>0000			0000			0000			0000</a:t>
+            </a:r>
+          </a:p>
+        </p:txBody>
+      </p:sp>
+      <p:sp>
+        <p:nvSpPr>
+          <p:cNvPr id="26" name="Right Arrow 25">
+            <a:extLst>
+              <a:ext uri="{FF2B5EF4-FFF2-40B4-BE49-F238E27FC236}">
+                <a16:creationId xmlns:a16="http://schemas.microsoft.com/office/drawing/2014/main" id="{11BCBBAF-A95B-B3EF-7D07-0481B79E830E}"/>
+              </a:ext>
+            </a:extLst>
+          </p:cNvPr>
+          <p:cNvSpPr/>
+          <p:nvPr/>
+        </p:nvSpPr>
+        <p:spPr>
+          <a:xfrm rot="10800000">
+            <a:off x="3458821" y="4051563"/>
+            <a:ext cx="7605972" cy="147077"/>
+          </a:xfrm>
+          <a:prstGeom prst="rightArrow">
+            <a:avLst/>
+          </a:prstGeom>
+        </p:spPr>
+        <p:style>
+          <a:lnRef idx="2">
+            <a:schemeClr val="accent1">
+              <a:shade val="50000"/>
+            </a:schemeClr>
+          </a:lnRef>
+          <a:fillRef idx="1">
+            <a:schemeClr val="accent1"/>
+          </a:fillRef>
+          <a:effectRef idx="0">
+            <a:schemeClr val="accent1"/>
+          </a:effectRef>
+          <a:fontRef idx="minor">
+            <a:schemeClr val="lt1"/>
+          </a:fontRef>
+        </p:style>
+        <p:txBody>
+          <a:bodyPr rtlCol="0" anchor="ctr"/>
+          <a:lstStyle/>
+          <a:p>
+            <a:pPr algn="ctr"/>
+            <a:endParaRPr lang="en-GB"/>
+          </a:p>
+        </p:txBody>
+      </p:sp>
+      <p:sp>
+        <p:nvSpPr>
+          <p:cNvPr id="29" name="Curved Down Arrow 28">
+            <a:extLst>
+              <a:ext uri="{FF2B5EF4-FFF2-40B4-BE49-F238E27FC236}">
+                <a16:creationId xmlns:a16="http://schemas.microsoft.com/office/drawing/2014/main" id="{0D2E6AF6-F030-7BFD-CEF7-869F2D7B4DEF}"/>
+              </a:ext>
+            </a:extLst>
+          </p:cNvPr>
+          <p:cNvSpPr/>
+          <p:nvPr/>
+        </p:nvSpPr>
+        <p:spPr>
+          <a:xfrm flipH="1">
+            <a:off x="7987746" y="4697608"/>
+            <a:ext cx="974036" cy="731520"/>
+          </a:xfrm>
+          <a:prstGeom prst="curvedDownArrow">
+            <a:avLst/>
+          </a:prstGeom>
+        </p:spPr>
+        <p:style>
+          <a:lnRef idx="2">
+            <a:schemeClr val="accent1">
+              <a:shade val="50000"/>
+            </a:schemeClr>
+          </a:lnRef>
+          <a:fillRef idx="1">
+            <a:schemeClr val="accent1"/>
+          </a:fillRef>
+          <a:effectRef idx="0">
+            <a:schemeClr val="accent1"/>
+          </a:effectRef>
+          <a:fontRef idx="minor">
+            <a:schemeClr val="lt1"/>
+          </a:fontRef>
+        </p:style>
+        <p:txBody>
+          <a:bodyPr rtlCol="0" anchor="ctr"/>
+          <a:lstStyle/>
+          <a:p>
+            <a:pPr algn="ctr"/>
+            <a:endParaRPr lang="en-GB">
+              <a:solidFill>
+                <a:schemeClr val="tx1"/>
+              </a:solidFill>
+            </a:endParaRPr>
+          </a:p>
+        </p:txBody>
+      </p:sp>
+      <p:sp>
+        <p:nvSpPr>
+          <p:cNvPr id="30" name="Curved Down Arrow 29">
+            <a:extLst>
+              <a:ext uri="{FF2B5EF4-FFF2-40B4-BE49-F238E27FC236}">
+                <a16:creationId xmlns:a16="http://schemas.microsoft.com/office/drawing/2014/main" id="{E7333015-D7BD-0561-84F4-BF48563212A1}"/>
+              </a:ext>
+            </a:extLst>
+          </p:cNvPr>
+          <p:cNvSpPr/>
+          <p:nvPr/>
+        </p:nvSpPr>
+        <p:spPr>
+          <a:xfrm flipH="1">
+            <a:off x="6095999" y="4697608"/>
+            <a:ext cx="974036" cy="731520"/>
+          </a:xfrm>
+          <a:prstGeom prst="curvedDownArrow">
+            <a:avLst/>
+          </a:prstGeom>
+        </p:spPr>
+        <p:style>
+          <a:lnRef idx="2">
+            <a:schemeClr val="accent1">
+              <a:shade val="50000"/>
+            </a:schemeClr>
+          </a:lnRef>
+          <a:fillRef idx="1">
+            <a:schemeClr val="accent1"/>
+          </a:fillRef>
+          <a:effectRef idx="0">
+            <a:schemeClr val="accent1"/>
+          </a:effectRef>
+          <a:fontRef idx="minor">
+            <a:schemeClr val="lt1"/>
+          </a:fontRef>
+        </p:style>
+        <p:txBody>
+          <a:bodyPr rtlCol="0" anchor="ctr"/>
+          <a:lstStyle/>
+          <a:p>
+            <a:pPr algn="ctr"/>
+            <a:endParaRPr lang="en-GB">
+              <a:solidFill>
+                <a:schemeClr val="tx1"/>
+              </a:solidFill>
+            </a:endParaRPr>
+          </a:p>
+        </p:txBody>
+      </p:sp>
+      <p:sp>
+        <p:nvSpPr>
+          <p:cNvPr id="31" name="Curved Down Arrow 30">
+            <a:extLst>
+              <a:ext uri="{FF2B5EF4-FFF2-40B4-BE49-F238E27FC236}">
+                <a16:creationId xmlns:a16="http://schemas.microsoft.com/office/drawing/2014/main" id="{BC70EE21-8631-A0C0-B526-B97321038417}"/>
+              </a:ext>
+            </a:extLst>
+          </p:cNvPr>
+          <p:cNvSpPr/>
+          <p:nvPr/>
+        </p:nvSpPr>
+        <p:spPr>
+          <a:xfrm flipH="1">
+            <a:off x="4204251" y="4697608"/>
+            <a:ext cx="974036" cy="731520"/>
+          </a:xfrm>
+          <a:prstGeom prst="curvedDownArrow">
+            <a:avLst/>
+          </a:prstGeom>
+        </p:spPr>
+        <p:style>
+          <a:lnRef idx="2">
+            <a:schemeClr val="accent1">
+              <a:shade val="50000"/>
+            </a:schemeClr>
+          </a:lnRef>
+          <a:fillRef idx="1">
+            <a:schemeClr val="accent1"/>
+          </a:fillRef>
+          <a:effectRef idx="0">
+            <a:schemeClr val="accent1"/>
+          </a:effectRef>
+          <a:fontRef idx="minor">
+            <a:schemeClr val="lt1"/>
+          </a:fontRef>
+        </p:style>
+        <p:txBody>
+          <a:bodyPr rtlCol="0" anchor="ctr"/>
+          <a:lstStyle/>
+          <a:p>
+            <a:pPr algn="ctr"/>
+            <a:endParaRPr lang="en-GB">
+              <a:solidFill>
+                <a:schemeClr val="tx1"/>
+              </a:solidFill>
+            </a:endParaRPr>
+          </a:p>
+        </p:txBody>
+      </p:sp>
+      <p:sp>
+        <p:nvSpPr>
+          <p:cNvPr id="32" name="TextBox 31">
+            <a:extLst>
+              <a:ext uri="{FF2B5EF4-FFF2-40B4-BE49-F238E27FC236}">
+                <a16:creationId xmlns:a16="http://schemas.microsoft.com/office/drawing/2014/main" id="{E055E8F5-262F-A1D3-9B3C-0EA6514D049D}"/>
+              </a:ext>
+            </a:extLst>
+          </p:cNvPr>
+          <p:cNvSpPr txBox="1"/>
+          <p:nvPr/>
+        </p:nvSpPr>
+        <p:spPr>
+          <a:xfrm>
+            <a:off x="260542" y="3801935"/>
+            <a:ext cx="2940228" cy="646331"/>
+          </a:xfrm>
+          <a:prstGeom prst="rect">
+            <a:avLst/>
+          </a:prstGeom>
+          <a:noFill/>
+        </p:spPr>
+        <p:txBody>
+          <a:bodyPr wrap="none" rtlCol="0">
+            <a:spAutoFit/>
+          </a:bodyPr>
+          <a:lstStyle/>
+          <a:p>
+            <a:r>
+              <a:rPr lang="en-GB" sz="3600" dirty="0"/>
+              <a:t>Anti-clockwise</a:t>
+            </a:r>
+          </a:p>
+        </p:txBody>
+      </p:sp>
+      <p:sp>
+        <p:nvSpPr>
+          <p:cNvPr id="37" name="Curved Down Arrow 36">
+            <a:extLst>
+              <a:ext uri="{FF2B5EF4-FFF2-40B4-BE49-F238E27FC236}">
+                <a16:creationId xmlns:a16="http://schemas.microsoft.com/office/drawing/2014/main" id="{FA6C9F2C-92C8-97FD-64D0-DD6128D7EC7D}"/>
+              </a:ext>
+            </a:extLst>
+          </p:cNvPr>
+          <p:cNvSpPr/>
+          <p:nvPr/>
+        </p:nvSpPr>
+        <p:spPr>
+          <a:xfrm>
+            <a:off x="9879496" y="2512365"/>
+            <a:ext cx="974035" cy="731520"/>
+          </a:xfrm>
+          <a:prstGeom prst="curvedDownArrow">
+            <a:avLst/>
+          </a:prstGeom>
+        </p:spPr>
+        <p:style>
+          <a:lnRef idx="2">
+            <a:schemeClr val="accent1">
+              <a:shade val="50000"/>
+            </a:schemeClr>
+          </a:lnRef>
+          <a:fillRef idx="1">
+            <a:schemeClr val="accent1"/>
+          </a:fillRef>
+          <a:effectRef idx="0">
+            <a:schemeClr val="accent1"/>
+          </a:effectRef>
+          <a:fontRef idx="minor">
+            <a:schemeClr val="lt1"/>
+          </a:fontRef>
+        </p:style>
+        <p:txBody>
+          <a:bodyPr rtlCol="0" anchor="ctr"/>
+          <a:lstStyle/>
+          <a:p>
+            <a:pPr algn="ctr"/>
+            <a:endParaRPr lang="en-GB">
+              <a:solidFill>
+                <a:schemeClr val="tx1"/>
+              </a:solidFill>
+            </a:endParaRPr>
+          </a:p>
+        </p:txBody>
+      </p:sp>
+      <p:sp>
+        <p:nvSpPr>
+          <p:cNvPr id="38" name="Curved Down Arrow 37">
+            <a:extLst>
+              <a:ext uri="{FF2B5EF4-FFF2-40B4-BE49-F238E27FC236}">
+                <a16:creationId xmlns:a16="http://schemas.microsoft.com/office/drawing/2014/main" id="{1502713B-E2B4-BB79-F96B-35F2B82E6825}"/>
+              </a:ext>
+            </a:extLst>
+          </p:cNvPr>
+          <p:cNvSpPr/>
+          <p:nvPr/>
+        </p:nvSpPr>
+        <p:spPr>
+          <a:xfrm flipH="1">
+            <a:off x="2284341" y="4697608"/>
+            <a:ext cx="974036" cy="731520"/>
+          </a:xfrm>
+          <a:prstGeom prst="curvedDownArrow">
+            <a:avLst/>
+          </a:prstGeom>
+        </p:spPr>
+        <p:style>
+          <a:lnRef idx="2">
+            <a:schemeClr val="accent1">
+              <a:shade val="50000"/>
+            </a:schemeClr>
+          </a:lnRef>
+          <a:fillRef idx="1">
+            <a:schemeClr val="accent1"/>
+          </a:fillRef>
+          <a:effectRef idx="0">
+            <a:schemeClr val="accent1"/>
+          </a:effectRef>
+          <a:fontRef idx="minor">
+            <a:schemeClr val="lt1"/>
+          </a:fontRef>
+        </p:style>
+        <p:txBody>
+          <a:bodyPr rtlCol="0" anchor="ctr"/>
+          <a:lstStyle/>
+          <a:p>
+            <a:pPr algn="ctr"/>
+            <a:endParaRPr lang="en-GB">
+              <a:solidFill>
+                <a:schemeClr val="tx1"/>
+              </a:solidFill>
+            </a:endParaRPr>
+          </a:p>
+        </p:txBody>
+      </p:sp>
+      <p:pic>
+        <p:nvPicPr>
+          <p:cNvPr id="39" name="Picture 38">
+            <a:extLst>
+              <a:ext uri="{FF2B5EF4-FFF2-40B4-BE49-F238E27FC236}">
+                <a16:creationId xmlns:a16="http://schemas.microsoft.com/office/drawing/2014/main" id="{2123E6CA-BD57-72F1-2266-11A30A62C985}"/>
+              </a:ext>
+            </a:extLst>
+          </p:cNvPr>
+          <p:cNvPicPr>
+            <a:picLocks noChangeAspect="1"/>
+          </p:cNvPicPr>
+          <p:nvPr/>
+        </p:nvPicPr>
+        <p:blipFill>
+          <a:blip r:embed="rId5"/>
+          <a:stretch>
+            <a:fillRect/>
+          </a:stretch>
+        </p:blipFill>
+        <p:spPr>
+          <a:xfrm>
+            <a:off x="374376" y="2742678"/>
+            <a:ext cx="1219200" cy="876300"/>
+          </a:xfrm>
+          <a:prstGeom prst="rect">
+            <a:avLst/>
+          </a:prstGeom>
+        </p:spPr>
+      </p:pic>
+    </p:spTree>
+    <p:extLst>
+      <p:ext uri="{BB962C8B-B14F-4D97-AF65-F5344CB8AC3E}">
+        <p14:creationId xmlns:p14="http://schemas.microsoft.com/office/powerpoint/2010/main" val="2988444406"/>
+      </p:ext>
+    </p:extLst>
+  </p:cSld>
+  <p:clrMapOvr>
+    <a:masterClrMapping/>
+  </p:clrMapOvr>
+</p:sld>
+</file>
+
+<file path=ppt/slides/slide12.xml><?xml version="1.0" encoding="utf-8"?>
+<p:sld xmlns:a="http://schemas.openxmlformats.org/drawingml/2006/main" xmlns:r="http://schemas.openxmlformats.org/officeDocument/2006/relationships" xmlns:p="http://schemas.openxmlformats.org/presentationml/2006/main">
+  <p:cSld>
+    <p:spTree>
+      <p:nvGrpSpPr>
+        <p:cNvPr id="1" name=""/>
+        <p:cNvGrpSpPr/>
+        <p:nvPr/>
+      </p:nvGrpSpPr>
+      <p:grpSpPr>
+        <a:xfrm>
+          <a:off x="0" y="0"/>
+          <a:ext cx="0" cy="0"/>
+          <a:chOff x="0" y="0"/>
+          <a:chExt cx="0" cy="0"/>
+        </a:xfrm>
+      </p:grpSpPr>
+      <p:graphicFrame>
+        <p:nvGraphicFramePr>
+          <p:cNvPr id="3" name="Object 2" hidden="1">
+            <a:extLst>
+              <a:ext uri="{FF2B5EF4-FFF2-40B4-BE49-F238E27FC236}">
+                <a16:creationId xmlns:a16="http://schemas.microsoft.com/office/drawing/2014/main" id="{7B0E5C28-5D1C-C5DA-F761-8DB75D19E113}"/>
+              </a:ext>
+            </a:extLst>
+          </p:cNvPr>
+          <p:cNvGraphicFramePr>
+            <a:graphicFrameLocks noChangeAspect="1"/>
+          </p:cNvGraphicFramePr>
+          <p:nvPr>
+            <p:custDataLst>
+              <p:tags r:id="rId1"/>
+            </p:custDataLst>
+            <p:extLst>
+              <p:ext uri="{D42A27DB-BD31-4B8C-83A1-F6EECF244321}">
                 <p14:modId xmlns:p14="http://schemas.microsoft.com/office/powerpoint/2010/main" val="3689919253"/>
               </p:ext>
             </p:extLst>
@@ -4869,7 +6737,7 @@
 </p:sld>
 </file>
 
-<file path=ppt/slides/slide11.xml><?xml version="1.0" encoding="utf-8"?>
+<file path=ppt/slides/slide13.xml><?xml version="1.0" encoding="utf-8"?>
 <p:sld xmlns:a="http://schemas.openxmlformats.org/drawingml/2006/main" xmlns:r="http://schemas.openxmlformats.org/officeDocument/2006/relationships" xmlns:p="http://schemas.openxmlformats.org/presentationml/2006/main">
   <p:cSld>
     <p:spTree>
@@ -5626,7 +7494,7 @@
 </p:sld>
 </file>
 
-<file path=ppt/slides/slide12.xml><?xml version="1.0" encoding="utf-8"?>
+<file path=ppt/slides/slide14.xml><?xml version="1.0" encoding="utf-8"?>
 <p:sld xmlns:a="http://schemas.openxmlformats.org/drawingml/2006/main" xmlns:r="http://schemas.openxmlformats.org/officeDocument/2006/relationships" xmlns:p="http://schemas.openxmlformats.org/presentationml/2006/main">
   <p:cSld>
     <p:spTree>
@@ -6367,7 +8235,7 @@
 </p:sld>
 </file>
 
-<file path=ppt/slides/slide13.xml><?xml version="1.0" encoding="utf-8"?>
+<file path=ppt/slides/slide15.xml><?xml version="1.0" encoding="utf-8"?>
 <p:sld xmlns:a="http://schemas.openxmlformats.org/drawingml/2006/main" xmlns:r="http://schemas.openxmlformats.org/officeDocument/2006/relationships" xmlns:p="http://schemas.openxmlformats.org/presentationml/2006/main">
   <p:cSld>
     <p:spTree>
@@ -7124,7 +8992,7 @@
 </p:sld>
 </file>
 
-<file path=ppt/slides/slide14.xml><?xml version="1.0" encoding="utf-8"?>
+<file path=ppt/slides/slide16.xml><?xml version="1.0" encoding="utf-8"?>
 <p:sld xmlns:a="http://schemas.openxmlformats.org/drawingml/2006/main" xmlns:r="http://schemas.openxmlformats.org/officeDocument/2006/relationships" xmlns:p="http://schemas.openxmlformats.org/presentationml/2006/main">
   <p:cSld>
     <p:spTree>
@@ -8193,7 +10061,7 @@
 </p:sld>
 </file>
 
-<file path=ppt/slides/slide15.xml><?xml version="1.0" encoding="utf-8"?>
+<file path=ppt/slides/slide17.xml><?xml version="1.0" encoding="utf-8"?>
 <p:sld xmlns:a="http://schemas.openxmlformats.org/drawingml/2006/main" xmlns:r="http://schemas.openxmlformats.org/officeDocument/2006/relationships" xmlns:p="http://schemas.openxmlformats.org/presentationml/2006/main">
   <p:cSld>
     <p:spTree>
@@ -8833,7 +10701,7 @@
 </p:sld>
 </file>
 
-<file path=ppt/slides/slide16.xml><?xml version="1.0" encoding="utf-8"?>
+<file path=ppt/slides/slide18.xml><?xml version="1.0" encoding="utf-8"?>
 <p:sld xmlns:a="http://schemas.openxmlformats.org/drawingml/2006/main" xmlns:r="http://schemas.openxmlformats.org/officeDocument/2006/relationships" xmlns:p="http://schemas.openxmlformats.org/presentationml/2006/main">
   <p:cSld>
     <p:spTree>
@@ -8994,7 +10862,7 @@
 </p:sld>
 </file>
 
-<file path=ppt/slides/slide17.xml><?xml version="1.0" encoding="utf-8"?>
+<file path=ppt/slides/slide19.xml><?xml version="1.0" encoding="utf-8"?>
 <p:sld xmlns:a="http://schemas.openxmlformats.org/drawingml/2006/main" xmlns:r="http://schemas.openxmlformats.org/officeDocument/2006/relationships" xmlns:p="http://schemas.openxmlformats.org/presentationml/2006/main">
   <p:cSld>
     <p:spTree>
@@ -9105,7 +10973,7 @@
           <a:lstStyle/>
           <a:p>
             <a:r>
-              <a:rPr lang="en-GB" dirty="0" err="1"/>
+              <a:rPr lang="en-GB" dirty="0"/>
               <a:t>速度数组</a:t>
             </a:r>
             <a:r>
@@ -9159,7 +11027,165 @@
 </p:sld>
 </file>
 
-<file path=ppt/slides/slide18.xml><?xml version="1.0" encoding="utf-8"?>
+<file path=ppt/slides/slide2.xml><?xml version="1.0" encoding="utf-8"?>
+<p:sld xmlns:a="http://schemas.openxmlformats.org/drawingml/2006/main" xmlns:r="http://schemas.openxmlformats.org/officeDocument/2006/relationships" xmlns:p="http://schemas.openxmlformats.org/presentationml/2006/main">
+  <p:cSld>
+    <p:spTree>
+      <p:nvGrpSpPr>
+        <p:cNvPr id="1" name=""/>
+        <p:cNvGrpSpPr/>
+        <p:nvPr/>
+      </p:nvGrpSpPr>
+      <p:grpSpPr>
+        <a:xfrm>
+          <a:off x="0" y="0"/>
+          <a:ext cx="0" cy="0"/>
+          <a:chOff x="0" y="0"/>
+          <a:chExt cx="0" cy="0"/>
+        </a:xfrm>
+      </p:grpSpPr>
+      <p:graphicFrame>
+        <p:nvGraphicFramePr>
+          <p:cNvPr id="4" name="Object 3" hidden="1">
+            <a:extLst>
+              <a:ext uri="{FF2B5EF4-FFF2-40B4-BE49-F238E27FC236}">
+                <a16:creationId xmlns:a16="http://schemas.microsoft.com/office/drawing/2014/main" id="{AB97119B-3551-A705-EBAC-486CED9D393A}"/>
+              </a:ext>
+            </a:extLst>
+          </p:cNvPr>
+          <p:cNvGraphicFramePr>
+            <a:graphicFrameLocks noChangeAspect="1"/>
+          </p:cNvGraphicFramePr>
+          <p:nvPr>
+            <p:custDataLst>
+              <p:tags r:id="rId1"/>
+            </p:custDataLst>
+            <p:extLst>
+              <p:ext uri="{D42A27DB-BD31-4B8C-83A1-F6EECF244321}">
+                <p14:modId xmlns:p14="http://schemas.microsoft.com/office/powerpoint/2010/main" val="1993046039"/>
+              </p:ext>
+            </p:extLst>
+          </p:nvPr>
+        </p:nvGraphicFramePr>
+        <p:xfrm>
+          <a:off x="1588" y="1588"/>
+          <a:ext cx="1227" cy="1588"/>
+        </p:xfrm>
+        <a:graphic>
+          <a:graphicData uri="http://schemas.openxmlformats.org/presentationml/2006/ole">
+            <mc:AlternateContent xmlns:mc="http://schemas.openxmlformats.org/markup-compatibility/2006">
+              <mc:Choice xmlns:v="urn:schemas-microsoft-com:vml" Requires="v">
+                <p:oleObj name="think-cell Slide" r:id="rId3" imgW="7772400" imgH="10058400" progId="TCLayout.ActiveDocument.1">
+                  <p:embed/>
+                </p:oleObj>
+              </mc:Choice>
+              <mc:Fallback>
+                <p:oleObj name="think-cell Slide" r:id="rId3" imgW="7772400" imgH="10058400" progId="TCLayout.ActiveDocument.1">
+                  <p:embed/>
+                  <p:pic>
+                    <p:nvPicPr>
+                      <p:cNvPr id="0" name=""/>
+                      <p:cNvPicPr/>
+                      <p:nvPr/>
+                    </p:nvPicPr>
+                    <p:blipFill>
+                      <a:blip r:embed="rId4"/>
+                      <a:stretch>
+                        <a:fillRect/>
+                      </a:stretch>
+                    </p:blipFill>
+                    <p:spPr>
+                      <a:xfrm>
+                        <a:off x="1588" y="1588"/>
+                        <a:ext cx="1227" cy="1588"/>
+                      </a:xfrm>
+                      <a:prstGeom prst="rect">
+                        <a:avLst/>
+                      </a:prstGeom>
+                    </p:spPr>
+                  </p:pic>
+                </p:oleObj>
+              </mc:Fallback>
+            </mc:AlternateContent>
+          </a:graphicData>
+        </a:graphic>
+      </p:graphicFrame>
+      <p:sp>
+        <p:nvSpPr>
+          <p:cNvPr id="2" name="Title 1">
+            <a:extLst>
+              <a:ext uri="{FF2B5EF4-FFF2-40B4-BE49-F238E27FC236}">
+                <a16:creationId xmlns:a16="http://schemas.microsoft.com/office/drawing/2014/main" id="{35497EE0-C8AD-83B1-41ED-B92CAC6E5AD6}"/>
+              </a:ext>
+            </a:extLst>
+          </p:cNvPr>
+          <p:cNvSpPr>
+            <a:spLocks noGrp="1"/>
+          </p:cNvSpPr>
+          <p:nvPr>
+            <p:ph type="title"/>
+          </p:nvPr>
+        </p:nvSpPr>
+        <p:spPr/>
+        <p:txBody>
+          <a:bodyPr vert="horz"/>
+          <a:lstStyle/>
+          <a:p>
+            <a:r>
+              <a:rPr lang="en-GB" dirty="0"/>
+              <a:t>数据结构的设计</a:t>
+            </a:r>
+          </a:p>
+        </p:txBody>
+      </p:sp>
+      <p:sp>
+        <p:nvSpPr>
+          <p:cNvPr id="3" name="Content Placeholder 2">
+            <a:extLst>
+              <a:ext uri="{FF2B5EF4-FFF2-40B4-BE49-F238E27FC236}">
+                <a16:creationId xmlns:a16="http://schemas.microsoft.com/office/drawing/2014/main" id="{C3D78C66-717E-1020-140A-4DE2FEDBFC49}"/>
+              </a:ext>
+            </a:extLst>
+          </p:cNvPr>
+          <p:cNvSpPr>
+            <a:spLocks noGrp="1"/>
+          </p:cNvSpPr>
+          <p:nvPr>
+            <p:ph idx="1"/>
+          </p:nvPr>
+        </p:nvSpPr>
+        <p:spPr/>
+        <p:txBody>
+          <a:bodyPr/>
+          <a:lstStyle/>
+          <a:p>
+            <a:r>
+              <a:rPr lang="en-GB" dirty="0"/>
+              <a:t>舞台的数据结构</a:t>
+            </a:r>
+          </a:p>
+          <a:p>
+            <a:r>
+              <a:rPr lang="en-GB" dirty="0"/>
+              <a:t>砖块的数据结构</a:t>
+            </a:r>
+          </a:p>
+        </p:txBody>
+      </p:sp>
+    </p:spTree>
+    <p:extLst>
+      <p:ext uri="{BB962C8B-B14F-4D97-AF65-F5344CB8AC3E}">
+        <p14:creationId xmlns:p14="http://schemas.microsoft.com/office/powerpoint/2010/main" val="3594726613"/>
+      </p:ext>
+    </p:extLst>
+  </p:cSld>
+  <p:clrMapOvr>
+    <a:masterClrMapping/>
+  </p:clrMapOvr>
+</p:sld>
+</file>
+
+<file path=ppt/slides/slide20.xml><?xml version="1.0" encoding="utf-8"?>
 <p:sld xmlns:a="http://schemas.openxmlformats.org/drawingml/2006/main" xmlns:r="http://schemas.openxmlformats.org/officeDocument/2006/relationships" xmlns:p="http://schemas.openxmlformats.org/presentationml/2006/main">
   <p:cSld>
     <p:spTree>
@@ -9270,7 +11296,7 @@
           <a:lstStyle/>
           <a:p>
             <a:r>
-              <a:rPr lang="en-GB" dirty="0" err="1"/>
+              <a:rPr lang="en-GB" dirty="0"/>
               <a:t>行消除相关数组</a:t>
             </a:r>
             <a:r>
@@ -9324,7 +11350,7 @@
 </p:sld>
 </file>
 
-<file path=ppt/slides/slide19.xml><?xml version="1.0" encoding="utf-8"?>
+<file path=ppt/slides/slide21.xml><?xml version="1.0" encoding="utf-8"?>
 <p:sld xmlns:a="http://schemas.openxmlformats.org/drawingml/2006/main" xmlns:r="http://schemas.openxmlformats.org/officeDocument/2006/relationships" xmlns:p="http://schemas.openxmlformats.org/presentationml/2006/main">
   <p:cSld>
     <p:spTree>
@@ -9454,7 +11480,7 @@
         </p:nvSpPr>
         <p:spPr>
           <a:xfrm>
-            <a:off x="5695588" y="2168132"/>
+            <a:off x="6913782" y="2179810"/>
             <a:ext cx="4998917" cy="3450613"/>
           </a:xfrm>
         </p:spPr>
@@ -9513,10 +11539,9 @@
           </a:p>
           <a:p>
             <a:r>
-              <a:rPr lang="en-GB" dirty="0" err="1"/>
+              <a:rPr lang="en-GB" dirty="0"/>
               <a:t>src</a:t>
             </a:r>
-            <a:endParaRPr lang="en-GB" dirty="0"/>
           </a:p>
         </p:txBody>
       </p:sp>
@@ -9536,7 +11561,7 @@
         </p:nvSpPr>
         <p:spPr>
           <a:xfrm>
-            <a:off x="1603979" y="2168132"/>
+            <a:off x="2306345" y="2158193"/>
             <a:ext cx="4998917" cy="3450613"/>
           </a:xfrm>
           <a:prstGeom prst="rect">
@@ -9766,10 +11791,9 @@
               <a:t> </a:t>
             </a:r>
             <a:r>
-              <a:rPr lang="en-GB" dirty="0" err="1"/>
+              <a:rPr lang="en-GB" dirty="0"/>
               <a:t>历史最高分</a:t>
             </a:r>
-            <a:endParaRPr lang="en-GB" dirty="0"/>
           </a:p>
           <a:p>
             <a:r>
@@ -9835,7 +11859,7 @@
         </p:nvSpPr>
         <p:spPr>
           <a:xfrm>
-            <a:off x="9491869" y="2168132"/>
+            <a:off x="10706984" y="2158193"/>
             <a:ext cx="347870" cy="369332"/>
           </a:xfrm>
           <a:prstGeom prst="rect">
@@ -9853,6 +11877,842 @@
               <a:rPr lang="en-GB" dirty="0"/>
               <a:t>x</a:t>
             </a:r>
+          </a:p>
+        </p:txBody>
+      </p:sp>
+      <p:sp>
+        <p:nvSpPr>
+          <p:cNvPr id="7" name="TextBox 6">
+            <a:extLst>
+              <a:ext uri="{FF2B5EF4-FFF2-40B4-BE49-F238E27FC236}">
+                <a16:creationId xmlns:a16="http://schemas.microsoft.com/office/drawing/2014/main" id="{D8CC8E40-B31B-C173-833A-90FC0E91858B}"/>
+              </a:ext>
+            </a:extLst>
+          </p:cNvPr>
+          <p:cNvSpPr txBox="1"/>
+          <p:nvPr/>
+        </p:nvSpPr>
+        <p:spPr>
+          <a:xfrm>
+            <a:off x="1451579" y="2158193"/>
+            <a:ext cx="877163" cy="369332"/>
+          </a:xfrm>
+          <a:prstGeom prst="rect">
+            <a:avLst/>
+          </a:prstGeom>
+          <a:noFill/>
+        </p:spPr>
+        <p:txBody>
+          <a:bodyPr wrap="none" rtlCol="0">
+            <a:spAutoFit/>
+          </a:bodyPr>
+          <a:lstStyle/>
+          <a:p>
+            <a:r>
+              <a:rPr lang="en-GB" dirty="0"/>
+              <a:t>变量</a:t>
+            </a:r>
+            <a:r>
+              <a:rPr lang="zh-CN" altLang="en-US" dirty="0"/>
+              <a:t> </a:t>
+            </a:r>
+            <a:r>
+              <a:rPr lang="en-US" altLang="zh-CN" dirty="0"/>
+              <a:t>1:</a:t>
+            </a:r>
+            <a:endParaRPr lang="en-GB" dirty="0"/>
+          </a:p>
+        </p:txBody>
+      </p:sp>
+      <p:sp>
+        <p:nvSpPr>
+          <p:cNvPr id="8" name="TextBox 7">
+            <a:extLst>
+              <a:ext uri="{FF2B5EF4-FFF2-40B4-BE49-F238E27FC236}">
+                <a16:creationId xmlns:a16="http://schemas.microsoft.com/office/drawing/2014/main" id="{456C7A34-8E55-4E30-8061-C359181D66F7}"/>
+              </a:ext>
+            </a:extLst>
+          </p:cNvPr>
+          <p:cNvSpPr txBox="1"/>
+          <p:nvPr/>
+        </p:nvSpPr>
+        <p:spPr>
+          <a:xfrm>
+            <a:off x="1451579" y="2527525"/>
+            <a:ext cx="877163" cy="369332"/>
+          </a:xfrm>
+          <a:prstGeom prst="rect">
+            <a:avLst/>
+          </a:prstGeom>
+          <a:noFill/>
+        </p:spPr>
+        <p:txBody>
+          <a:bodyPr wrap="none" rtlCol="0">
+            <a:spAutoFit/>
+          </a:bodyPr>
+          <a:lstStyle/>
+          <a:p>
+            <a:r>
+              <a:rPr lang="en-GB" dirty="0"/>
+              <a:t>变量</a:t>
+            </a:r>
+            <a:r>
+              <a:rPr lang="zh-CN" altLang="en-US" dirty="0"/>
+              <a:t> </a:t>
+            </a:r>
+            <a:r>
+              <a:rPr lang="en-US" altLang="zh-CN" dirty="0"/>
+              <a:t>2:</a:t>
+            </a:r>
+            <a:endParaRPr lang="en-GB" dirty="0"/>
+          </a:p>
+        </p:txBody>
+      </p:sp>
+      <p:sp>
+        <p:nvSpPr>
+          <p:cNvPr id="9" name="TextBox 8">
+            <a:extLst>
+              <a:ext uri="{FF2B5EF4-FFF2-40B4-BE49-F238E27FC236}">
+                <a16:creationId xmlns:a16="http://schemas.microsoft.com/office/drawing/2014/main" id="{190B7ACE-7634-8D97-FA13-C10577CBDA96}"/>
+              </a:ext>
+            </a:extLst>
+          </p:cNvPr>
+          <p:cNvSpPr txBox="1"/>
+          <p:nvPr/>
+        </p:nvSpPr>
+        <p:spPr>
+          <a:xfrm>
+            <a:off x="1451579" y="2904524"/>
+            <a:ext cx="877163" cy="369332"/>
+          </a:xfrm>
+          <a:prstGeom prst="rect">
+            <a:avLst/>
+          </a:prstGeom>
+          <a:noFill/>
+        </p:spPr>
+        <p:txBody>
+          <a:bodyPr wrap="none" rtlCol="0">
+            <a:spAutoFit/>
+          </a:bodyPr>
+          <a:lstStyle/>
+          <a:p>
+            <a:r>
+              <a:rPr lang="en-GB" dirty="0"/>
+              <a:t>变量</a:t>
+            </a:r>
+            <a:r>
+              <a:rPr lang="zh-CN" altLang="en-US" dirty="0"/>
+              <a:t> </a:t>
+            </a:r>
+            <a:r>
+              <a:rPr lang="en-US" altLang="zh-CN" dirty="0"/>
+              <a:t>3:</a:t>
+            </a:r>
+            <a:endParaRPr lang="en-GB" dirty="0"/>
+          </a:p>
+        </p:txBody>
+      </p:sp>
+      <p:sp>
+        <p:nvSpPr>
+          <p:cNvPr id="10" name="TextBox 9">
+            <a:extLst>
+              <a:ext uri="{FF2B5EF4-FFF2-40B4-BE49-F238E27FC236}">
+                <a16:creationId xmlns:a16="http://schemas.microsoft.com/office/drawing/2014/main" id="{E9E41B03-BB41-841D-2A81-ADED20B1A3E9}"/>
+              </a:ext>
+            </a:extLst>
+          </p:cNvPr>
+          <p:cNvSpPr txBox="1"/>
+          <p:nvPr/>
+        </p:nvSpPr>
+        <p:spPr>
+          <a:xfrm>
+            <a:off x="1451579" y="3326537"/>
+            <a:ext cx="877163" cy="369332"/>
+          </a:xfrm>
+          <a:prstGeom prst="rect">
+            <a:avLst/>
+          </a:prstGeom>
+          <a:noFill/>
+        </p:spPr>
+        <p:txBody>
+          <a:bodyPr wrap="none" rtlCol="0">
+            <a:spAutoFit/>
+          </a:bodyPr>
+          <a:lstStyle/>
+          <a:p>
+            <a:r>
+              <a:rPr lang="en-GB" dirty="0"/>
+              <a:t>变量</a:t>
+            </a:r>
+            <a:r>
+              <a:rPr lang="zh-CN" altLang="en-US" dirty="0"/>
+              <a:t> </a:t>
+            </a:r>
+            <a:r>
+              <a:rPr lang="en-US" altLang="zh-CN" dirty="0"/>
+              <a:t>4:</a:t>
+            </a:r>
+            <a:endParaRPr lang="en-GB" dirty="0"/>
+          </a:p>
+        </p:txBody>
+      </p:sp>
+      <p:sp>
+        <p:nvSpPr>
+          <p:cNvPr id="11" name="TextBox 10">
+            <a:extLst>
+              <a:ext uri="{FF2B5EF4-FFF2-40B4-BE49-F238E27FC236}">
+                <a16:creationId xmlns:a16="http://schemas.microsoft.com/office/drawing/2014/main" id="{EBC6B863-96A4-9D1A-C997-AACBFACCEFFD}"/>
+              </a:ext>
+            </a:extLst>
+          </p:cNvPr>
+          <p:cNvSpPr txBox="1"/>
+          <p:nvPr/>
+        </p:nvSpPr>
+        <p:spPr>
+          <a:xfrm>
+            <a:off x="1451579" y="3695869"/>
+            <a:ext cx="877163" cy="369332"/>
+          </a:xfrm>
+          <a:prstGeom prst="rect">
+            <a:avLst/>
+          </a:prstGeom>
+          <a:noFill/>
+        </p:spPr>
+        <p:txBody>
+          <a:bodyPr wrap="none" rtlCol="0">
+            <a:spAutoFit/>
+          </a:bodyPr>
+          <a:lstStyle/>
+          <a:p>
+            <a:r>
+              <a:rPr lang="en-GB" dirty="0"/>
+              <a:t>变量</a:t>
+            </a:r>
+            <a:r>
+              <a:rPr lang="zh-CN" altLang="en-US" dirty="0"/>
+              <a:t> </a:t>
+            </a:r>
+            <a:r>
+              <a:rPr lang="en-US" altLang="zh-CN" dirty="0"/>
+              <a:t>5:</a:t>
+            </a:r>
+            <a:endParaRPr lang="en-GB" dirty="0"/>
+          </a:p>
+        </p:txBody>
+      </p:sp>
+      <p:sp>
+        <p:nvSpPr>
+          <p:cNvPr id="12" name="TextBox 11">
+            <a:extLst>
+              <a:ext uri="{FF2B5EF4-FFF2-40B4-BE49-F238E27FC236}">
+                <a16:creationId xmlns:a16="http://schemas.microsoft.com/office/drawing/2014/main" id="{5A0049A0-26F8-CD43-AB4A-C8E974E6A13B}"/>
+              </a:ext>
+            </a:extLst>
+          </p:cNvPr>
+          <p:cNvSpPr txBox="1"/>
+          <p:nvPr/>
+        </p:nvSpPr>
+        <p:spPr>
+          <a:xfrm>
+            <a:off x="1451579" y="4072868"/>
+            <a:ext cx="877163" cy="369332"/>
+          </a:xfrm>
+          <a:prstGeom prst="rect">
+            <a:avLst/>
+          </a:prstGeom>
+          <a:noFill/>
+        </p:spPr>
+        <p:txBody>
+          <a:bodyPr wrap="none" rtlCol="0">
+            <a:spAutoFit/>
+          </a:bodyPr>
+          <a:lstStyle/>
+          <a:p>
+            <a:r>
+              <a:rPr lang="en-GB" dirty="0"/>
+              <a:t>变量</a:t>
+            </a:r>
+            <a:r>
+              <a:rPr lang="zh-CN" altLang="en-US" dirty="0"/>
+              <a:t> </a:t>
+            </a:r>
+            <a:r>
+              <a:rPr lang="en-US" altLang="zh-CN" dirty="0"/>
+              <a:t>6:</a:t>
+            </a:r>
+            <a:endParaRPr lang="en-GB" dirty="0"/>
+          </a:p>
+        </p:txBody>
+      </p:sp>
+      <p:sp>
+        <p:nvSpPr>
+          <p:cNvPr id="13" name="TextBox 12">
+            <a:extLst>
+              <a:ext uri="{FF2B5EF4-FFF2-40B4-BE49-F238E27FC236}">
+                <a16:creationId xmlns:a16="http://schemas.microsoft.com/office/drawing/2014/main" id="{1AF920DF-DA41-A95D-A8C7-13134C64609A}"/>
+              </a:ext>
+            </a:extLst>
+          </p:cNvPr>
+          <p:cNvSpPr txBox="1"/>
+          <p:nvPr/>
+        </p:nvSpPr>
+        <p:spPr>
+          <a:xfrm>
+            <a:off x="1451579" y="4500810"/>
+            <a:ext cx="877163" cy="369332"/>
+          </a:xfrm>
+          <a:prstGeom prst="rect">
+            <a:avLst/>
+          </a:prstGeom>
+          <a:noFill/>
+        </p:spPr>
+        <p:txBody>
+          <a:bodyPr wrap="none" rtlCol="0">
+            <a:spAutoFit/>
+          </a:bodyPr>
+          <a:lstStyle/>
+          <a:p>
+            <a:r>
+              <a:rPr lang="en-GB" dirty="0"/>
+              <a:t>变量</a:t>
+            </a:r>
+            <a:r>
+              <a:rPr lang="zh-CN" altLang="en-US" dirty="0"/>
+              <a:t> </a:t>
+            </a:r>
+            <a:r>
+              <a:rPr lang="en-US" altLang="zh-CN" dirty="0"/>
+              <a:t>7:</a:t>
+            </a:r>
+            <a:endParaRPr lang="en-GB" dirty="0"/>
+          </a:p>
+        </p:txBody>
+      </p:sp>
+      <p:sp>
+        <p:nvSpPr>
+          <p:cNvPr id="14" name="TextBox 13">
+            <a:extLst>
+              <a:ext uri="{FF2B5EF4-FFF2-40B4-BE49-F238E27FC236}">
+                <a16:creationId xmlns:a16="http://schemas.microsoft.com/office/drawing/2014/main" id="{E2AAD1F8-BA25-612B-0CA7-8F11A4F96A09}"/>
+              </a:ext>
+            </a:extLst>
+          </p:cNvPr>
+          <p:cNvSpPr txBox="1"/>
+          <p:nvPr/>
+        </p:nvSpPr>
+        <p:spPr>
+          <a:xfrm>
+            <a:off x="1451579" y="4870142"/>
+            <a:ext cx="877163" cy="369332"/>
+          </a:xfrm>
+          <a:prstGeom prst="rect">
+            <a:avLst/>
+          </a:prstGeom>
+          <a:noFill/>
+        </p:spPr>
+        <p:txBody>
+          <a:bodyPr wrap="none" rtlCol="0">
+            <a:spAutoFit/>
+          </a:bodyPr>
+          <a:lstStyle/>
+          <a:p>
+            <a:r>
+              <a:rPr lang="en-GB" dirty="0"/>
+              <a:t>变量</a:t>
+            </a:r>
+            <a:r>
+              <a:rPr lang="zh-CN" altLang="en-US" dirty="0"/>
+              <a:t> </a:t>
+            </a:r>
+            <a:r>
+              <a:rPr lang="en-US" altLang="zh-CN" dirty="0"/>
+              <a:t>8:</a:t>
+            </a:r>
+            <a:endParaRPr lang="en-GB" dirty="0"/>
+          </a:p>
+        </p:txBody>
+      </p:sp>
+      <p:sp>
+        <p:nvSpPr>
+          <p:cNvPr id="15" name="TextBox 14">
+            <a:extLst>
+              <a:ext uri="{FF2B5EF4-FFF2-40B4-BE49-F238E27FC236}">
+                <a16:creationId xmlns:a16="http://schemas.microsoft.com/office/drawing/2014/main" id="{3FD3127B-3616-5B0B-574D-2EFF81E20C39}"/>
+              </a:ext>
+            </a:extLst>
+          </p:cNvPr>
+          <p:cNvSpPr txBox="1"/>
+          <p:nvPr/>
+        </p:nvSpPr>
+        <p:spPr>
+          <a:xfrm>
+            <a:off x="1451579" y="5247141"/>
+            <a:ext cx="877163" cy="369332"/>
+          </a:xfrm>
+          <a:prstGeom prst="rect">
+            <a:avLst/>
+          </a:prstGeom>
+          <a:noFill/>
+        </p:spPr>
+        <p:txBody>
+          <a:bodyPr wrap="none" rtlCol="0">
+            <a:spAutoFit/>
+          </a:bodyPr>
+          <a:lstStyle/>
+          <a:p>
+            <a:r>
+              <a:rPr lang="en-GB" dirty="0"/>
+              <a:t>变量</a:t>
+            </a:r>
+            <a:r>
+              <a:rPr lang="zh-CN" altLang="en-US" dirty="0"/>
+              <a:t> </a:t>
+            </a:r>
+            <a:r>
+              <a:rPr lang="en-US" altLang="zh-CN" dirty="0"/>
+              <a:t>9:</a:t>
+            </a:r>
+            <a:endParaRPr lang="en-GB" dirty="0"/>
+          </a:p>
+        </p:txBody>
+      </p:sp>
+      <p:sp>
+        <p:nvSpPr>
+          <p:cNvPr id="16" name="TextBox 15">
+            <a:extLst>
+              <a:ext uri="{FF2B5EF4-FFF2-40B4-BE49-F238E27FC236}">
+                <a16:creationId xmlns:a16="http://schemas.microsoft.com/office/drawing/2014/main" id="{5F24ACD9-161D-86E7-6430-ECE0BF3F002F}"/>
+              </a:ext>
+            </a:extLst>
+          </p:cNvPr>
+          <p:cNvSpPr txBox="1"/>
+          <p:nvPr/>
+        </p:nvSpPr>
+        <p:spPr>
+          <a:xfrm>
+            <a:off x="5921203" y="2158193"/>
+            <a:ext cx="992579" cy="369332"/>
+          </a:xfrm>
+          <a:prstGeom prst="rect">
+            <a:avLst/>
+          </a:prstGeom>
+          <a:noFill/>
+        </p:spPr>
+        <p:txBody>
+          <a:bodyPr wrap="none" rtlCol="0">
+            <a:spAutoFit/>
+          </a:bodyPr>
+          <a:lstStyle/>
+          <a:p>
+            <a:r>
+              <a:rPr lang="en-GB" dirty="0"/>
+              <a:t>变量</a:t>
+            </a:r>
+            <a:r>
+              <a:rPr lang="zh-CN" altLang="en-US" dirty="0"/>
+              <a:t> </a:t>
+            </a:r>
+            <a:r>
+              <a:rPr lang="en-US" altLang="zh-CN" dirty="0"/>
+              <a:t>10:</a:t>
+            </a:r>
+            <a:endParaRPr lang="en-GB" dirty="0"/>
+          </a:p>
+        </p:txBody>
+      </p:sp>
+      <p:sp>
+        <p:nvSpPr>
+          <p:cNvPr id="17" name="TextBox 16">
+            <a:extLst>
+              <a:ext uri="{FF2B5EF4-FFF2-40B4-BE49-F238E27FC236}">
+                <a16:creationId xmlns:a16="http://schemas.microsoft.com/office/drawing/2014/main" id="{B7F3E73A-CEA4-2147-BBDD-AC82863D4338}"/>
+              </a:ext>
+            </a:extLst>
+          </p:cNvPr>
+          <p:cNvSpPr txBox="1"/>
+          <p:nvPr/>
+        </p:nvSpPr>
+        <p:spPr>
+          <a:xfrm>
+            <a:off x="5921203" y="2527525"/>
+            <a:ext cx="992579" cy="369332"/>
+          </a:xfrm>
+          <a:prstGeom prst="rect">
+            <a:avLst/>
+          </a:prstGeom>
+          <a:noFill/>
+        </p:spPr>
+        <p:txBody>
+          <a:bodyPr wrap="none" rtlCol="0">
+            <a:spAutoFit/>
+          </a:bodyPr>
+          <a:lstStyle/>
+          <a:p>
+            <a:r>
+              <a:rPr lang="en-GB" dirty="0"/>
+              <a:t>变量</a:t>
+            </a:r>
+            <a:r>
+              <a:rPr lang="zh-CN" altLang="en-US" dirty="0"/>
+              <a:t> </a:t>
+            </a:r>
+            <a:r>
+              <a:rPr lang="en-US" altLang="zh-CN" dirty="0"/>
+              <a:t>11:</a:t>
+            </a:r>
+            <a:endParaRPr lang="en-GB" dirty="0"/>
+          </a:p>
+        </p:txBody>
+      </p:sp>
+      <p:sp>
+        <p:nvSpPr>
+          <p:cNvPr id="18" name="TextBox 17">
+            <a:extLst>
+              <a:ext uri="{FF2B5EF4-FFF2-40B4-BE49-F238E27FC236}">
+                <a16:creationId xmlns:a16="http://schemas.microsoft.com/office/drawing/2014/main" id="{4B7C7AAF-338B-5D2D-4163-ECA02DDF8E49}"/>
+              </a:ext>
+            </a:extLst>
+          </p:cNvPr>
+          <p:cNvSpPr txBox="1"/>
+          <p:nvPr/>
+        </p:nvSpPr>
+        <p:spPr>
+          <a:xfrm>
+            <a:off x="5921203" y="2904524"/>
+            <a:ext cx="992579" cy="369332"/>
+          </a:xfrm>
+          <a:prstGeom prst="rect">
+            <a:avLst/>
+          </a:prstGeom>
+          <a:noFill/>
+        </p:spPr>
+        <p:txBody>
+          <a:bodyPr wrap="none" rtlCol="0">
+            <a:spAutoFit/>
+          </a:bodyPr>
+          <a:lstStyle/>
+          <a:p>
+            <a:r>
+              <a:rPr lang="en-GB" dirty="0"/>
+              <a:t>变量</a:t>
+            </a:r>
+            <a:r>
+              <a:rPr lang="zh-CN" altLang="en-US" dirty="0"/>
+              <a:t> </a:t>
+            </a:r>
+            <a:r>
+              <a:rPr lang="en-US" altLang="zh-CN" dirty="0"/>
+              <a:t>12:</a:t>
+            </a:r>
+            <a:endParaRPr lang="en-GB" dirty="0"/>
+          </a:p>
+        </p:txBody>
+      </p:sp>
+      <p:sp>
+        <p:nvSpPr>
+          <p:cNvPr id="19" name="TextBox 18">
+            <a:extLst>
+              <a:ext uri="{FF2B5EF4-FFF2-40B4-BE49-F238E27FC236}">
+                <a16:creationId xmlns:a16="http://schemas.microsoft.com/office/drawing/2014/main" id="{FEF73039-2A91-1A03-4DB0-E2BAA5C18D8A}"/>
+              </a:ext>
+            </a:extLst>
+          </p:cNvPr>
+          <p:cNvSpPr txBox="1"/>
+          <p:nvPr/>
+        </p:nvSpPr>
+        <p:spPr>
+          <a:xfrm>
+            <a:off x="5921203" y="3326537"/>
+            <a:ext cx="992579" cy="369332"/>
+          </a:xfrm>
+          <a:prstGeom prst="rect">
+            <a:avLst/>
+          </a:prstGeom>
+          <a:noFill/>
+        </p:spPr>
+        <p:txBody>
+          <a:bodyPr wrap="none" rtlCol="0">
+            <a:spAutoFit/>
+          </a:bodyPr>
+          <a:lstStyle/>
+          <a:p>
+            <a:r>
+              <a:rPr lang="en-GB" dirty="0"/>
+              <a:t>变量</a:t>
+            </a:r>
+            <a:r>
+              <a:rPr lang="zh-CN" altLang="en-US" dirty="0"/>
+              <a:t> </a:t>
+            </a:r>
+            <a:r>
+              <a:rPr lang="en-US" altLang="zh-CN" dirty="0"/>
+              <a:t>13:</a:t>
+            </a:r>
+            <a:endParaRPr lang="en-GB" dirty="0"/>
+          </a:p>
+        </p:txBody>
+      </p:sp>
+      <p:sp>
+        <p:nvSpPr>
+          <p:cNvPr id="20" name="TextBox 19">
+            <a:extLst>
+              <a:ext uri="{FF2B5EF4-FFF2-40B4-BE49-F238E27FC236}">
+                <a16:creationId xmlns:a16="http://schemas.microsoft.com/office/drawing/2014/main" id="{0CA29423-01E0-9967-8088-0F60E5FD076E}"/>
+              </a:ext>
+            </a:extLst>
+          </p:cNvPr>
+          <p:cNvSpPr txBox="1"/>
+          <p:nvPr/>
+        </p:nvSpPr>
+        <p:spPr>
+          <a:xfrm>
+            <a:off x="5921203" y="3695869"/>
+            <a:ext cx="992579" cy="369332"/>
+          </a:xfrm>
+          <a:prstGeom prst="rect">
+            <a:avLst/>
+          </a:prstGeom>
+          <a:noFill/>
+        </p:spPr>
+        <p:txBody>
+          <a:bodyPr wrap="none" rtlCol="0">
+            <a:spAutoFit/>
+          </a:bodyPr>
+          <a:lstStyle/>
+          <a:p>
+            <a:r>
+              <a:rPr lang="en-GB" dirty="0"/>
+              <a:t>变量</a:t>
+            </a:r>
+            <a:r>
+              <a:rPr lang="zh-CN" altLang="en-US" dirty="0"/>
+              <a:t> </a:t>
+            </a:r>
+            <a:r>
+              <a:rPr lang="en-US" altLang="zh-CN" dirty="0"/>
+              <a:t>14:</a:t>
+            </a:r>
+            <a:endParaRPr lang="en-GB" dirty="0"/>
+          </a:p>
+        </p:txBody>
+      </p:sp>
+      <p:sp>
+        <p:nvSpPr>
+          <p:cNvPr id="21" name="TextBox 20">
+            <a:extLst>
+              <a:ext uri="{FF2B5EF4-FFF2-40B4-BE49-F238E27FC236}">
+                <a16:creationId xmlns:a16="http://schemas.microsoft.com/office/drawing/2014/main" id="{C1CEC0AB-7E65-A5F1-57D8-B4E351BA0384}"/>
+              </a:ext>
+            </a:extLst>
+          </p:cNvPr>
+          <p:cNvSpPr txBox="1"/>
+          <p:nvPr/>
+        </p:nvSpPr>
+        <p:spPr>
+          <a:xfrm>
+            <a:off x="5921203" y="4072868"/>
+            <a:ext cx="992579" cy="369332"/>
+          </a:xfrm>
+          <a:prstGeom prst="rect">
+            <a:avLst/>
+          </a:prstGeom>
+          <a:noFill/>
+        </p:spPr>
+        <p:txBody>
+          <a:bodyPr wrap="none" rtlCol="0">
+            <a:spAutoFit/>
+          </a:bodyPr>
+          <a:lstStyle/>
+          <a:p>
+            <a:r>
+              <a:rPr lang="en-GB" dirty="0"/>
+              <a:t>变量</a:t>
+            </a:r>
+            <a:r>
+              <a:rPr lang="zh-CN" altLang="en-US" dirty="0"/>
+              <a:t> </a:t>
+            </a:r>
+            <a:r>
+              <a:rPr lang="en-US" altLang="zh-CN" dirty="0"/>
+              <a:t>15:</a:t>
+            </a:r>
+            <a:endParaRPr lang="en-GB" dirty="0"/>
+          </a:p>
+        </p:txBody>
+      </p:sp>
+      <p:sp>
+        <p:nvSpPr>
+          <p:cNvPr id="22" name="TextBox 21">
+            <a:extLst>
+              <a:ext uri="{FF2B5EF4-FFF2-40B4-BE49-F238E27FC236}">
+                <a16:creationId xmlns:a16="http://schemas.microsoft.com/office/drawing/2014/main" id="{D223F6FA-66E8-240D-F167-C9C7DCF357D8}"/>
+              </a:ext>
+            </a:extLst>
+          </p:cNvPr>
+          <p:cNvSpPr txBox="1"/>
+          <p:nvPr/>
+        </p:nvSpPr>
+        <p:spPr>
+          <a:xfrm>
+            <a:off x="5921203" y="4500810"/>
+            <a:ext cx="992579" cy="369332"/>
+          </a:xfrm>
+          <a:prstGeom prst="rect">
+            <a:avLst/>
+          </a:prstGeom>
+          <a:noFill/>
+        </p:spPr>
+        <p:txBody>
+          <a:bodyPr wrap="none" rtlCol="0">
+            <a:spAutoFit/>
+          </a:bodyPr>
+          <a:lstStyle/>
+          <a:p>
+            <a:r>
+              <a:rPr lang="en-GB" dirty="0"/>
+              <a:t>变量</a:t>
+            </a:r>
+            <a:r>
+              <a:rPr lang="zh-CN" altLang="en-US" dirty="0"/>
+              <a:t> </a:t>
+            </a:r>
+            <a:r>
+              <a:rPr lang="en-US" altLang="zh-CN" dirty="0"/>
+              <a:t>16:</a:t>
+            </a:r>
+            <a:endParaRPr lang="en-GB" dirty="0"/>
+          </a:p>
+        </p:txBody>
+      </p:sp>
+      <p:sp>
+        <p:nvSpPr>
+          <p:cNvPr id="23" name="TextBox 22">
+            <a:extLst>
+              <a:ext uri="{FF2B5EF4-FFF2-40B4-BE49-F238E27FC236}">
+                <a16:creationId xmlns:a16="http://schemas.microsoft.com/office/drawing/2014/main" id="{17264AB5-68C3-2768-70AD-39CC36C311CE}"/>
+              </a:ext>
+            </a:extLst>
+          </p:cNvPr>
+          <p:cNvSpPr txBox="1"/>
+          <p:nvPr/>
+        </p:nvSpPr>
+        <p:spPr>
+          <a:xfrm>
+            <a:off x="5921203" y="4870142"/>
+            <a:ext cx="992579" cy="369332"/>
+          </a:xfrm>
+          <a:prstGeom prst="rect">
+            <a:avLst/>
+          </a:prstGeom>
+          <a:noFill/>
+        </p:spPr>
+        <p:txBody>
+          <a:bodyPr wrap="none" rtlCol="0">
+            <a:spAutoFit/>
+          </a:bodyPr>
+          <a:lstStyle/>
+          <a:p>
+            <a:r>
+              <a:rPr lang="en-GB" dirty="0"/>
+              <a:t>变量</a:t>
+            </a:r>
+            <a:r>
+              <a:rPr lang="zh-CN" altLang="en-US" dirty="0"/>
+              <a:t> </a:t>
+            </a:r>
+            <a:r>
+              <a:rPr lang="en-US" altLang="zh-CN" dirty="0"/>
+              <a:t>17:</a:t>
+            </a:r>
+            <a:endParaRPr lang="en-GB" dirty="0"/>
+          </a:p>
+        </p:txBody>
+      </p:sp>
+      <p:sp>
+        <p:nvSpPr>
+          <p:cNvPr id="24" name="TextBox 23">
+            <a:extLst>
+              <a:ext uri="{FF2B5EF4-FFF2-40B4-BE49-F238E27FC236}">
+                <a16:creationId xmlns:a16="http://schemas.microsoft.com/office/drawing/2014/main" id="{467EA161-544D-1CF3-098C-CB200AA2410D}"/>
+              </a:ext>
+            </a:extLst>
+          </p:cNvPr>
+          <p:cNvSpPr txBox="1"/>
+          <p:nvPr/>
+        </p:nvSpPr>
+        <p:spPr>
+          <a:xfrm>
+            <a:off x="5921203" y="5247141"/>
+            <a:ext cx="992579" cy="369332"/>
+          </a:xfrm>
+          <a:prstGeom prst="rect">
+            <a:avLst/>
+          </a:prstGeom>
+          <a:noFill/>
+        </p:spPr>
+        <p:txBody>
+          <a:bodyPr wrap="none" rtlCol="0">
+            <a:spAutoFit/>
+          </a:bodyPr>
+          <a:lstStyle/>
+          <a:p>
+            <a:r>
+              <a:rPr lang="en-GB" dirty="0"/>
+              <a:t>变量</a:t>
+            </a:r>
+            <a:r>
+              <a:rPr lang="zh-CN" altLang="en-US" dirty="0"/>
+              <a:t> </a:t>
+            </a:r>
+            <a:r>
+              <a:rPr lang="en-US" altLang="zh-CN" dirty="0"/>
+              <a:t>18:</a:t>
+            </a:r>
+            <a:endParaRPr lang="en-GB" dirty="0"/>
+          </a:p>
+        </p:txBody>
+      </p:sp>
+      <p:sp>
+        <p:nvSpPr>
+          <p:cNvPr id="25" name="TextBox 24">
+            <a:extLst>
+              <a:ext uri="{FF2B5EF4-FFF2-40B4-BE49-F238E27FC236}">
+                <a16:creationId xmlns:a16="http://schemas.microsoft.com/office/drawing/2014/main" id="{DA15A680-8547-E6EB-2F7B-DE66EC130C30}"/>
+              </a:ext>
+            </a:extLst>
+          </p:cNvPr>
+          <p:cNvSpPr txBox="1"/>
+          <p:nvPr/>
+        </p:nvSpPr>
+        <p:spPr>
+          <a:xfrm>
+            <a:off x="9681672" y="2179810"/>
+            <a:ext cx="992579" cy="369332"/>
+          </a:xfrm>
+          <a:prstGeom prst="rect">
+            <a:avLst/>
+          </a:prstGeom>
+          <a:noFill/>
+        </p:spPr>
+        <p:txBody>
+          <a:bodyPr wrap="none" rtlCol="0">
+            <a:spAutoFit/>
+          </a:bodyPr>
+          <a:lstStyle/>
+          <a:p>
+            <a:r>
+              <a:rPr lang="en-GB" dirty="0"/>
+              <a:t>变量</a:t>
+            </a:r>
+            <a:r>
+              <a:rPr lang="zh-CN" altLang="en-US" dirty="0"/>
+              <a:t> </a:t>
+            </a:r>
+            <a:r>
+              <a:rPr lang="en-US" altLang="zh-CN" dirty="0"/>
+              <a:t>19:</a:t>
+            </a:r>
+            <a:endParaRPr lang="en-GB" dirty="0"/>
           </a:p>
         </p:txBody>
       </p:sp>
@@ -9869,7 +12729,97 @@
 </p:sld>
 </file>
 
-<file path=ppt/slides/slide2.xml><?xml version="1.0" encoding="utf-8"?>
+<file path=ppt/slides/slide3.xml><?xml version="1.0" encoding="utf-8"?>
+<p:sld xmlns:a="http://schemas.openxmlformats.org/drawingml/2006/main" xmlns:r="http://schemas.openxmlformats.org/officeDocument/2006/relationships" xmlns:p="http://schemas.openxmlformats.org/presentationml/2006/main">
+  <p:cSld>
+    <p:spTree>
+      <p:nvGrpSpPr>
+        <p:cNvPr id="1" name=""/>
+        <p:cNvGrpSpPr/>
+        <p:nvPr/>
+      </p:nvGrpSpPr>
+      <p:grpSpPr>
+        <a:xfrm>
+          <a:off x="0" y="0"/>
+          <a:ext cx="0" cy="0"/>
+          <a:chOff x="0" y="0"/>
+          <a:chExt cx="0" cy="0"/>
+        </a:xfrm>
+      </p:grpSpPr>
+      <p:pic>
+        <p:nvPicPr>
+          <p:cNvPr id="2" name="Picture 1">
+            <a:extLst>
+              <a:ext uri="{FF2B5EF4-FFF2-40B4-BE49-F238E27FC236}">
+                <a16:creationId xmlns:a16="http://schemas.microsoft.com/office/drawing/2014/main" id="{584E26BF-4267-28B4-42AC-70ECBCD29893}"/>
+              </a:ext>
+            </a:extLst>
+          </p:cNvPr>
+          <p:cNvPicPr>
+            <a:picLocks noChangeAspect="1"/>
+          </p:cNvPicPr>
+          <p:nvPr/>
+        </p:nvPicPr>
+        <p:blipFill>
+          <a:blip r:embed="rId2"/>
+          <a:stretch>
+            <a:fillRect/>
+          </a:stretch>
+        </p:blipFill>
+        <p:spPr>
+          <a:xfrm>
+            <a:off x="1762540" y="283963"/>
+            <a:ext cx="7772400" cy="2606148"/>
+          </a:xfrm>
+          <a:prstGeom prst="rect">
+            <a:avLst/>
+          </a:prstGeom>
+        </p:spPr>
+      </p:pic>
+      <p:pic>
+        <p:nvPicPr>
+          <p:cNvPr id="3" name="Picture 2">
+            <a:extLst>
+              <a:ext uri="{FF2B5EF4-FFF2-40B4-BE49-F238E27FC236}">
+                <a16:creationId xmlns:a16="http://schemas.microsoft.com/office/drawing/2014/main" id="{8D135CC5-E8E1-E6B8-B437-B891876BAEB3}"/>
+              </a:ext>
+            </a:extLst>
+          </p:cNvPr>
+          <p:cNvPicPr>
+            <a:picLocks noChangeAspect="1"/>
+          </p:cNvPicPr>
+          <p:nvPr/>
+        </p:nvPicPr>
+        <p:blipFill>
+          <a:blip r:embed="rId3"/>
+          <a:stretch>
+            <a:fillRect/>
+          </a:stretch>
+        </p:blipFill>
+        <p:spPr>
+          <a:xfrm>
+            <a:off x="1762540" y="3217774"/>
+            <a:ext cx="7772400" cy="3356263"/>
+          </a:xfrm>
+          <a:prstGeom prst="rect">
+            <a:avLst/>
+          </a:prstGeom>
+        </p:spPr>
+      </p:pic>
+    </p:spTree>
+    <p:extLst>
+      <p:ext uri="{BB962C8B-B14F-4D97-AF65-F5344CB8AC3E}">
+        <p14:creationId xmlns:p14="http://schemas.microsoft.com/office/powerpoint/2010/main" val="3769297229"/>
+      </p:ext>
+    </p:extLst>
+  </p:cSld>
+  <p:clrMapOvr>
+    <a:masterClrMapping/>
+  </p:clrMapOvr>
+</p:sld>
+</file>
+
+<file path=ppt/slides/slide4.xml><?xml version="1.0" encoding="utf-8"?>
 <p:sld xmlns:a="http://schemas.openxmlformats.org/drawingml/2006/main" xmlns:r="http://schemas.openxmlformats.org/officeDocument/2006/relationships" xmlns:p="http://schemas.openxmlformats.org/presentationml/2006/main">
   <p:cSld>
     <p:spTree>
@@ -9891,7 +12841,7 @@
           <p:cNvPr id="4" name="Object 3" hidden="1">
             <a:extLst>
               <a:ext uri="{FF2B5EF4-FFF2-40B4-BE49-F238E27FC236}">
-                <a16:creationId xmlns:a16="http://schemas.microsoft.com/office/drawing/2014/main" id="{AB97119B-3551-A705-EBAC-486CED9D393A}"/>
+                <a16:creationId xmlns:a16="http://schemas.microsoft.com/office/drawing/2014/main" id="{2E7FC3B2-CFFE-70EA-3E92-D67FF5D02651}"/>
               </a:ext>
             </a:extLst>
           </p:cNvPr>
@@ -9904,7 +12854,7 @@
             </p:custDataLst>
             <p:extLst>
               <p:ext uri="{D42A27DB-BD31-4B8C-83A1-F6EECF244321}">
-                <p14:modId xmlns:p14="http://schemas.microsoft.com/office/powerpoint/2010/main" val="1993046039"/>
+                <p14:modId xmlns:p14="http://schemas.microsoft.com/office/powerpoint/2010/main" val="1565801274"/>
               </p:ext>
             </p:extLst>
           </p:nvPr>
@@ -9957,7 +12907,7 @@
           <p:cNvPr id="2" name="Title 1">
             <a:extLst>
               <a:ext uri="{FF2B5EF4-FFF2-40B4-BE49-F238E27FC236}">
-                <a16:creationId xmlns:a16="http://schemas.microsoft.com/office/drawing/2014/main" id="{35497EE0-C8AD-83B1-41ED-B92CAC6E5AD6}"/>
+                <a16:creationId xmlns:a16="http://schemas.microsoft.com/office/drawing/2014/main" id="{85C40DC4-E299-FA89-9825-FD9FBF782F26}"/>
               </a:ext>
             </a:extLst>
           </p:cNvPr>
@@ -9975,7 +12925,7 @@
           <a:p>
             <a:r>
               <a:rPr lang="en-GB" dirty="0"/>
-              <a:t>数据结构的设计</a:t>
+              <a:t>Scratch中的变量定义</a:t>
             </a:r>
           </a:p>
         </p:txBody>
@@ -9985,7 +12935,7 @@
           <p:cNvPr id="3" name="Content Placeholder 2">
             <a:extLst>
               <a:ext uri="{FF2B5EF4-FFF2-40B4-BE49-F238E27FC236}">
-                <a16:creationId xmlns:a16="http://schemas.microsoft.com/office/drawing/2014/main" id="{C3D78C66-717E-1020-140A-4DE2FEDBFC49}"/>
+                <a16:creationId xmlns:a16="http://schemas.microsoft.com/office/drawing/2014/main" id="{B4A22D44-A11E-A1A9-E382-B409E890F5A6}"/>
               </a:ext>
             </a:extLst>
           </p:cNvPr>
@@ -10003,13 +12953,13 @@
           <a:p>
             <a:r>
               <a:rPr lang="en-GB" dirty="0"/>
-              <a:t>舞台的数据结构</a:t>
+              <a:t>变量</a:t>
             </a:r>
           </a:p>
           <a:p>
             <a:r>
               <a:rPr lang="en-GB" dirty="0"/>
-              <a:t>砖块的数据结构</a:t>
+              <a:t>数组</a:t>
             </a:r>
           </a:p>
         </p:txBody>
@@ -10017,7 +12967,7 @@
     </p:spTree>
     <p:extLst>
       <p:ext uri="{BB962C8B-B14F-4D97-AF65-F5344CB8AC3E}">
-        <p14:creationId xmlns:p14="http://schemas.microsoft.com/office/powerpoint/2010/main" val="3594726613"/>
+        <p14:creationId xmlns:p14="http://schemas.microsoft.com/office/powerpoint/2010/main" val="1168717369"/>
       </p:ext>
     </p:extLst>
   </p:cSld>
@@ -10027,7 +12977,7 @@
 </p:sld>
 </file>
 
-<file path=ppt/slides/slide3.xml><?xml version="1.0" encoding="utf-8"?>
+<file path=ppt/slides/slide5.xml><?xml version="1.0" encoding="utf-8"?>
 <p:sld xmlns:a="http://schemas.openxmlformats.org/drawingml/2006/main" xmlns:r="http://schemas.openxmlformats.org/officeDocument/2006/relationships" xmlns:p="http://schemas.openxmlformats.org/presentationml/2006/main">
   <p:cSld>
     <p:spTree>
@@ -10686,7 +13636,7 @@
 </p:sld>
 </file>
 
-<file path=ppt/slides/slide4.xml><?xml version="1.0" encoding="utf-8"?>
+<file path=ppt/slides/slide6.xml><?xml version="1.0" encoding="utf-8"?>
 <p:sld xmlns:a="http://schemas.openxmlformats.org/drawingml/2006/main" xmlns:r="http://schemas.openxmlformats.org/officeDocument/2006/relationships" xmlns:p="http://schemas.openxmlformats.org/presentationml/2006/main">
   <p:cSld>
     <p:spTree>
@@ -11917,7 +14867,7 @@
 </p:sld>
 </file>
 
-<file path=ppt/slides/slide5.xml><?xml version="1.0" encoding="utf-8"?>
+<file path=ppt/slides/slide7.xml><?xml version="1.0" encoding="utf-8"?>
 <p:sld xmlns:a="http://schemas.openxmlformats.org/drawingml/2006/main" xmlns:r="http://schemas.openxmlformats.org/officeDocument/2006/relationships" xmlns:p="http://schemas.openxmlformats.org/presentationml/2006/main">
   <p:cSld>
     <p:spTree>
@@ -14759,7 +17709,7 @@
 </p:sld>
 </file>
 
-<file path=ppt/slides/slide6.xml><?xml version="1.0" encoding="utf-8"?>
+<file path=ppt/slides/slide8.xml><?xml version="1.0" encoding="utf-8"?>
 <p:sld xmlns:a="http://schemas.openxmlformats.org/drawingml/2006/main" xmlns:r="http://schemas.openxmlformats.org/officeDocument/2006/relationships" xmlns:p="http://schemas.openxmlformats.org/presentationml/2006/main">
   <p:cSld>
     <p:spTree>
@@ -15215,7 +18165,7 @@
 </p:sld>
 </file>
 
-<file path=ppt/slides/slide7.xml><?xml version="1.0" encoding="utf-8"?>
+<file path=ppt/slides/slide9.xml><?xml version="1.0" encoding="utf-8"?>
 <p:sld xmlns:a="http://schemas.openxmlformats.org/drawingml/2006/main" xmlns:r="http://schemas.openxmlformats.org/officeDocument/2006/relationships" xmlns:p="http://schemas.openxmlformats.org/presentationml/2006/main">
   <p:cSld>
     <p:spTree>
@@ -15250,7 +18200,7 @@
             </p:custDataLst>
             <p:extLst>
               <p:ext uri="{D42A27DB-BD31-4B8C-83A1-F6EECF244321}">
-                <p14:modId xmlns:p14="http://schemas.microsoft.com/office/powerpoint/2010/main" val="3241645246"/>
+                <p14:modId xmlns:p14="http://schemas.microsoft.com/office/powerpoint/2010/main" val="642145150"/>
               </p:ext>
             </p:extLst>
           </p:nvPr>
@@ -15321,7 +18271,15 @@
           <a:p>
             <a:r>
               <a:rPr lang="en-US" dirty="0"/>
-              <a:t>砖块的数据结构</a:t>
+              <a:t>砖块的数据结构-</a:t>
+            </a:r>
+            <a:r>
+              <a:rPr lang="en-US" altLang="zh-CN" dirty="0"/>
+              <a:t>4</a:t>
+            </a:r>
+            <a:r>
+              <a:rPr lang="zh-CN" altLang="en-US" dirty="0"/>
+              <a:t>个小型正方形组成的规则图形</a:t>
             </a:r>
             <a:endParaRPr lang="en-AE" dirty="0"/>
           </a:p>
@@ -16075,1872 +19033,6 @@
     <p:extLst>
       <p:ext uri="{BB962C8B-B14F-4D97-AF65-F5344CB8AC3E}">
         <p14:creationId xmlns:p14="http://schemas.microsoft.com/office/powerpoint/2010/main" val="3422314303"/>
-      </p:ext>
-    </p:extLst>
-  </p:cSld>
-  <p:clrMapOvr>
-    <a:masterClrMapping/>
-  </p:clrMapOvr>
-</p:sld>
-</file>
-
-<file path=ppt/slides/slide8.xml><?xml version="1.0" encoding="utf-8"?>
-<p:sld xmlns:a="http://schemas.openxmlformats.org/drawingml/2006/main" xmlns:r="http://schemas.openxmlformats.org/officeDocument/2006/relationships" xmlns:p="http://schemas.openxmlformats.org/presentationml/2006/main">
-  <p:cSld>
-    <p:spTree>
-      <p:nvGrpSpPr>
-        <p:cNvPr id="1" name=""/>
-        <p:cNvGrpSpPr/>
-        <p:nvPr/>
-      </p:nvGrpSpPr>
-      <p:grpSpPr>
-        <a:xfrm>
-          <a:off x="0" y="0"/>
-          <a:ext cx="0" cy="0"/>
-          <a:chOff x="0" y="0"/>
-          <a:chExt cx="0" cy="0"/>
-        </a:xfrm>
-      </p:grpSpPr>
-      <p:graphicFrame>
-        <p:nvGraphicFramePr>
-          <p:cNvPr id="3" name="Object 2" hidden="1">
-            <a:extLst>
-              <a:ext uri="{FF2B5EF4-FFF2-40B4-BE49-F238E27FC236}">
-                <a16:creationId xmlns:a16="http://schemas.microsoft.com/office/drawing/2014/main" id="{7B0E5C28-5D1C-C5DA-F761-8DB75D19E113}"/>
-              </a:ext>
-            </a:extLst>
-          </p:cNvPr>
-          <p:cNvGraphicFramePr>
-            <a:graphicFrameLocks noChangeAspect="1"/>
-          </p:cNvGraphicFramePr>
-          <p:nvPr>
-            <p:custDataLst>
-              <p:tags r:id="rId1"/>
-            </p:custDataLst>
-            <p:extLst>
-              <p:ext uri="{D42A27DB-BD31-4B8C-83A1-F6EECF244321}">
-                <p14:modId xmlns:p14="http://schemas.microsoft.com/office/powerpoint/2010/main" val="4164041455"/>
-              </p:ext>
-            </p:extLst>
-          </p:nvPr>
-        </p:nvGraphicFramePr>
-        <p:xfrm>
-          <a:off x="1588" y="1588"/>
-          <a:ext cx="1227" cy="1588"/>
-        </p:xfrm>
-        <a:graphic>
-          <a:graphicData uri="http://schemas.openxmlformats.org/presentationml/2006/ole">
-            <mc:AlternateContent xmlns:mc="http://schemas.openxmlformats.org/markup-compatibility/2006">
-              <mc:Choice xmlns:v="urn:schemas-microsoft-com:vml" Requires="v">
-                <p:oleObj name="think-cell Slide" r:id="rId3" imgW="7772400" imgH="10058400" progId="TCLayout.ActiveDocument.1">
-                  <p:embed/>
-                </p:oleObj>
-              </mc:Choice>
-              <mc:Fallback>
-                <p:oleObj name="think-cell Slide" r:id="rId3" imgW="7772400" imgH="10058400" progId="TCLayout.ActiveDocument.1">
-                  <p:embed/>
-                  <p:pic>
-                    <p:nvPicPr>
-                      <p:cNvPr id="3" name="Object 2" hidden="1">
-                        <a:extLst>
-                          <a:ext uri="{FF2B5EF4-FFF2-40B4-BE49-F238E27FC236}">
-                            <a16:creationId xmlns:a16="http://schemas.microsoft.com/office/drawing/2014/main" id="{7B0E5C28-5D1C-C5DA-F761-8DB75D19E113}"/>
-                          </a:ext>
-                        </a:extLst>
-                      </p:cNvPr>
-                      <p:cNvPicPr/>
-                      <p:nvPr/>
-                    </p:nvPicPr>
-                    <p:blipFill>
-                      <a:blip r:embed="rId4"/>
-                      <a:stretch>
-                        <a:fillRect/>
-                      </a:stretch>
-                    </p:blipFill>
-                    <p:spPr>
-                      <a:xfrm>
-                        <a:off x="1588" y="1588"/>
-                        <a:ext cx="1227" cy="1588"/>
-                      </a:xfrm>
-                      <a:prstGeom prst="rect">
-                        <a:avLst/>
-                      </a:prstGeom>
-                    </p:spPr>
-                  </p:pic>
-                </p:oleObj>
-              </mc:Fallback>
-            </mc:AlternateContent>
-          </a:graphicData>
-        </a:graphic>
-      </p:graphicFrame>
-      <p:sp>
-        <p:nvSpPr>
-          <p:cNvPr id="2" name="Title 1">
-            <a:extLst>
-              <a:ext uri="{FF2B5EF4-FFF2-40B4-BE49-F238E27FC236}">
-                <a16:creationId xmlns:a16="http://schemas.microsoft.com/office/drawing/2014/main" id="{D208D552-0DD6-EE06-798E-F74E67F69742}"/>
-              </a:ext>
-            </a:extLst>
-          </p:cNvPr>
-          <p:cNvSpPr>
-            <a:spLocks noGrp="1"/>
-          </p:cNvSpPr>
-          <p:nvPr>
-            <p:ph type="title"/>
-          </p:nvPr>
-        </p:nvSpPr>
-        <p:spPr/>
-        <p:txBody>
-          <a:bodyPr vert="horz"/>
-          <a:lstStyle/>
-          <a:p>
-            <a:r>
-              <a:rPr lang="en-US" dirty="0"/>
-              <a:t>砖块的数据结构-tetronimoes数组</a:t>
-            </a:r>
-            <a:endParaRPr lang="en-GB" dirty="0"/>
-          </a:p>
-        </p:txBody>
-      </p:sp>
-      <p:sp>
-        <p:nvSpPr>
-          <p:cNvPr id="5" name="TextBox 4">
-            <a:extLst>
-              <a:ext uri="{FF2B5EF4-FFF2-40B4-BE49-F238E27FC236}">
-                <a16:creationId xmlns:a16="http://schemas.microsoft.com/office/drawing/2014/main" id="{4F7DFE74-9E3C-4735-62C4-8C7AFA103661}"/>
-              </a:ext>
-            </a:extLst>
-          </p:cNvPr>
-          <p:cNvSpPr txBox="1"/>
-          <p:nvPr/>
-        </p:nvSpPr>
-        <p:spPr>
-          <a:xfrm>
-            <a:off x="3444023" y="2075267"/>
-            <a:ext cx="7633250" cy="3693319"/>
-          </a:xfrm>
-          <a:prstGeom prst="rect">
-            <a:avLst/>
-          </a:prstGeom>
-          <a:solidFill>
-            <a:srgbClr val="00B0F0"/>
-          </a:solidFill>
-        </p:spPr>
-        <p:txBody>
-          <a:bodyPr wrap="square">
-            <a:spAutoFit/>
-          </a:bodyPr>
-          <a:lstStyle/>
-          <a:p>
-            <a:r>
-              <a:rPr lang="en-AE" dirty="0"/>
-              <a:t>0000111001000000010011000100000001001110000000000100011001000000</a:t>
-            </a:r>
-          </a:p>
-          <a:p>
-            <a:endParaRPr lang="en-AE" dirty="0"/>
-          </a:p>
-          <a:p>
-            <a:r>
-              <a:rPr lang="en-AE" dirty="0"/>
-              <a:t>0000222000200000020002002200000020002220000000000220020002000000</a:t>
-            </a:r>
-          </a:p>
-          <a:p>
-            <a:endParaRPr lang="en-AE" dirty="0"/>
-          </a:p>
-          <a:p>
-            <a:r>
-              <a:rPr lang="en-AE" dirty="0"/>
-              <a:t>00003300033000000300330030000000</a:t>
-            </a:r>
-          </a:p>
-          <a:p>
-            <a:endParaRPr lang="en-AE" dirty="0"/>
-          </a:p>
-          <a:p>
-            <a:r>
-              <a:rPr lang="en-AE" dirty="0"/>
-              <a:t>00000110011000000000011001100000</a:t>
-            </a:r>
-          </a:p>
-          <a:p>
-            <a:endParaRPr lang="en-AE" dirty="0"/>
-          </a:p>
-          <a:p>
-            <a:r>
-              <a:rPr lang="en-AE" dirty="0"/>
-              <a:t>00000220220000002000220002000000</a:t>
-            </a:r>
-          </a:p>
-          <a:p>
-            <a:endParaRPr lang="en-AE" dirty="0"/>
-          </a:p>
-          <a:p>
-            <a:r>
-              <a:rPr lang="en-AE" dirty="0"/>
-              <a:t>0000333030000000330003000300000000303330000000000300030003300000</a:t>
-            </a:r>
-          </a:p>
-          <a:p>
-            <a:endParaRPr lang="en-AE" dirty="0"/>
-          </a:p>
-          <a:p>
-            <a:r>
-              <a:rPr lang="en-AE" dirty="0"/>
-              <a:t>00000000111100000100010001000100</a:t>
-            </a:r>
-          </a:p>
-        </p:txBody>
-      </p:sp>
-      <p:sp>
-        <p:nvSpPr>
-          <p:cNvPr id="4" name="TextBox 3">
-            <a:extLst>
-              <a:ext uri="{FF2B5EF4-FFF2-40B4-BE49-F238E27FC236}">
-                <a16:creationId xmlns:a16="http://schemas.microsoft.com/office/drawing/2014/main" id="{A436DF6B-704A-C9E6-3029-C24FEF632133}"/>
-              </a:ext>
-            </a:extLst>
-          </p:cNvPr>
-          <p:cNvSpPr txBox="1"/>
-          <p:nvPr/>
-        </p:nvSpPr>
-        <p:spPr>
-          <a:xfrm>
-            <a:off x="1451574" y="2045779"/>
-            <a:ext cx="931665" cy="369332"/>
-          </a:xfrm>
-          <a:prstGeom prst="rect">
-            <a:avLst/>
-          </a:prstGeom>
-          <a:noFill/>
-        </p:spPr>
-        <p:txBody>
-          <a:bodyPr wrap="none" rtlCol="0">
-            <a:spAutoFit/>
-          </a:bodyPr>
-          <a:lstStyle/>
-          <a:p>
-            <a:r>
-              <a:rPr lang="en-GB" dirty="0"/>
-              <a:t>Index 1:</a:t>
-            </a:r>
-          </a:p>
-        </p:txBody>
-      </p:sp>
-      <p:sp>
-        <p:nvSpPr>
-          <p:cNvPr id="6" name="TextBox 5">
-            <a:extLst>
-              <a:ext uri="{FF2B5EF4-FFF2-40B4-BE49-F238E27FC236}">
-                <a16:creationId xmlns:a16="http://schemas.microsoft.com/office/drawing/2014/main" id="{6FF8AB76-7FA7-8BDD-8FDD-A104CD1D6CF1}"/>
-              </a:ext>
-            </a:extLst>
-          </p:cNvPr>
-          <p:cNvSpPr txBox="1"/>
-          <p:nvPr/>
-        </p:nvSpPr>
-        <p:spPr>
-          <a:xfrm>
-            <a:off x="1451575" y="2609606"/>
-            <a:ext cx="931665" cy="369332"/>
-          </a:xfrm>
-          <a:prstGeom prst="rect">
-            <a:avLst/>
-          </a:prstGeom>
-          <a:noFill/>
-        </p:spPr>
-        <p:txBody>
-          <a:bodyPr wrap="none" rtlCol="0">
-            <a:spAutoFit/>
-          </a:bodyPr>
-          <a:lstStyle/>
-          <a:p>
-            <a:r>
-              <a:rPr lang="en-GB" dirty="0"/>
-              <a:t>Index 2:</a:t>
-            </a:r>
-          </a:p>
-        </p:txBody>
-      </p:sp>
-      <p:sp>
-        <p:nvSpPr>
-          <p:cNvPr id="7" name="TextBox 6">
-            <a:extLst>
-              <a:ext uri="{FF2B5EF4-FFF2-40B4-BE49-F238E27FC236}">
-                <a16:creationId xmlns:a16="http://schemas.microsoft.com/office/drawing/2014/main" id="{C9A4462A-1268-D166-3AB6-C1E77B0C8BC7}"/>
-              </a:ext>
-            </a:extLst>
-          </p:cNvPr>
-          <p:cNvSpPr txBox="1"/>
-          <p:nvPr/>
-        </p:nvSpPr>
-        <p:spPr>
-          <a:xfrm>
-            <a:off x="1451574" y="3170963"/>
-            <a:ext cx="931665" cy="369332"/>
-          </a:xfrm>
-          <a:prstGeom prst="rect">
-            <a:avLst/>
-          </a:prstGeom>
-          <a:noFill/>
-        </p:spPr>
-        <p:txBody>
-          <a:bodyPr wrap="none" rtlCol="0">
-            <a:spAutoFit/>
-          </a:bodyPr>
-          <a:lstStyle/>
-          <a:p>
-            <a:r>
-              <a:rPr lang="en-GB" dirty="0"/>
-              <a:t>Index 3:</a:t>
-            </a:r>
-          </a:p>
-        </p:txBody>
-      </p:sp>
-      <p:sp>
-        <p:nvSpPr>
-          <p:cNvPr id="8" name="TextBox 7">
-            <a:extLst>
-              <a:ext uri="{FF2B5EF4-FFF2-40B4-BE49-F238E27FC236}">
-                <a16:creationId xmlns:a16="http://schemas.microsoft.com/office/drawing/2014/main" id="{E51BD2E1-EA15-3E9B-02DE-66D181C61D59}"/>
-              </a:ext>
-            </a:extLst>
-          </p:cNvPr>
-          <p:cNvSpPr txBox="1"/>
-          <p:nvPr/>
-        </p:nvSpPr>
-        <p:spPr>
-          <a:xfrm>
-            <a:off x="1451574" y="3737261"/>
-            <a:ext cx="931665" cy="369332"/>
-          </a:xfrm>
-          <a:prstGeom prst="rect">
-            <a:avLst/>
-          </a:prstGeom>
-          <a:noFill/>
-        </p:spPr>
-        <p:txBody>
-          <a:bodyPr wrap="none" rtlCol="0">
-            <a:spAutoFit/>
-          </a:bodyPr>
-          <a:lstStyle/>
-          <a:p>
-            <a:r>
-              <a:rPr lang="en-GB" dirty="0"/>
-              <a:t>Index 4:</a:t>
-            </a:r>
-          </a:p>
-        </p:txBody>
-      </p:sp>
-      <p:sp>
-        <p:nvSpPr>
-          <p:cNvPr id="9" name="TextBox 8">
-            <a:extLst>
-              <a:ext uri="{FF2B5EF4-FFF2-40B4-BE49-F238E27FC236}">
-                <a16:creationId xmlns:a16="http://schemas.microsoft.com/office/drawing/2014/main" id="{45ED78C2-6FB4-95E6-5224-F3F4637FEDB8}"/>
-              </a:ext>
-            </a:extLst>
-          </p:cNvPr>
-          <p:cNvSpPr txBox="1"/>
-          <p:nvPr/>
-        </p:nvSpPr>
-        <p:spPr>
-          <a:xfrm>
-            <a:off x="1451573" y="4303559"/>
-            <a:ext cx="931665" cy="369332"/>
-          </a:xfrm>
-          <a:prstGeom prst="rect">
-            <a:avLst/>
-          </a:prstGeom>
-          <a:noFill/>
-        </p:spPr>
-        <p:txBody>
-          <a:bodyPr wrap="none" rtlCol="0">
-            <a:spAutoFit/>
-          </a:bodyPr>
-          <a:lstStyle/>
-          <a:p>
-            <a:r>
-              <a:rPr lang="en-GB" dirty="0"/>
-              <a:t>Index 5:</a:t>
-            </a:r>
-          </a:p>
-        </p:txBody>
-      </p:sp>
-      <p:sp>
-        <p:nvSpPr>
-          <p:cNvPr id="10" name="TextBox 9">
-            <a:extLst>
-              <a:ext uri="{FF2B5EF4-FFF2-40B4-BE49-F238E27FC236}">
-                <a16:creationId xmlns:a16="http://schemas.microsoft.com/office/drawing/2014/main" id="{E485F998-79E4-309E-FCFA-B7066C9A4F40}"/>
-              </a:ext>
-            </a:extLst>
-          </p:cNvPr>
-          <p:cNvSpPr txBox="1"/>
-          <p:nvPr/>
-        </p:nvSpPr>
-        <p:spPr>
-          <a:xfrm>
-            <a:off x="1451572" y="4798878"/>
-            <a:ext cx="931665" cy="369332"/>
-          </a:xfrm>
-          <a:prstGeom prst="rect">
-            <a:avLst/>
-          </a:prstGeom>
-          <a:noFill/>
-        </p:spPr>
-        <p:txBody>
-          <a:bodyPr wrap="none" rtlCol="0">
-            <a:spAutoFit/>
-          </a:bodyPr>
-          <a:lstStyle/>
-          <a:p>
-            <a:r>
-              <a:rPr lang="en-GB" dirty="0"/>
-              <a:t>Index 6:</a:t>
-            </a:r>
-          </a:p>
-        </p:txBody>
-      </p:sp>
-      <p:sp>
-        <p:nvSpPr>
-          <p:cNvPr id="11" name="TextBox 10">
-            <a:extLst>
-              <a:ext uri="{FF2B5EF4-FFF2-40B4-BE49-F238E27FC236}">
-                <a16:creationId xmlns:a16="http://schemas.microsoft.com/office/drawing/2014/main" id="{2619AD17-98FB-8682-D832-BFA1FA0F429B}"/>
-              </a:ext>
-            </a:extLst>
-          </p:cNvPr>
-          <p:cNvSpPr txBox="1"/>
-          <p:nvPr/>
-        </p:nvSpPr>
-        <p:spPr>
-          <a:xfrm>
-            <a:off x="1451572" y="5360235"/>
-            <a:ext cx="931665" cy="369332"/>
-          </a:xfrm>
-          <a:prstGeom prst="rect">
-            <a:avLst/>
-          </a:prstGeom>
-          <a:noFill/>
-        </p:spPr>
-        <p:txBody>
-          <a:bodyPr wrap="none" rtlCol="0">
-            <a:spAutoFit/>
-          </a:bodyPr>
-          <a:lstStyle/>
-          <a:p>
-            <a:r>
-              <a:rPr lang="en-GB" dirty="0"/>
-              <a:t>Index 7:</a:t>
-            </a:r>
-          </a:p>
-        </p:txBody>
-      </p:sp>
-      <p:sp>
-        <p:nvSpPr>
-          <p:cNvPr id="12" name="Right Arrow 11">
-            <a:extLst>
-              <a:ext uri="{FF2B5EF4-FFF2-40B4-BE49-F238E27FC236}">
-                <a16:creationId xmlns:a16="http://schemas.microsoft.com/office/drawing/2014/main" id="{87D6DC99-AA51-DF88-0BB7-EA1B00A54FE3}"/>
-              </a:ext>
-            </a:extLst>
-          </p:cNvPr>
-          <p:cNvSpPr/>
-          <p:nvPr/>
-        </p:nvSpPr>
-        <p:spPr>
-          <a:xfrm>
-            <a:off x="2593037" y="2139347"/>
-            <a:ext cx="785192" cy="184666"/>
-          </a:xfrm>
-          <a:prstGeom prst="rightArrow">
-            <a:avLst/>
-          </a:prstGeom>
-        </p:spPr>
-        <p:style>
-          <a:lnRef idx="2">
-            <a:schemeClr val="accent1">
-              <a:shade val="50000"/>
-            </a:schemeClr>
-          </a:lnRef>
-          <a:fillRef idx="1">
-            <a:schemeClr val="accent1"/>
-          </a:fillRef>
-          <a:effectRef idx="0">
-            <a:schemeClr val="accent1"/>
-          </a:effectRef>
-          <a:fontRef idx="minor">
-            <a:schemeClr val="lt1"/>
-          </a:fontRef>
-        </p:style>
-        <p:txBody>
-          <a:bodyPr rtlCol="0" anchor="ctr"/>
-          <a:lstStyle/>
-          <a:p>
-            <a:pPr algn="ctr"/>
-            <a:endParaRPr lang="en-GB"/>
-          </a:p>
-        </p:txBody>
-      </p:sp>
-      <p:sp>
-        <p:nvSpPr>
-          <p:cNvPr id="13" name="Right Arrow 12">
-            <a:extLst>
-              <a:ext uri="{FF2B5EF4-FFF2-40B4-BE49-F238E27FC236}">
-                <a16:creationId xmlns:a16="http://schemas.microsoft.com/office/drawing/2014/main" id="{72A59482-F0B6-CB8B-91F6-B29571F62EEE}"/>
-              </a:ext>
-            </a:extLst>
-          </p:cNvPr>
-          <p:cNvSpPr/>
-          <p:nvPr/>
-        </p:nvSpPr>
-        <p:spPr>
-          <a:xfrm>
-            <a:off x="2593037" y="2703174"/>
-            <a:ext cx="785192" cy="184666"/>
-          </a:xfrm>
-          <a:prstGeom prst="rightArrow">
-            <a:avLst/>
-          </a:prstGeom>
-        </p:spPr>
-        <p:style>
-          <a:lnRef idx="2">
-            <a:schemeClr val="accent1">
-              <a:shade val="50000"/>
-            </a:schemeClr>
-          </a:lnRef>
-          <a:fillRef idx="1">
-            <a:schemeClr val="accent1"/>
-          </a:fillRef>
-          <a:effectRef idx="0">
-            <a:schemeClr val="accent1"/>
-          </a:effectRef>
-          <a:fontRef idx="minor">
-            <a:schemeClr val="lt1"/>
-          </a:fontRef>
-        </p:style>
-        <p:txBody>
-          <a:bodyPr rtlCol="0" anchor="ctr"/>
-          <a:lstStyle/>
-          <a:p>
-            <a:pPr algn="ctr"/>
-            <a:endParaRPr lang="en-GB"/>
-          </a:p>
-        </p:txBody>
-      </p:sp>
-      <p:sp>
-        <p:nvSpPr>
-          <p:cNvPr id="14" name="Right Arrow 13">
-            <a:extLst>
-              <a:ext uri="{FF2B5EF4-FFF2-40B4-BE49-F238E27FC236}">
-                <a16:creationId xmlns:a16="http://schemas.microsoft.com/office/drawing/2014/main" id="{33778190-17DB-A298-0C70-D4BDF8605119}"/>
-              </a:ext>
-            </a:extLst>
-          </p:cNvPr>
-          <p:cNvSpPr/>
-          <p:nvPr/>
-        </p:nvSpPr>
-        <p:spPr>
-          <a:xfrm>
-            <a:off x="2593037" y="3276842"/>
-            <a:ext cx="785192" cy="184666"/>
-          </a:xfrm>
-          <a:prstGeom prst="rightArrow">
-            <a:avLst/>
-          </a:prstGeom>
-        </p:spPr>
-        <p:style>
-          <a:lnRef idx="2">
-            <a:schemeClr val="accent1">
-              <a:shade val="50000"/>
-            </a:schemeClr>
-          </a:lnRef>
-          <a:fillRef idx="1">
-            <a:schemeClr val="accent1"/>
-          </a:fillRef>
-          <a:effectRef idx="0">
-            <a:schemeClr val="accent1"/>
-          </a:effectRef>
-          <a:fontRef idx="minor">
-            <a:schemeClr val="lt1"/>
-          </a:fontRef>
-        </p:style>
-        <p:txBody>
-          <a:bodyPr rtlCol="0" anchor="ctr"/>
-          <a:lstStyle/>
-          <a:p>
-            <a:pPr algn="ctr"/>
-            <a:endParaRPr lang="en-GB"/>
-          </a:p>
-        </p:txBody>
-      </p:sp>
-      <p:sp>
-        <p:nvSpPr>
-          <p:cNvPr id="15" name="Right Arrow 14">
-            <a:extLst>
-              <a:ext uri="{FF2B5EF4-FFF2-40B4-BE49-F238E27FC236}">
-                <a16:creationId xmlns:a16="http://schemas.microsoft.com/office/drawing/2014/main" id="{A8E522B7-49FE-9BF1-B3F5-627E91FA6134}"/>
-              </a:ext>
-            </a:extLst>
-          </p:cNvPr>
-          <p:cNvSpPr/>
-          <p:nvPr/>
-        </p:nvSpPr>
-        <p:spPr>
-          <a:xfrm>
-            <a:off x="2593037" y="3860351"/>
-            <a:ext cx="785192" cy="184666"/>
-          </a:xfrm>
-          <a:prstGeom prst="rightArrow">
-            <a:avLst/>
-          </a:prstGeom>
-        </p:spPr>
-        <p:style>
-          <a:lnRef idx="2">
-            <a:schemeClr val="accent1">
-              <a:shade val="50000"/>
-            </a:schemeClr>
-          </a:lnRef>
-          <a:fillRef idx="1">
-            <a:schemeClr val="accent1"/>
-          </a:fillRef>
-          <a:effectRef idx="0">
-            <a:schemeClr val="accent1"/>
-          </a:effectRef>
-          <a:fontRef idx="minor">
-            <a:schemeClr val="lt1"/>
-          </a:fontRef>
-        </p:style>
-        <p:txBody>
-          <a:bodyPr rtlCol="0" anchor="ctr"/>
-          <a:lstStyle/>
-          <a:p>
-            <a:pPr algn="ctr"/>
-            <a:endParaRPr lang="en-GB"/>
-          </a:p>
-        </p:txBody>
-      </p:sp>
-      <p:sp>
-        <p:nvSpPr>
-          <p:cNvPr id="16" name="Right Arrow 15">
-            <a:extLst>
-              <a:ext uri="{FF2B5EF4-FFF2-40B4-BE49-F238E27FC236}">
-                <a16:creationId xmlns:a16="http://schemas.microsoft.com/office/drawing/2014/main" id="{01703043-D700-08C7-156B-89DB5BD34613}"/>
-              </a:ext>
-            </a:extLst>
-          </p:cNvPr>
-          <p:cNvSpPr/>
-          <p:nvPr/>
-        </p:nvSpPr>
-        <p:spPr>
-          <a:xfrm>
-            <a:off x="2593037" y="4395892"/>
-            <a:ext cx="785192" cy="184666"/>
-          </a:xfrm>
-          <a:prstGeom prst="rightArrow">
-            <a:avLst/>
-          </a:prstGeom>
-        </p:spPr>
-        <p:style>
-          <a:lnRef idx="2">
-            <a:schemeClr val="accent1">
-              <a:shade val="50000"/>
-            </a:schemeClr>
-          </a:lnRef>
-          <a:fillRef idx="1">
-            <a:schemeClr val="accent1"/>
-          </a:fillRef>
-          <a:effectRef idx="0">
-            <a:schemeClr val="accent1"/>
-          </a:effectRef>
-          <a:fontRef idx="minor">
-            <a:schemeClr val="lt1"/>
-          </a:fontRef>
-        </p:style>
-        <p:txBody>
-          <a:bodyPr rtlCol="0" anchor="ctr"/>
-          <a:lstStyle/>
-          <a:p>
-            <a:pPr algn="ctr"/>
-            <a:endParaRPr lang="en-GB"/>
-          </a:p>
-        </p:txBody>
-      </p:sp>
-      <p:sp>
-        <p:nvSpPr>
-          <p:cNvPr id="17" name="Right Arrow 16">
-            <a:extLst>
-              <a:ext uri="{FF2B5EF4-FFF2-40B4-BE49-F238E27FC236}">
-                <a16:creationId xmlns:a16="http://schemas.microsoft.com/office/drawing/2014/main" id="{F13C1CA3-C688-9ACF-C810-2B105DDC5FA3}"/>
-              </a:ext>
-            </a:extLst>
-          </p:cNvPr>
-          <p:cNvSpPr/>
-          <p:nvPr/>
-        </p:nvSpPr>
-        <p:spPr>
-          <a:xfrm>
-            <a:off x="2593037" y="4953159"/>
-            <a:ext cx="785192" cy="184666"/>
-          </a:xfrm>
-          <a:prstGeom prst="rightArrow">
-            <a:avLst/>
-          </a:prstGeom>
-        </p:spPr>
-        <p:style>
-          <a:lnRef idx="2">
-            <a:schemeClr val="accent1">
-              <a:shade val="50000"/>
-            </a:schemeClr>
-          </a:lnRef>
-          <a:fillRef idx="1">
-            <a:schemeClr val="accent1"/>
-          </a:fillRef>
-          <a:effectRef idx="0">
-            <a:schemeClr val="accent1"/>
-          </a:effectRef>
-          <a:fontRef idx="minor">
-            <a:schemeClr val="lt1"/>
-          </a:fontRef>
-        </p:style>
-        <p:txBody>
-          <a:bodyPr rtlCol="0" anchor="ctr"/>
-          <a:lstStyle/>
-          <a:p>
-            <a:pPr algn="ctr"/>
-            <a:endParaRPr lang="en-GB"/>
-          </a:p>
-        </p:txBody>
-      </p:sp>
-      <p:sp>
-        <p:nvSpPr>
-          <p:cNvPr id="18" name="Right Arrow 17">
-            <a:extLst>
-              <a:ext uri="{FF2B5EF4-FFF2-40B4-BE49-F238E27FC236}">
-                <a16:creationId xmlns:a16="http://schemas.microsoft.com/office/drawing/2014/main" id="{FC83DBF5-EB33-2458-FA12-4E28A8238F71}"/>
-              </a:ext>
-            </a:extLst>
-          </p:cNvPr>
-          <p:cNvSpPr/>
-          <p:nvPr/>
-        </p:nvSpPr>
-        <p:spPr>
-          <a:xfrm>
-            <a:off x="2593037" y="5510426"/>
-            <a:ext cx="785192" cy="184666"/>
-          </a:xfrm>
-          <a:prstGeom prst="rightArrow">
-            <a:avLst/>
-          </a:prstGeom>
-        </p:spPr>
-        <p:style>
-          <a:lnRef idx="2">
-            <a:schemeClr val="accent1">
-              <a:shade val="50000"/>
-            </a:schemeClr>
-          </a:lnRef>
-          <a:fillRef idx="1">
-            <a:schemeClr val="accent1"/>
-          </a:fillRef>
-          <a:effectRef idx="0">
-            <a:schemeClr val="accent1"/>
-          </a:effectRef>
-          <a:fontRef idx="minor">
-            <a:schemeClr val="lt1"/>
-          </a:fontRef>
-        </p:style>
-        <p:txBody>
-          <a:bodyPr rtlCol="0" anchor="ctr"/>
-          <a:lstStyle/>
-          <a:p>
-            <a:pPr algn="ctr"/>
-            <a:endParaRPr lang="en-GB"/>
-          </a:p>
-        </p:txBody>
-      </p:sp>
-    </p:spTree>
-    <p:extLst>
-      <p:ext uri="{BB962C8B-B14F-4D97-AF65-F5344CB8AC3E}">
-        <p14:creationId xmlns:p14="http://schemas.microsoft.com/office/powerpoint/2010/main" val="4178825604"/>
-      </p:ext>
-    </p:extLst>
-  </p:cSld>
-  <p:clrMapOvr>
-    <a:masterClrMapping/>
-  </p:clrMapOvr>
-</p:sld>
-</file>
-
-<file path=ppt/slides/slide9.xml><?xml version="1.0" encoding="utf-8"?>
-<p:sld xmlns:a="http://schemas.openxmlformats.org/drawingml/2006/main" xmlns:r="http://schemas.openxmlformats.org/officeDocument/2006/relationships" xmlns:p="http://schemas.openxmlformats.org/presentationml/2006/main">
-  <p:cSld>
-    <p:spTree>
-      <p:nvGrpSpPr>
-        <p:cNvPr id="1" name=""/>
-        <p:cNvGrpSpPr/>
-        <p:nvPr/>
-      </p:nvGrpSpPr>
-      <p:grpSpPr>
-        <a:xfrm>
-          <a:off x="0" y="0"/>
-          <a:ext cx="0" cy="0"/>
-          <a:chOff x="0" y="0"/>
-          <a:chExt cx="0" cy="0"/>
-        </a:xfrm>
-      </p:grpSpPr>
-      <p:graphicFrame>
-        <p:nvGraphicFramePr>
-          <p:cNvPr id="3" name="Object 2" hidden="1">
-            <a:extLst>
-              <a:ext uri="{FF2B5EF4-FFF2-40B4-BE49-F238E27FC236}">
-                <a16:creationId xmlns:a16="http://schemas.microsoft.com/office/drawing/2014/main" id="{7B0E5C28-5D1C-C5DA-F761-8DB75D19E113}"/>
-              </a:ext>
-            </a:extLst>
-          </p:cNvPr>
-          <p:cNvGraphicFramePr>
-            <a:graphicFrameLocks noChangeAspect="1"/>
-          </p:cNvGraphicFramePr>
-          <p:nvPr>
-            <p:custDataLst>
-              <p:tags r:id="rId1"/>
-            </p:custDataLst>
-            <p:extLst>
-              <p:ext uri="{D42A27DB-BD31-4B8C-83A1-F6EECF244321}">
-                <p14:modId xmlns:p14="http://schemas.microsoft.com/office/powerpoint/2010/main" val="3920621126"/>
-              </p:ext>
-            </p:extLst>
-          </p:nvPr>
-        </p:nvGraphicFramePr>
-        <p:xfrm>
-          <a:off x="1588" y="1588"/>
-          <a:ext cx="1227" cy="1588"/>
-        </p:xfrm>
-        <a:graphic>
-          <a:graphicData uri="http://schemas.openxmlformats.org/presentationml/2006/ole">
-            <mc:AlternateContent xmlns:mc="http://schemas.openxmlformats.org/markup-compatibility/2006">
-              <mc:Choice xmlns:v="urn:schemas-microsoft-com:vml" Requires="v">
-                <p:oleObj name="think-cell Slide" r:id="rId3" imgW="7772400" imgH="10058400" progId="TCLayout.ActiveDocument.1">
-                  <p:embed/>
-                </p:oleObj>
-              </mc:Choice>
-              <mc:Fallback>
-                <p:oleObj name="think-cell Slide" r:id="rId3" imgW="7772400" imgH="10058400" progId="TCLayout.ActiveDocument.1">
-                  <p:embed/>
-                  <p:pic>
-                    <p:nvPicPr>
-                      <p:cNvPr id="3" name="Object 2" hidden="1">
-                        <a:extLst>
-                          <a:ext uri="{FF2B5EF4-FFF2-40B4-BE49-F238E27FC236}">
-                            <a16:creationId xmlns:a16="http://schemas.microsoft.com/office/drawing/2014/main" id="{7B0E5C28-5D1C-C5DA-F761-8DB75D19E113}"/>
-                          </a:ext>
-                        </a:extLst>
-                      </p:cNvPr>
-                      <p:cNvPicPr/>
-                      <p:nvPr/>
-                    </p:nvPicPr>
-                    <p:blipFill>
-                      <a:blip r:embed="rId4"/>
-                      <a:stretch>
-                        <a:fillRect/>
-                      </a:stretch>
-                    </p:blipFill>
-                    <p:spPr>
-                      <a:xfrm>
-                        <a:off x="1588" y="1588"/>
-                        <a:ext cx="1227" cy="1588"/>
-                      </a:xfrm>
-                      <a:prstGeom prst="rect">
-                        <a:avLst/>
-                      </a:prstGeom>
-                    </p:spPr>
-                  </p:pic>
-                </p:oleObj>
-              </mc:Fallback>
-            </mc:AlternateContent>
-          </a:graphicData>
-        </a:graphic>
-      </p:graphicFrame>
-      <p:sp>
-        <p:nvSpPr>
-          <p:cNvPr id="2" name="Title 1">
-            <a:extLst>
-              <a:ext uri="{FF2B5EF4-FFF2-40B4-BE49-F238E27FC236}">
-                <a16:creationId xmlns:a16="http://schemas.microsoft.com/office/drawing/2014/main" id="{D208D552-0DD6-EE06-798E-F74E67F69742}"/>
-              </a:ext>
-            </a:extLst>
-          </p:cNvPr>
-          <p:cNvSpPr>
-            <a:spLocks noGrp="1"/>
-          </p:cNvSpPr>
-          <p:nvPr>
-            <p:ph type="title"/>
-          </p:nvPr>
-        </p:nvSpPr>
-        <p:spPr/>
-        <p:txBody>
-          <a:bodyPr vert="horz"/>
-          <a:lstStyle/>
-          <a:p>
-            <a:r>
-              <a:rPr lang="en-US" dirty="0"/>
-              <a:t>砖块的数据结构-tetronimoes数组-index 1</a:t>
-            </a:r>
-            <a:endParaRPr lang="en-GB" dirty="0"/>
-          </a:p>
-        </p:txBody>
-      </p:sp>
-      <p:sp>
-        <p:nvSpPr>
-          <p:cNvPr id="5" name="TextBox 4">
-            <a:extLst>
-              <a:ext uri="{FF2B5EF4-FFF2-40B4-BE49-F238E27FC236}">
-                <a16:creationId xmlns:a16="http://schemas.microsoft.com/office/drawing/2014/main" id="{4F7DFE74-9E3C-4735-62C4-8C7AFA103661}"/>
-              </a:ext>
-            </a:extLst>
-          </p:cNvPr>
-          <p:cNvSpPr txBox="1"/>
-          <p:nvPr/>
-        </p:nvSpPr>
-        <p:spPr>
-          <a:xfrm>
-            <a:off x="3438943" y="2095146"/>
-            <a:ext cx="7633250" cy="1477328"/>
-          </a:xfrm>
-          <a:prstGeom prst="rect">
-            <a:avLst/>
-          </a:prstGeom>
-          <a:solidFill>
-            <a:srgbClr val="00B0F0"/>
-          </a:solidFill>
-        </p:spPr>
-        <p:txBody>
-          <a:bodyPr wrap="square">
-            <a:spAutoFit/>
-          </a:bodyPr>
-          <a:lstStyle/>
-          <a:p>
-            <a:r>
-              <a:rPr lang="en-AE" dirty="0"/>
-              <a:t>0000111001000000010011000100000001001110000000000100011001000000</a:t>
-            </a:r>
-          </a:p>
-          <a:p>
-            <a:r>
-              <a:rPr lang="en-AE" dirty="0"/>
-              <a:t>0000            		0</a:t>
-            </a:r>
-            <a:r>
-              <a:rPr lang="en-AE" dirty="0">
-                <a:solidFill>
-                  <a:srgbClr val="FF0000"/>
-                </a:solidFill>
-              </a:rPr>
-              <a:t>1</a:t>
-            </a:r>
-            <a:r>
-              <a:rPr lang="en-AE" dirty="0"/>
-              <a:t>00			0</a:t>
-            </a:r>
-            <a:r>
-              <a:rPr lang="en-AE" dirty="0">
-                <a:solidFill>
-                  <a:srgbClr val="FF0000"/>
-                </a:solidFill>
-              </a:rPr>
-              <a:t>1</a:t>
-            </a:r>
-            <a:r>
-              <a:rPr lang="en-AE" dirty="0"/>
-              <a:t>00			0</a:t>
-            </a:r>
-            <a:r>
-              <a:rPr lang="en-AE" dirty="0">
-                <a:solidFill>
-                  <a:srgbClr val="FF0000"/>
-                </a:solidFill>
-              </a:rPr>
-              <a:t>1</a:t>
-            </a:r>
-            <a:r>
-              <a:rPr lang="en-AE" dirty="0"/>
-              <a:t>00</a:t>
-            </a:r>
-          </a:p>
-          <a:p>
-            <a:r>
-              <a:rPr lang="en-AE" dirty="0">
-                <a:solidFill>
-                  <a:srgbClr val="FF0000"/>
-                </a:solidFill>
-              </a:rPr>
-              <a:t>111</a:t>
-            </a:r>
-            <a:r>
-              <a:rPr lang="en-AE" dirty="0"/>
-              <a:t>0            		</a:t>
-            </a:r>
-            <a:r>
-              <a:rPr lang="en-AE" dirty="0">
-                <a:solidFill>
-                  <a:srgbClr val="FF0000"/>
-                </a:solidFill>
-              </a:rPr>
-              <a:t>11</a:t>
-            </a:r>
-            <a:r>
-              <a:rPr lang="en-AE" dirty="0"/>
-              <a:t>00			</a:t>
-            </a:r>
-            <a:r>
-              <a:rPr lang="en-AE" dirty="0">
-                <a:solidFill>
-                  <a:srgbClr val="FF0000"/>
-                </a:solidFill>
-              </a:rPr>
-              <a:t>111</a:t>
-            </a:r>
-            <a:r>
-              <a:rPr lang="en-AE" dirty="0"/>
-              <a:t>0			0</a:t>
-            </a:r>
-            <a:r>
-              <a:rPr lang="en-AE" dirty="0">
-                <a:solidFill>
-                  <a:srgbClr val="FF0000"/>
-                </a:solidFill>
-              </a:rPr>
-              <a:t>11</a:t>
-            </a:r>
-            <a:r>
-              <a:rPr lang="en-AE" dirty="0"/>
-              <a:t>0</a:t>
-            </a:r>
-          </a:p>
-          <a:p>
-            <a:r>
-              <a:rPr lang="en-AE" dirty="0"/>
-              <a:t>0</a:t>
-            </a:r>
-            <a:r>
-              <a:rPr lang="en-AE" dirty="0">
-                <a:solidFill>
-                  <a:srgbClr val="FF0000"/>
-                </a:solidFill>
-              </a:rPr>
-              <a:t>1</a:t>
-            </a:r>
-            <a:r>
-              <a:rPr lang="en-AE" dirty="0"/>
-              <a:t>00			0</a:t>
-            </a:r>
-            <a:r>
-              <a:rPr lang="en-AE" dirty="0">
-                <a:solidFill>
-                  <a:srgbClr val="FF0000"/>
-                </a:solidFill>
-              </a:rPr>
-              <a:t>1</a:t>
-            </a:r>
-            <a:r>
-              <a:rPr lang="en-AE" dirty="0"/>
-              <a:t>00			0000			0</a:t>
-            </a:r>
-            <a:r>
-              <a:rPr lang="en-AE" dirty="0">
-                <a:solidFill>
-                  <a:srgbClr val="FF0000"/>
-                </a:solidFill>
-              </a:rPr>
-              <a:t>1</a:t>
-            </a:r>
-            <a:r>
-              <a:rPr lang="en-AE" dirty="0"/>
-              <a:t>00</a:t>
-            </a:r>
-          </a:p>
-          <a:p>
-            <a:r>
-              <a:rPr lang="en-AE" dirty="0"/>
-              <a:t>0000			0000			0000			0000</a:t>
-            </a:r>
-          </a:p>
-        </p:txBody>
-      </p:sp>
-      <p:sp>
-        <p:nvSpPr>
-          <p:cNvPr id="12" name="Right Arrow 11">
-            <a:extLst>
-              <a:ext uri="{FF2B5EF4-FFF2-40B4-BE49-F238E27FC236}">
-                <a16:creationId xmlns:a16="http://schemas.microsoft.com/office/drawing/2014/main" id="{87D6DC99-AA51-DF88-0BB7-EA1B00A54FE3}"/>
-              </a:ext>
-            </a:extLst>
-          </p:cNvPr>
-          <p:cNvSpPr/>
-          <p:nvPr/>
-        </p:nvSpPr>
-        <p:spPr>
-          <a:xfrm>
-            <a:off x="3448882" y="1928190"/>
-            <a:ext cx="7605972" cy="147077"/>
-          </a:xfrm>
-          <a:prstGeom prst="rightArrow">
-            <a:avLst/>
-          </a:prstGeom>
-        </p:spPr>
-        <p:style>
-          <a:lnRef idx="2">
-            <a:schemeClr val="accent1">
-              <a:shade val="50000"/>
-            </a:schemeClr>
-          </a:lnRef>
-          <a:fillRef idx="1">
-            <a:schemeClr val="accent1"/>
-          </a:fillRef>
-          <a:effectRef idx="0">
-            <a:schemeClr val="accent1"/>
-          </a:effectRef>
-          <a:fontRef idx="minor">
-            <a:schemeClr val="lt1"/>
-          </a:fontRef>
-        </p:style>
-        <p:txBody>
-          <a:bodyPr rtlCol="0" anchor="ctr"/>
-          <a:lstStyle/>
-          <a:p>
-            <a:pPr algn="ctr"/>
-            <a:endParaRPr lang="en-GB"/>
-          </a:p>
-        </p:txBody>
-      </p:sp>
-      <p:sp>
-        <p:nvSpPr>
-          <p:cNvPr id="21" name="Curved Down Arrow 20">
-            <a:extLst>
-              <a:ext uri="{FF2B5EF4-FFF2-40B4-BE49-F238E27FC236}">
-                <a16:creationId xmlns:a16="http://schemas.microsoft.com/office/drawing/2014/main" id="{98CDB492-0BE4-C197-305F-75213F47E00E}"/>
-              </a:ext>
-            </a:extLst>
-          </p:cNvPr>
-          <p:cNvSpPr/>
-          <p:nvPr/>
-        </p:nvSpPr>
-        <p:spPr>
-          <a:xfrm>
-            <a:off x="4204252" y="2574235"/>
-            <a:ext cx="974035" cy="731520"/>
-          </a:xfrm>
-          <a:prstGeom prst="curvedDownArrow">
-            <a:avLst/>
-          </a:prstGeom>
-        </p:spPr>
-        <p:style>
-          <a:lnRef idx="2">
-            <a:schemeClr val="accent1">
-              <a:shade val="50000"/>
-            </a:schemeClr>
-          </a:lnRef>
-          <a:fillRef idx="1">
-            <a:schemeClr val="accent1"/>
-          </a:fillRef>
-          <a:effectRef idx="0">
-            <a:schemeClr val="accent1"/>
-          </a:effectRef>
-          <a:fontRef idx="minor">
-            <a:schemeClr val="lt1"/>
-          </a:fontRef>
-        </p:style>
-        <p:txBody>
-          <a:bodyPr rtlCol="0" anchor="ctr"/>
-          <a:lstStyle/>
-          <a:p>
-            <a:pPr algn="ctr"/>
-            <a:endParaRPr lang="en-GB">
-              <a:solidFill>
-                <a:schemeClr val="tx1"/>
-              </a:solidFill>
-            </a:endParaRPr>
-          </a:p>
-        </p:txBody>
-      </p:sp>
-      <p:sp>
-        <p:nvSpPr>
-          <p:cNvPr id="22" name="Curved Down Arrow 21">
-            <a:extLst>
-              <a:ext uri="{FF2B5EF4-FFF2-40B4-BE49-F238E27FC236}">
-                <a16:creationId xmlns:a16="http://schemas.microsoft.com/office/drawing/2014/main" id="{F173B065-A737-8156-7AD7-61CD36334594}"/>
-              </a:ext>
-            </a:extLst>
-          </p:cNvPr>
-          <p:cNvSpPr/>
-          <p:nvPr/>
-        </p:nvSpPr>
-        <p:spPr>
-          <a:xfrm>
-            <a:off x="6096000" y="2574235"/>
-            <a:ext cx="974035" cy="731520"/>
-          </a:xfrm>
-          <a:prstGeom prst="curvedDownArrow">
-            <a:avLst/>
-          </a:prstGeom>
-        </p:spPr>
-        <p:style>
-          <a:lnRef idx="2">
-            <a:schemeClr val="accent1">
-              <a:shade val="50000"/>
-            </a:schemeClr>
-          </a:lnRef>
-          <a:fillRef idx="1">
-            <a:schemeClr val="accent1"/>
-          </a:fillRef>
-          <a:effectRef idx="0">
-            <a:schemeClr val="accent1"/>
-          </a:effectRef>
-          <a:fontRef idx="minor">
-            <a:schemeClr val="lt1"/>
-          </a:fontRef>
-        </p:style>
-        <p:txBody>
-          <a:bodyPr rtlCol="0" anchor="ctr"/>
-          <a:lstStyle/>
-          <a:p>
-            <a:pPr algn="ctr"/>
-            <a:endParaRPr lang="en-GB" dirty="0">
-              <a:solidFill>
-                <a:schemeClr val="tx1"/>
-              </a:solidFill>
-            </a:endParaRPr>
-          </a:p>
-        </p:txBody>
-      </p:sp>
-      <p:sp>
-        <p:nvSpPr>
-          <p:cNvPr id="23" name="Curved Down Arrow 22">
-            <a:extLst>
-              <a:ext uri="{FF2B5EF4-FFF2-40B4-BE49-F238E27FC236}">
-                <a16:creationId xmlns:a16="http://schemas.microsoft.com/office/drawing/2014/main" id="{1DE54A32-F266-2B65-26DC-F2D93244C08A}"/>
-              </a:ext>
-            </a:extLst>
-          </p:cNvPr>
-          <p:cNvSpPr/>
-          <p:nvPr/>
-        </p:nvSpPr>
-        <p:spPr>
-          <a:xfrm>
-            <a:off x="7987748" y="2574235"/>
-            <a:ext cx="974035" cy="731520"/>
-          </a:xfrm>
-          <a:prstGeom prst="curvedDownArrow">
-            <a:avLst/>
-          </a:prstGeom>
-        </p:spPr>
-        <p:style>
-          <a:lnRef idx="2">
-            <a:schemeClr val="accent1">
-              <a:shade val="50000"/>
-            </a:schemeClr>
-          </a:lnRef>
-          <a:fillRef idx="1">
-            <a:schemeClr val="accent1"/>
-          </a:fillRef>
-          <a:effectRef idx="0">
-            <a:schemeClr val="accent1"/>
-          </a:effectRef>
-          <a:fontRef idx="minor">
-            <a:schemeClr val="lt1"/>
-          </a:fontRef>
-        </p:style>
-        <p:txBody>
-          <a:bodyPr rtlCol="0" anchor="ctr"/>
-          <a:lstStyle/>
-          <a:p>
-            <a:pPr algn="ctr"/>
-            <a:endParaRPr lang="en-GB">
-              <a:solidFill>
-                <a:schemeClr val="tx1"/>
-              </a:solidFill>
-            </a:endParaRPr>
-          </a:p>
-        </p:txBody>
-      </p:sp>
-      <p:sp>
-        <p:nvSpPr>
-          <p:cNvPr id="24" name="TextBox 23">
-            <a:extLst>
-              <a:ext uri="{FF2B5EF4-FFF2-40B4-BE49-F238E27FC236}">
-                <a16:creationId xmlns:a16="http://schemas.microsoft.com/office/drawing/2014/main" id="{34046A59-0673-85B0-7BD7-764DD86620D9}"/>
-              </a:ext>
-            </a:extLst>
-          </p:cNvPr>
-          <p:cNvSpPr txBox="1"/>
-          <p:nvPr/>
-        </p:nvSpPr>
-        <p:spPr>
-          <a:xfrm>
-            <a:off x="260542" y="1853754"/>
-            <a:ext cx="2122697" cy="646331"/>
-          </a:xfrm>
-          <a:prstGeom prst="rect">
-            <a:avLst/>
-          </a:prstGeom>
-          <a:noFill/>
-        </p:spPr>
-        <p:txBody>
-          <a:bodyPr wrap="none" rtlCol="0">
-            <a:spAutoFit/>
-          </a:bodyPr>
-          <a:lstStyle/>
-          <a:p>
-            <a:r>
-              <a:rPr lang="en-GB" sz="3600" dirty="0"/>
-              <a:t>Clockwise</a:t>
-            </a:r>
-          </a:p>
-        </p:txBody>
-      </p:sp>
-      <p:sp>
-        <p:nvSpPr>
-          <p:cNvPr id="25" name="TextBox 24">
-            <a:extLst>
-              <a:ext uri="{FF2B5EF4-FFF2-40B4-BE49-F238E27FC236}">
-                <a16:creationId xmlns:a16="http://schemas.microsoft.com/office/drawing/2014/main" id="{1BAE361F-87E7-E57C-D2E8-703553430EAE}"/>
-              </a:ext>
-            </a:extLst>
-          </p:cNvPr>
-          <p:cNvSpPr txBox="1"/>
-          <p:nvPr/>
-        </p:nvSpPr>
-        <p:spPr>
-          <a:xfrm>
-            <a:off x="3448882" y="4218519"/>
-            <a:ext cx="7633250" cy="1477328"/>
-          </a:xfrm>
-          <a:prstGeom prst="rect">
-            <a:avLst/>
-          </a:prstGeom>
-          <a:solidFill>
-            <a:srgbClr val="00B0F0"/>
-          </a:solidFill>
-        </p:spPr>
-        <p:txBody>
-          <a:bodyPr wrap="square">
-            <a:spAutoFit/>
-          </a:bodyPr>
-          <a:lstStyle/>
-          <a:p>
-            <a:r>
-              <a:rPr lang="en-AE" dirty="0"/>
-              <a:t>0000111001000000010011000100000001001110000000000100011001000000</a:t>
-            </a:r>
-          </a:p>
-          <a:p>
-            <a:r>
-              <a:rPr lang="en-AE" dirty="0"/>
-              <a:t>0000            		0</a:t>
-            </a:r>
-            <a:r>
-              <a:rPr lang="en-AE" dirty="0">
-                <a:solidFill>
-                  <a:srgbClr val="FF0000"/>
-                </a:solidFill>
-              </a:rPr>
-              <a:t>1</a:t>
-            </a:r>
-            <a:r>
-              <a:rPr lang="en-AE" dirty="0"/>
-              <a:t>00			0</a:t>
-            </a:r>
-            <a:r>
-              <a:rPr lang="en-AE" dirty="0">
-                <a:solidFill>
-                  <a:srgbClr val="FF0000"/>
-                </a:solidFill>
-              </a:rPr>
-              <a:t>1</a:t>
-            </a:r>
-            <a:r>
-              <a:rPr lang="en-AE" dirty="0"/>
-              <a:t>00			0</a:t>
-            </a:r>
-            <a:r>
-              <a:rPr lang="en-AE" dirty="0">
-                <a:solidFill>
-                  <a:srgbClr val="FF0000"/>
-                </a:solidFill>
-              </a:rPr>
-              <a:t>1</a:t>
-            </a:r>
-            <a:r>
-              <a:rPr lang="en-AE" dirty="0"/>
-              <a:t>00</a:t>
-            </a:r>
-          </a:p>
-          <a:p>
-            <a:r>
-              <a:rPr lang="en-AE" dirty="0">
-                <a:solidFill>
-                  <a:srgbClr val="FF0000"/>
-                </a:solidFill>
-              </a:rPr>
-              <a:t>111</a:t>
-            </a:r>
-            <a:r>
-              <a:rPr lang="en-AE" dirty="0"/>
-              <a:t>0            		</a:t>
-            </a:r>
-            <a:r>
-              <a:rPr lang="en-AE" dirty="0">
-                <a:solidFill>
-                  <a:srgbClr val="FF0000"/>
-                </a:solidFill>
-              </a:rPr>
-              <a:t>11</a:t>
-            </a:r>
-            <a:r>
-              <a:rPr lang="en-AE" dirty="0"/>
-              <a:t>00			</a:t>
-            </a:r>
-            <a:r>
-              <a:rPr lang="en-AE" dirty="0">
-                <a:solidFill>
-                  <a:srgbClr val="FF0000"/>
-                </a:solidFill>
-              </a:rPr>
-              <a:t>111</a:t>
-            </a:r>
-            <a:r>
-              <a:rPr lang="en-AE" dirty="0"/>
-              <a:t>0			0</a:t>
-            </a:r>
-            <a:r>
-              <a:rPr lang="en-AE" dirty="0">
-                <a:solidFill>
-                  <a:srgbClr val="FF0000"/>
-                </a:solidFill>
-              </a:rPr>
-              <a:t>11</a:t>
-            </a:r>
-            <a:r>
-              <a:rPr lang="en-AE" dirty="0"/>
-              <a:t>0</a:t>
-            </a:r>
-          </a:p>
-          <a:p>
-            <a:r>
-              <a:rPr lang="en-AE" dirty="0"/>
-              <a:t>0</a:t>
-            </a:r>
-            <a:r>
-              <a:rPr lang="en-AE" dirty="0">
-                <a:solidFill>
-                  <a:srgbClr val="FF0000"/>
-                </a:solidFill>
-              </a:rPr>
-              <a:t>1</a:t>
-            </a:r>
-            <a:r>
-              <a:rPr lang="en-AE" dirty="0"/>
-              <a:t>00			0</a:t>
-            </a:r>
-            <a:r>
-              <a:rPr lang="en-AE" dirty="0">
-                <a:solidFill>
-                  <a:srgbClr val="FF0000"/>
-                </a:solidFill>
-              </a:rPr>
-              <a:t>1</a:t>
-            </a:r>
-            <a:r>
-              <a:rPr lang="en-AE" dirty="0"/>
-              <a:t>00			0000			0</a:t>
-            </a:r>
-            <a:r>
-              <a:rPr lang="en-AE" dirty="0">
-                <a:solidFill>
-                  <a:srgbClr val="FF0000"/>
-                </a:solidFill>
-              </a:rPr>
-              <a:t>1</a:t>
-            </a:r>
-            <a:r>
-              <a:rPr lang="en-AE" dirty="0"/>
-              <a:t>00</a:t>
-            </a:r>
-          </a:p>
-          <a:p>
-            <a:r>
-              <a:rPr lang="en-AE" dirty="0"/>
-              <a:t>0000			0000			0000			0000</a:t>
-            </a:r>
-          </a:p>
-        </p:txBody>
-      </p:sp>
-      <p:sp>
-        <p:nvSpPr>
-          <p:cNvPr id="26" name="Right Arrow 25">
-            <a:extLst>
-              <a:ext uri="{FF2B5EF4-FFF2-40B4-BE49-F238E27FC236}">
-                <a16:creationId xmlns:a16="http://schemas.microsoft.com/office/drawing/2014/main" id="{11BCBBAF-A95B-B3EF-7D07-0481B79E830E}"/>
-              </a:ext>
-            </a:extLst>
-          </p:cNvPr>
-          <p:cNvSpPr/>
-          <p:nvPr/>
-        </p:nvSpPr>
-        <p:spPr>
-          <a:xfrm rot="10800000">
-            <a:off x="3458821" y="4051563"/>
-            <a:ext cx="7605972" cy="147077"/>
-          </a:xfrm>
-          <a:prstGeom prst="rightArrow">
-            <a:avLst/>
-          </a:prstGeom>
-        </p:spPr>
-        <p:style>
-          <a:lnRef idx="2">
-            <a:schemeClr val="accent1">
-              <a:shade val="50000"/>
-            </a:schemeClr>
-          </a:lnRef>
-          <a:fillRef idx="1">
-            <a:schemeClr val="accent1"/>
-          </a:fillRef>
-          <a:effectRef idx="0">
-            <a:schemeClr val="accent1"/>
-          </a:effectRef>
-          <a:fontRef idx="minor">
-            <a:schemeClr val="lt1"/>
-          </a:fontRef>
-        </p:style>
-        <p:txBody>
-          <a:bodyPr rtlCol="0" anchor="ctr"/>
-          <a:lstStyle/>
-          <a:p>
-            <a:pPr algn="ctr"/>
-            <a:endParaRPr lang="en-GB"/>
-          </a:p>
-        </p:txBody>
-      </p:sp>
-      <p:sp>
-        <p:nvSpPr>
-          <p:cNvPr id="29" name="Curved Down Arrow 28">
-            <a:extLst>
-              <a:ext uri="{FF2B5EF4-FFF2-40B4-BE49-F238E27FC236}">
-                <a16:creationId xmlns:a16="http://schemas.microsoft.com/office/drawing/2014/main" id="{0D2E6AF6-F030-7BFD-CEF7-869F2D7B4DEF}"/>
-              </a:ext>
-            </a:extLst>
-          </p:cNvPr>
-          <p:cNvSpPr/>
-          <p:nvPr/>
-        </p:nvSpPr>
-        <p:spPr>
-          <a:xfrm flipH="1">
-            <a:off x="7987746" y="4697608"/>
-            <a:ext cx="974036" cy="731520"/>
-          </a:xfrm>
-          <a:prstGeom prst="curvedDownArrow">
-            <a:avLst/>
-          </a:prstGeom>
-        </p:spPr>
-        <p:style>
-          <a:lnRef idx="2">
-            <a:schemeClr val="accent1">
-              <a:shade val="50000"/>
-            </a:schemeClr>
-          </a:lnRef>
-          <a:fillRef idx="1">
-            <a:schemeClr val="accent1"/>
-          </a:fillRef>
-          <a:effectRef idx="0">
-            <a:schemeClr val="accent1"/>
-          </a:effectRef>
-          <a:fontRef idx="minor">
-            <a:schemeClr val="lt1"/>
-          </a:fontRef>
-        </p:style>
-        <p:txBody>
-          <a:bodyPr rtlCol="0" anchor="ctr"/>
-          <a:lstStyle/>
-          <a:p>
-            <a:pPr algn="ctr"/>
-            <a:endParaRPr lang="en-GB">
-              <a:solidFill>
-                <a:schemeClr val="tx1"/>
-              </a:solidFill>
-            </a:endParaRPr>
-          </a:p>
-        </p:txBody>
-      </p:sp>
-      <p:sp>
-        <p:nvSpPr>
-          <p:cNvPr id="30" name="Curved Down Arrow 29">
-            <a:extLst>
-              <a:ext uri="{FF2B5EF4-FFF2-40B4-BE49-F238E27FC236}">
-                <a16:creationId xmlns:a16="http://schemas.microsoft.com/office/drawing/2014/main" id="{E7333015-D7BD-0561-84F4-BF48563212A1}"/>
-              </a:ext>
-            </a:extLst>
-          </p:cNvPr>
-          <p:cNvSpPr/>
-          <p:nvPr/>
-        </p:nvSpPr>
-        <p:spPr>
-          <a:xfrm flipH="1">
-            <a:off x="6095999" y="4697608"/>
-            <a:ext cx="974036" cy="731520"/>
-          </a:xfrm>
-          <a:prstGeom prst="curvedDownArrow">
-            <a:avLst/>
-          </a:prstGeom>
-        </p:spPr>
-        <p:style>
-          <a:lnRef idx="2">
-            <a:schemeClr val="accent1">
-              <a:shade val="50000"/>
-            </a:schemeClr>
-          </a:lnRef>
-          <a:fillRef idx="1">
-            <a:schemeClr val="accent1"/>
-          </a:fillRef>
-          <a:effectRef idx="0">
-            <a:schemeClr val="accent1"/>
-          </a:effectRef>
-          <a:fontRef idx="minor">
-            <a:schemeClr val="lt1"/>
-          </a:fontRef>
-        </p:style>
-        <p:txBody>
-          <a:bodyPr rtlCol="0" anchor="ctr"/>
-          <a:lstStyle/>
-          <a:p>
-            <a:pPr algn="ctr"/>
-            <a:endParaRPr lang="en-GB">
-              <a:solidFill>
-                <a:schemeClr val="tx1"/>
-              </a:solidFill>
-            </a:endParaRPr>
-          </a:p>
-        </p:txBody>
-      </p:sp>
-      <p:sp>
-        <p:nvSpPr>
-          <p:cNvPr id="31" name="Curved Down Arrow 30">
-            <a:extLst>
-              <a:ext uri="{FF2B5EF4-FFF2-40B4-BE49-F238E27FC236}">
-                <a16:creationId xmlns:a16="http://schemas.microsoft.com/office/drawing/2014/main" id="{BC70EE21-8631-A0C0-B526-B97321038417}"/>
-              </a:ext>
-            </a:extLst>
-          </p:cNvPr>
-          <p:cNvSpPr/>
-          <p:nvPr/>
-        </p:nvSpPr>
-        <p:spPr>
-          <a:xfrm flipH="1">
-            <a:off x="4204251" y="4697608"/>
-            <a:ext cx="974036" cy="731520"/>
-          </a:xfrm>
-          <a:prstGeom prst="curvedDownArrow">
-            <a:avLst/>
-          </a:prstGeom>
-        </p:spPr>
-        <p:style>
-          <a:lnRef idx="2">
-            <a:schemeClr val="accent1">
-              <a:shade val="50000"/>
-            </a:schemeClr>
-          </a:lnRef>
-          <a:fillRef idx="1">
-            <a:schemeClr val="accent1"/>
-          </a:fillRef>
-          <a:effectRef idx="0">
-            <a:schemeClr val="accent1"/>
-          </a:effectRef>
-          <a:fontRef idx="minor">
-            <a:schemeClr val="lt1"/>
-          </a:fontRef>
-        </p:style>
-        <p:txBody>
-          <a:bodyPr rtlCol="0" anchor="ctr"/>
-          <a:lstStyle/>
-          <a:p>
-            <a:pPr algn="ctr"/>
-            <a:endParaRPr lang="en-GB">
-              <a:solidFill>
-                <a:schemeClr val="tx1"/>
-              </a:solidFill>
-            </a:endParaRPr>
-          </a:p>
-        </p:txBody>
-      </p:sp>
-      <p:sp>
-        <p:nvSpPr>
-          <p:cNvPr id="32" name="TextBox 31">
-            <a:extLst>
-              <a:ext uri="{FF2B5EF4-FFF2-40B4-BE49-F238E27FC236}">
-                <a16:creationId xmlns:a16="http://schemas.microsoft.com/office/drawing/2014/main" id="{E055E8F5-262F-A1D3-9B3C-0EA6514D049D}"/>
-              </a:ext>
-            </a:extLst>
-          </p:cNvPr>
-          <p:cNvSpPr txBox="1"/>
-          <p:nvPr/>
-        </p:nvSpPr>
-        <p:spPr>
-          <a:xfrm>
-            <a:off x="260542" y="3801935"/>
-            <a:ext cx="2940228" cy="646331"/>
-          </a:xfrm>
-          <a:prstGeom prst="rect">
-            <a:avLst/>
-          </a:prstGeom>
-          <a:noFill/>
-        </p:spPr>
-        <p:txBody>
-          <a:bodyPr wrap="none" rtlCol="0">
-            <a:spAutoFit/>
-          </a:bodyPr>
-          <a:lstStyle/>
-          <a:p>
-            <a:r>
-              <a:rPr lang="en-GB" sz="3600" dirty="0"/>
-              <a:t>Anti-clockwise</a:t>
-            </a:r>
-          </a:p>
-        </p:txBody>
-      </p:sp>
-      <p:sp>
-        <p:nvSpPr>
-          <p:cNvPr id="37" name="Curved Down Arrow 36">
-            <a:extLst>
-              <a:ext uri="{FF2B5EF4-FFF2-40B4-BE49-F238E27FC236}">
-                <a16:creationId xmlns:a16="http://schemas.microsoft.com/office/drawing/2014/main" id="{FA6C9F2C-92C8-97FD-64D0-DD6128D7EC7D}"/>
-              </a:ext>
-            </a:extLst>
-          </p:cNvPr>
-          <p:cNvSpPr/>
-          <p:nvPr/>
-        </p:nvSpPr>
-        <p:spPr>
-          <a:xfrm>
-            <a:off x="9879496" y="2512365"/>
-            <a:ext cx="974035" cy="731520"/>
-          </a:xfrm>
-          <a:prstGeom prst="curvedDownArrow">
-            <a:avLst/>
-          </a:prstGeom>
-        </p:spPr>
-        <p:style>
-          <a:lnRef idx="2">
-            <a:schemeClr val="accent1">
-              <a:shade val="50000"/>
-            </a:schemeClr>
-          </a:lnRef>
-          <a:fillRef idx="1">
-            <a:schemeClr val="accent1"/>
-          </a:fillRef>
-          <a:effectRef idx="0">
-            <a:schemeClr val="accent1"/>
-          </a:effectRef>
-          <a:fontRef idx="minor">
-            <a:schemeClr val="lt1"/>
-          </a:fontRef>
-        </p:style>
-        <p:txBody>
-          <a:bodyPr rtlCol="0" anchor="ctr"/>
-          <a:lstStyle/>
-          <a:p>
-            <a:pPr algn="ctr"/>
-            <a:endParaRPr lang="en-GB">
-              <a:solidFill>
-                <a:schemeClr val="tx1"/>
-              </a:solidFill>
-            </a:endParaRPr>
-          </a:p>
-        </p:txBody>
-      </p:sp>
-      <p:sp>
-        <p:nvSpPr>
-          <p:cNvPr id="38" name="Curved Down Arrow 37">
-            <a:extLst>
-              <a:ext uri="{FF2B5EF4-FFF2-40B4-BE49-F238E27FC236}">
-                <a16:creationId xmlns:a16="http://schemas.microsoft.com/office/drawing/2014/main" id="{1502713B-E2B4-BB79-F96B-35F2B82E6825}"/>
-              </a:ext>
-            </a:extLst>
-          </p:cNvPr>
-          <p:cNvSpPr/>
-          <p:nvPr/>
-        </p:nvSpPr>
-        <p:spPr>
-          <a:xfrm flipH="1">
-            <a:off x="2284341" y="4697608"/>
-            <a:ext cx="974036" cy="731520"/>
-          </a:xfrm>
-          <a:prstGeom prst="curvedDownArrow">
-            <a:avLst/>
-          </a:prstGeom>
-        </p:spPr>
-        <p:style>
-          <a:lnRef idx="2">
-            <a:schemeClr val="accent1">
-              <a:shade val="50000"/>
-            </a:schemeClr>
-          </a:lnRef>
-          <a:fillRef idx="1">
-            <a:schemeClr val="accent1"/>
-          </a:fillRef>
-          <a:effectRef idx="0">
-            <a:schemeClr val="accent1"/>
-          </a:effectRef>
-          <a:fontRef idx="minor">
-            <a:schemeClr val="lt1"/>
-          </a:fontRef>
-        </p:style>
-        <p:txBody>
-          <a:bodyPr rtlCol="0" anchor="ctr"/>
-          <a:lstStyle/>
-          <a:p>
-            <a:pPr algn="ctr"/>
-            <a:endParaRPr lang="en-GB">
-              <a:solidFill>
-                <a:schemeClr val="tx1"/>
-              </a:solidFill>
-            </a:endParaRPr>
-          </a:p>
-        </p:txBody>
-      </p:sp>
-      <p:pic>
-        <p:nvPicPr>
-          <p:cNvPr id="39" name="Picture 38">
-            <a:extLst>
-              <a:ext uri="{FF2B5EF4-FFF2-40B4-BE49-F238E27FC236}">
-                <a16:creationId xmlns:a16="http://schemas.microsoft.com/office/drawing/2014/main" id="{2123E6CA-BD57-72F1-2266-11A30A62C985}"/>
-              </a:ext>
-            </a:extLst>
-          </p:cNvPr>
-          <p:cNvPicPr>
-            <a:picLocks noChangeAspect="1"/>
-          </p:cNvPicPr>
-          <p:nvPr/>
-        </p:nvPicPr>
-        <p:blipFill>
-          <a:blip r:embed="rId5"/>
-          <a:stretch>
-            <a:fillRect/>
-          </a:stretch>
-        </p:blipFill>
-        <p:spPr>
-          <a:xfrm>
-            <a:off x="374376" y="2742678"/>
-            <a:ext cx="1219200" cy="876300"/>
-          </a:xfrm>
-          <a:prstGeom prst="rect">
-            <a:avLst/>
-          </a:prstGeom>
-        </p:spPr>
-      </p:pic>
-    </p:spTree>
-    <p:extLst>
-      <p:ext uri="{BB962C8B-B14F-4D97-AF65-F5344CB8AC3E}">
-        <p14:creationId xmlns:p14="http://schemas.microsoft.com/office/powerpoint/2010/main" val="2988444406"/>
       </p:ext>
     </p:extLst>
   </p:cSld>
@@ -18017,6 +19109,12 @@
 </file>
 
 <file path=ppt/tags/tag2.xml><?xml version="1.0" encoding="utf-8"?>
+<p:tagLst xmlns:a="http://schemas.openxmlformats.org/drawingml/2006/main" xmlns:r="http://schemas.openxmlformats.org/officeDocument/2006/relationships" xmlns:p="http://schemas.openxmlformats.org/presentationml/2006/main">
+  <p:tag name="THINKCELLSHAPEDONOTDELETE" val="thinkcellActiveDocDoNotDelete"/>
+</p:tagLst>
+</file>
+
+<file path=ppt/tags/tag20.xml><?xml version="1.0" encoding="utf-8"?>
 <p:tagLst xmlns:a="http://schemas.openxmlformats.org/drawingml/2006/main" xmlns:r="http://schemas.openxmlformats.org/officeDocument/2006/relationships" xmlns:p="http://schemas.openxmlformats.org/presentationml/2006/main">
   <p:tag name="THINKCELLSHAPEDONOTDELETE" val="thinkcellActiveDocDoNotDelete"/>
 </p:tagLst>

--- a/steam/technology/computer_sciences/programming_languages/scratch/season01/level03/lesson08/presentation_tetris_design2023apr16.pptx
+++ b/steam/technology/computer_sciences/programming_languages/scratch/season01/level03/lesson08/presentation_tetris_design2023apr16.pptx
@@ -14907,7 +14907,7 @@
         <p:spPr>
           <a:xfrm>
             <a:off x="8927140" y="-15297"/>
-            <a:ext cx="3238354" cy="6201606"/>
+            <a:ext cx="3115181" cy="5965724"/>
           </a:xfrm>
           <a:prstGeom prst="rect">
             <a:avLst/>
@@ -14929,7 +14929,7 @@
         <p:spPr>
           <a:xfrm>
             <a:off x="7354956" y="0"/>
-            <a:ext cx="6102626" cy="6186309"/>
+            <a:ext cx="2613637" cy="6186309"/>
           </a:xfrm>
           <a:prstGeom prst="rect">
             <a:avLst/>
@@ -15417,8 +15417,8 @@
         </p:blipFill>
         <p:spPr>
           <a:xfrm>
-            <a:off x="2392818" y="39928"/>
-            <a:ext cx="3238008" cy="6201607"/>
+            <a:off x="2392819" y="7273"/>
+            <a:ext cx="3093582" cy="5924994"/>
           </a:xfrm>
           <a:prstGeom prst="rect">
             <a:avLst/>
@@ -15439,8 +15439,8 @@
         </p:nvSpPr>
         <p:spPr>
           <a:xfrm>
-            <a:off x="816575" y="18513"/>
-            <a:ext cx="6843091" cy="6186309"/>
+            <a:off x="816572" y="33920"/>
+            <a:ext cx="2285858" cy="6186309"/>
           </a:xfrm>
           <a:prstGeom prst="rect">
             <a:avLst/>
@@ -17692,6 +17692,339 @@
             <a:r>
               <a:rPr lang="en-AE" dirty="0"/>
               <a:t>:</a:t>
+            </a:r>
+          </a:p>
+        </p:txBody>
+      </p:sp>
+      <p:sp>
+        <p:nvSpPr>
+          <p:cNvPr id="101" name="TextBox 100">
+            <a:extLst>
+              <a:ext uri="{FF2B5EF4-FFF2-40B4-BE49-F238E27FC236}">
+                <a16:creationId xmlns:a16="http://schemas.microsoft.com/office/drawing/2014/main" id="{5567A57B-0A1A-D7EB-63F8-04F6320C4452}"/>
+              </a:ext>
+            </a:extLst>
+          </p:cNvPr>
+          <p:cNvSpPr txBox="1"/>
+          <p:nvPr/>
+        </p:nvSpPr>
+        <p:spPr>
+          <a:xfrm>
+            <a:off x="816572" y="39929"/>
+            <a:ext cx="1643642" cy="6186309"/>
+          </a:xfrm>
+          <a:prstGeom prst="rect">
+            <a:avLst/>
+          </a:prstGeom>
+          <a:noFill/>
+        </p:spPr>
+        <p:txBody>
+          <a:bodyPr wrap="square">
+            <a:spAutoFit/>
+          </a:bodyPr>
+          <a:lstStyle/>
+          <a:p>
+            <a:r>
+              <a:rPr lang="en-AE" b="1" dirty="0">
+                <a:solidFill>
+                  <a:srgbClr val="FF0000"/>
+                </a:solidFill>
+              </a:rPr>
+              <a:t>1</a:t>
+            </a:r>
+            <a:r>
+              <a:rPr lang="en-AE" b="1" dirty="0"/>
+              <a:t>0000000000</a:t>
+            </a:r>
+          </a:p>
+          <a:p>
+            <a:r>
+              <a:rPr lang="en-AE" b="1" dirty="0">
+                <a:solidFill>
+                  <a:srgbClr val="FF0000"/>
+                </a:solidFill>
+              </a:rPr>
+              <a:t>1</a:t>
+            </a:r>
+            <a:r>
+              <a:rPr lang="en-AE" b="1" dirty="0"/>
+              <a:t>0000000000</a:t>
+            </a:r>
+          </a:p>
+          <a:p>
+            <a:r>
+              <a:rPr lang="en-AE" b="1" dirty="0">
+                <a:solidFill>
+                  <a:srgbClr val="FF0000"/>
+                </a:solidFill>
+              </a:rPr>
+              <a:t>1</a:t>
+            </a:r>
+            <a:r>
+              <a:rPr lang="en-AE" b="1" dirty="0"/>
+              <a:t>0000000000</a:t>
+            </a:r>
+          </a:p>
+          <a:p>
+            <a:r>
+              <a:rPr lang="en-AE" b="1" dirty="0">
+                <a:solidFill>
+                  <a:srgbClr val="FF0000"/>
+                </a:solidFill>
+              </a:rPr>
+              <a:t>1</a:t>
+            </a:r>
+            <a:r>
+              <a:rPr lang="en-AE" b="1" dirty="0"/>
+              <a:t>0000000000</a:t>
+            </a:r>
+          </a:p>
+          <a:p>
+            <a:r>
+              <a:rPr lang="en-AE" b="1" dirty="0">
+                <a:solidFill>
+                  <a:srgbClr val="FF0000"/>
+                </a:solidFill>
+              </a:rPr>
+              <a:t>1</a:t>
+            </a:r>
+            <a:r>
+              <a:rPr lang="en-AE" b="1" dirty="0"/>
+              <a:t>0000000000</a:t>
+            </a:r>
+          </a:p>
+          <a:p>
+            <a:r>
+              <a:rPr lang="en-AE" b="1" dirty="0">
+                <a:solidFill>
+                  <a:srgbClr val="FF0000"/>
+                </a:solidFill>
+              </a:rPr>
+              <a:t>1</a:t>
+            </a:r>
+            <a:r>
+              <a:rPr lang="en-AE" b="1" dirty="0"/>
+              <a:t>0000000000</a:t>
+            </a:r>
+          </a:p>
+          <a:p>
+            <a:r>
+              <a:rPr lang="en-AE" b="1" dirty="0">
+                <a:solidFill>
+                  <a:srgbClr val="FF0000"/>
+                </a:solidFill>
+              </a:rPr>
+              <a:t>1</a:t>
+            </a:r>
+            <a:r>
+              <a:rPr lang="en-AE" b="1" dirty="0"/>
+              <a:t>0000000000</a:t>
+            </a:r>
+          </a:p>
+          <a:p>
+            <a:r>
+              <a:rPr lang="en-AE" b="1" dirty="0">
+                <a:solidFill>
+                  <a:srgbClr val="FF0000"/>
+                </a:solidFill>
+              </a:rPr>
+              <a:t>1</a:t>
+            </a:r>
+            <a:r>
+              <a:rPr lang="en-AE" b="1" dirty="0"/>
+              <a:t>0000000000</a:t>
+            </a:r>
+          </a:p>
+          <a:p>
+            <a:r>
+              <a:rPr lang="en-AE" b="1" dirty="0">
+                <a:solidFill>
+                  <a:srgbClr val="FF0000"/>
+                </a:solidFill>
+              </a:rPr>
+              <a:t>1</a:t>
+            </a:r>
+            <a:r>
+              <a:rPr lang="en-AE" b="1" dirty="0"/>
+              <a:t>0000000000</a:t>
+            </a:r>
+          </a:p>
+          <a:p>
+            <a:r>
+              <a:rPr lang="en-AE" b="1" dirty="0">
+                <a:solidFill>
+                  <a:srgbClr val="FF0000"/>
+                </a:solidFill>
+              </a:rPr>
+              <a:t>1</a:t>
+            </a:r>
+            <a:r>
+              <a:rPr lang="en-AE" b="1" dirty="0"/>
+              <a:t>0000000000</a:t>
+            </a:r>
+          </a:p>
+          <a:p>
+            <a:r>
+              <a:rPr lang="en-AE" b="1" dirty="0">
+                <a:solidFill>
+                  <a:srgbClr val="FF0000"/>
+                </a:solidFill>
+              </a:rPr>
+              <a:t>1</a:t>
+            </a:r>
+            <a:r>
+              <a:rPr lang="en-AE" b="1" dirty="0"/>
+              <a:t>0000000000</a:t>
+            </a:r>
+          </a:p>
+          <a:p>
+            <a:r>
+              <a:rPr lang="en-AE" b="1" dirty="0">
+                <a:solidFill>
+                  <a:srgbClr val="FF0000"/>
+                </a:solidFill>
+              </a:rPr>
+              <a:t>1</a:t>
+            </a:r>
+            <a:r>
+              <a:rPr lang="en-AE" b="1" dirty="0"/>
+              <a:t>0000000000</a:t>
+            </a:r>
+          </a:p>
+          <a:p>
+            <a:r>
+              <a:rPr lang="en-AE" b="1" dirty="0">
+                <a:solidFill>
+                  <a:srgbClr val="FF0000"/>
+                </a:solidFill>
+              </a:rPr>
+              <a:t>1</a:t>
+            </a:r>
+            <a:r>
+              <a:rPr lang="en-AE" b="1" dirty="0"/>
+              <a:t>0000000000</a:t>
+            </a:r>
+          </a:p>
+          <a:p>
+            <a:r>
+              <a:rPr lang="en-AE" b="1" dirty="0">
+                <a:solidFill>
+                  <a:srgbClr val="FF0000"/>
+                </a:solidFill>
+              </a:rPr>
+              <a:t>1</a:t>
+            </a:r>
+            <a:r>
+              <a:rPr lang="en-AE" b="1" dirty="0"/>
+              <a:t>0000000000</a:t>
+            </a:r>
+          </a:p>
+          <a:p>
+            <a:r>
+              <a:rPr lang="en-AE" b="1" dirty="0">
+                <a:solidFill>
+                  <a:srgbClr val="FF0000"/>
+                </a:solidFill>
+              </a:rPr>
+              <a:t>1</a:t>
+            </a:r>
+            <a:r>
+              <a:rPr lang="en-AE" b="1" dirty="0"/>
+              <a:t>0000000000</a:t>
+            </a:r>
+          </a:p>
+          <a:p>
+            <a:r>
+              <a:rPr lang="en-AE" b="1" dirty="0">
+                <a:solidFill>
+                  <a:srgbClr val="FF0000"/>
+                </a:solidFill>
+              </a:rPr>
+              <a:t>1</a:t>
+            </a:r>
+            <a:r>
+              <a:rPr lang="en-AE" b="1" dirty="0"/>
+              <a:t>0000000000</a:t>
+            </a:r>
+          </a:p>
+          <a:p>
+            <a:r>
+              <a:rPr lang="en-AE" b="1" dirty="0">
+                <a:solidFill>
+                  <a:srgbClr val="FF0000"/>
+                </a:solidFill>
+              </a:rPr>
+              <a:t>1</a:t>
+            </a:r>
+            <a:r>
+              <a:rPr lang="en-AE" b="1" dirty="0"/>
+              <a:t>0000000000</a:t>
+            </a:r>
+          </a:p>
+          <a:p>
+            <a:r>
+              <a:rPr lang="en-AE" b="1" dirty="0">
+                <a:solidFill>
+                  <a:srgbClr val="FF0000"/>
+                </a:solidFill>
+              </a:rPr>
+              <a:t>1</a:t>
+            </a:r>
+            <a:r>
+              <a:rPr lang="en-AE" b="1" dirty="0"/>
+              <a:t>0000000000</a:t>
+            </a:r>
+          </a:p>
+          <a:p>
+            <a:r>
+              <a:rPr lang="en-AE" b="1" dirty="0">
+                <a:solidFill>
+                  <a:srgbClr val="FF0000"/>
+                </a:solidFill>
+              </a:rPr>
+              <a:t>1</a:t>
+            </a:r>
+            <a:r>
+              <a:rPr lang="en-AE" b="1" dirty="0"/>
+              <a:t>0000000000</a:t>
+            </a:r>
+          </a:p>
+          <a:p>
+            <a:r>
+              <a:rPr lang="en-AE" b="1" dirty="0">
+                <a:solidFill>
+                  <a:srgbClr val="FF0000"/>
+                </a:solidFill>
+              </a:rPr>
+              <a:t>1</a:t>
+            </a:r>
+            <a:r>
+              <a:rPr lang="en-AE" b="1" dirty="0"/>
+              <a:t>0000000000</a:t>
+            </a:r>
+          </a:p>
+          <a:p>
+            <a:r>
+              <a:rPr lang="en-AE" b="1" dirty="0">
+                <a:solidFill>
+                  <a:srgbClr val="FF0000"/>
+                </a:solidFill>
+              </a:rPr>
+              <a:t>1</a:t>
+            </a:r>
+            <a:r>
+              <a:rPr lang="en-AE" b="1" dirty="0"/>
+              <a:t>0000000000</a:t>
+            </a:r>
+          </a:p>
+          <a:p>
+            <a:r>
+              <a:rPr lang="en-AE" b="1" dirty="0">
+                <a:solidFill>
+                  <a:srgbClr val="FF0000"/>
+                </a:solidFill>
+              </a:rPr>
+              <a:t>11111111111</a:t>
             </a:r>
           </a:p>
         </p:txBody>

--- a/steam/technology/computer_sciences/programming_languages/scratch/season01/level03/lesson08/presentation_tetris_design2023apr16.pptx
+++ b/steam/technology/computer_sciences/programming_languages/scratch/season01/level03/lesson08/presentation_tetris_design2023apr16.pptx
@@ -18280,7 +18280,7 @@
           <a:p>
             <a:r>
               <a:rPr lang="en-GB" dirty="0"/>
-              <a:t>0</a:t>
+              <a:t>1</a:t>
             </a:r>
           </a:p>
         </p:txBody>
@@ -18315,7 +18315,7 @@
           <a:p>
             <a:r>
               <a:rPr lang="en-GB" dirty="0"/>
-              <a:t>1</a:t>
+              <a:t>2</a:t>
             </a:r>
           </a:p>
         </p:txBody>
@@ -18350,7 +18350,7 @@
           <a:p>
             <a:r>
               <a:rPr lang="en-GB" dirty="0"/>
-              <a:t>2</a:t>
+              <a:t>3</a:t>
             </a:r>
           </a:p>
         </p:txBody>
